--- a/figures/Chapter 2 - Introductory Data Structures/2.4 Circular Arrays.pptx
+++ b/figures/Chapter 2 - Introductory Data Structures/2.4 Circular Arrays.pptx
@@ -164,10 +164,9 @@
           </a:lstStyle>
           <a:p>
             <a:r>
-              <a:rPr lang="en-US" smtClean="0"/>
+              <a:rPr lang="en-US"/>
               <a:t>Click to edit Master title style</a:t>
             </a:r>
-            <a:endParaRPr lang="en-US"/>
           </a:p>
         </p:txBody>
       </p:sp>
@@ -229,10 +228,9 @@
           </a:lstStyle>
           <a:p>
             <a:r>
-              <a:rPr lang="en-US" smtClean="0"/>
+              <a:rPr lang="en-US"/>
               <a:t>Click to edit Master subtitle style</a:t>
             </a:r>
-            <a:endParaRPr lang="en-US"/>
           </a:p>
         </p:txBody>
       </p:sp>
@@ -253,7 +251,7 @@
           <a:p>
             <a:fld id="{5F8C1D27-7054-4C6B-8816-BEAA3AD2E28B}" type="datetimeFigureOut">
               <a:rPr lang="en-US" smtClean="0"/>
-              <a:t>7/2/2016</a:t>
+              <a:t>5/8/18</a:t>
             </a:fld>
             <a:endParaRPr lang="en-US"/>
           </a:p>
@@ -347,10 +345,9 @@
           <a:lstStyle/>
           <a:p>
             <a:r>
-              <a:rPr lang="en-US" smtClean="0"/>
+              <a:rPr lang="en-US"/>
               <a:t>Click to edit Master title style</a:t>
             </a:r>
-            <a:endParaRPr lang="en-US"/>
           </a:p>
         </p:txBody>
       </p:sp>
@@ -371,38 +368,37 @@
           <a:p>
             <a:pPr lvl="0"/>
             <a:r>
-              <a:rPr lang="en-US" smtClean="0"/>
+              <a:rPr lang="en-US"/>
               <a:t>Click to edit Master text styles</a:t>
             </a:r>
           </a:p>
           <a:p>
             <a:pPr lvl="1"/>
             <a:r>
-              <a:rPr lang="en-US" smtClean="0"/>
+              <a:rPr lang="en-US"/>
               <a:t>Second level</a:t>
             </a:r>
           </a:p>
           <a:p>
             <a:pPr lvl="2"/>
             <a:r>
-              <a:rPr lang="en-US" smtClean="0"/>
+              <a:rPr lang="en-US"/>
               <a:t>Third level</a:t>
             </a:r>
           </a:p>
           <a:p>
             <a:pPr lvl="3"/>
             <a:r>
-              <a:rPr lang="en-US" smtClean="0"/>
+              <a:rPr lang="en-US"/>
               <a:t>Fourth level</a:t>
             </a:r>
           </a:p>
           <a:p>
             <a:pPr lvl="4"/>
             <a:r>
-              <a:rPr lang="en-US" smtClean="0"/>
+              <a:rPr lang="en-US"/>
               <a:t>Fifth level</a:t>
             </a:r>
-            <a:endParaRPr lang="en-US"/>
           </a:p>
         </p:txBody>
       </p:sp>
@@ -423,7 +419,7 @@
           <a:p>
             <a:fld id="{5F8C1D27-7054-4C6B-8816-BEAA3AD2E28B}" type="datetimeFigureOut">
               <a:rPr lang="en-US" smtClean="0"/>
-              <a:t>7/2/2016</a:t>
+              <a:t>5/8/18</a:t>
             </a:fld>
             <a:endParaRPr lang="en-US"/>
           </a:p>
@@ -522,10 +518,9 @@
           <a:lstStyle/>
           <a:p>
             <a:r>
-              <a:rPr lang="en-US" smtClean="0"/>
+              <a:rPr lang="en-US"/>
               <a:t>Click to edit Master title style</a:t>
             </a:r>
-            <a:endParaRPr lang="en-US"/>
           </a:p>
         </p:txBody>
       </p:sp>
@@ -551,38 +546,37 @@
           <a:p>
             <a:pPr lvl="0"/>
             <a:r>
-              <a:rPr lang="en-US" smtClean="0"/>
+              <a:rPr lang="en-US"/>
               <a:t>Click to edit Master text styles</a:t>
             </a:r>
           </a:p>
           <a:p>
             <a:pPr lvl="1"/>
             <a:r>
-              <a:rPr lang="en-US" smtClean="0"/>
+              <a:rPr lang="en-US"/>
               <a:t>Second level</a:t>
             </a:r>
           </a:p>
           <a:p>
             <a:pPr lvl="2"/>
             <a:r>
-              <a:rPr lang="en-US" smtClean="0"/>
+              <a:rPr lang="en-US"/>
               <a:t>Third level</a:t>
             </a:r>
           </a:p>
           <a:p>
             <a:pPr lvl="3"/>
             <a:r>
-              <a:rPr lang="en-US" smtClean="0"/>
+              <a:rPr lang="en-US"/>
               <a:t>Fourth level</a:t>
             </a:r>
           </a:p>
           <a:p>
             <a:pPr lvl="4"/>
             <a:r>
-              <a:rPr lang="en-US" smtClean="0"/>
+              <a:rPr lang="en-US"/>
               <a:t>Fifth level</a:t>
             </a:r>
-            <a:endParaRPr lang="en-US"/>
           </a:p>
         </p:txBody>
       </p:sp>
@@ -603,7 +597,7 @@
           <a:p>
             <a:fld id="{5F8C1D27-7054-4C6B-8816-BEAA3AD2E28B}" type="datetimeFigureOut">
               <a:rPr lang="en-US" smtClean="0"/>
-              <a:t>7/2/2016</a:t>
+              <a:t>5/8/18</a:t>
             </a:fld>
             <a:endParaRPr lang="en-US"/>
           </a:p>
@@ -697,10 +691,9 @@
           <a:lstStyle/>
           <a:p>
             <a:r>
-              <a:rPr lang="en-US" smtClean="0"/>
+              <a:rPr lang="en-US"/>
               <a:t>Click to edit Master title style</a:t>
             </a:r>
-            <a:endParaRPr lang="en-US"/>
           </a:p>
         </p:txBody>
       </p:sp>
@@ -721,38 +714,37 @@
           <a:p>
             <a:pPr lvl="0"/>
             <a:r>
-              <a:rPr lang="en-US" smtClean="0"/>
+              <a:rPr lang="en-US"/>
               <a:t>Click to edit Master text styles</a:t>
             </a:r>
           </a:p>
           <a:p>
             <a:pPr lvl="1"/>
             <a:r>
-              <a:rPr lang="en-US" smtClean="0"/>
+              <a:rPr lang="en-US"/>
               <a:t>Second level</a:t>
             </a:r>
           </a:p>
           <a:p>
             <a:pPr lvl="2"/>
             <a:r>
-              <a:rPr lang="en-US" smtClean="0"/>
+              <a:rPr lang="en-US"/>
               <a:t>Third level</a:t>
             </a:r>
           </a:p>
           <a:p>
             <a:pPr lvl="3"/>
             <a:r>
-              <a:rPr lang="en-US" smtClean="0"/>
+              <a:rPr lang="en-US"/>
               <a:t>Fourth level</a:t>
             </a:r>
           </a:p>
           <a:p>
             <a:pPr lvl="4"/>
             <a:r>
-              <a:rPr lang="en-US" smtClean="0"/>
+              <a:rPr lang="en-US"/>
               <a:t>Fifth level</a:t>
             </a:r>
-            <a:endParaRPr lang="en-US"/>
           </a:p>
         </p:txBody>
       </p:sp>
@@ -773,7 +765,7 @@
           <a:p>
             <a:fld id="{5F8C1D27-7054-4C6B-8816-BEAA3AD2E28B}" type="datetimeFigureOut">
               <a:rPr lang="en-US" smtClean="0"/>
-              <a:t>7/2/2016</a:t>
+              <a:t>5/8/18</a:t>
             </a:fld>
             <a:endParaRPr lang="en-US"/>
           </a:p>
@@ -876,10 +868,9 @@
           </a:lstStyle>
           <a:p>
             <a:r>
-              <a:rPr lang="en-US" smtClean="0"/>
+              <a:rPr lang="en-US"/>
               <a:t>Click to edit Master title style</a:t>
             </a:r>
-            <a:endParaRPr lang="en-US"/>
           </a:p>
         </p:txBody>
       </p:sp>
@@ -996,7 +987,7 @@
           <a:p>
             <a:pPr lvl="0"/>
             <a:r>
-              <a:rPr lang="en-US" smtClean="0"/>
+              <a:rPr lang="en-US"/>
               <a:t>Click to edit Master text styles</a:t>
             </a:r>
           </a:p>
@@ -1019,7 +1010,7 @@
           <a:p>
             <a:fld id="{5F8C1D27-7054-4C6B-8816-BEAA3AD2E28B}" type="datetimeFigureOut">
               <a:rPr lang="en-US" smtClean="0"/>
-              <a:t>7/2/2016</a:t>
+              <a:t>5/8/18</a:t>
             </a:fld>
             <a:endParaRPr lang="en-US"/>
           </a:p>
@@ -1113,10 +1104,9 @@
           <a:lstStyle/>
           <a:p>
             <a:r>
-              <a:rPr lang="en-US" smtClean="0"/>
+              <a:rPr lang="en-US"/>
               <a:t>Click to edit Master title style</a:t>
             </a:r>
-            <a:endParaRPr lang="en-US"/>
           </a:p>
         </p:txBody>
       </p:sp>
@@ -1142,38 +1132,37 @@
           <a:p>
             <a:pPr lvl="0"/>
             <a:r>
-              <a:rPr lang="en-US" smtClean="0"/>
+              <a:rPr lang="en-US"/>
               <a:t>Click to edit Master text styles</a:t>
             </a:r>
           </a:p>
           <a:p>
             <a:pPr lvl="1"/>
             <a:r>
-              <a:rPr lang="en-US" smtClean="0"/>
+              <a:rPr lang="en-US"/>
               <a:t>Second level</a:t>
             </a:r>
           </a:p>
           <a:p>
             <a:pPr lvl="2"/>
             <a:r>
-              <a:rPr lang="en-US" smtClean="0"/>
+              <a:rPr lang="en-US"/>
               <a:t>Third level</a:t>
             </a:r>
           </a:p>
           <a:p>
             <a:pPr lvl="3"/>
             <a:r>
-              <a:rPr lang="en-US" smtClean="0"/>
+              <a:rPr lang="en-US"/>
               <a:t>Fourth level</a:t>
             </a:r>
           </a:p>
           <a:p>
             <a:pPr lvl="4"/>
             <a:r>
-              <a:rPr lang="en-US" smtClean="0"/>
+              <a:rPr lang="en-US"/>
               <a:t>Fifth level</a:t>
             </a:r>
-            <a:endParaRPr lang="en-US"/>
           </a:p>
         </p:txBody>
       </p:sp>
@@ -1199,38 +1188,37 @@
           <a:p>
             <a:pPr lvl="0"/>
             <a:r>
-              <a:rPr lang="en-US" smtClean="0"/>
+              <a:rPr lang="en-US"/>
               <a:t>Click to edit Master text styles</a:t>
             </a:r>
           </a:p>
           <a:p>
             <a:pPr lvl="1"/>
             <a:r>
-              <a:rPr lang="en-US" smtClean="0"/>
+              <a:rPr lang="en-US"/>
               <a:t>Second level</a:t>
             </a:r>
           </a:p>
           <a:p>
             <a:pPr lvl="2"/>
             <a:r>
-              <a:rPr lang="en-US" smtClean="0"/>
+              <a:rPr lang="en-US"/>
               <a:t>Third level</a:t>
             </a:r>
           </a:p>
           <a:p>
             <a:pPr lvl="3"/>
             <a:r>
-              <a:rPr lang="en-US" smtClean="0"/>
+              <a:rPr lang="en-US"/>
               <a:t>Fourth level</a:t>
             </a:r>
           </a:p>
           <a:p>
             <a:pPr lvl="4"/>
             <a:r>
-              <a:rPr lang="en-US" smtClean="0"/>
+              <a:rPr lang="en-US"/>
               <a:t>Fifth level</a:t>
             </a:r>
-            <a:endParaRPr lang="en-US"/>
           </a:p>
         </p:txBody>
       </p:sp>
@@ -1251,7 +1239,7 @@
           <a:p>
             <a:fld id="{5F8C1D27-7054-4C6B-8816-BEAA3AD2E28B}" type="datetimeFigureOut">
               <a:rPr lang="en-US" smtClean="0"/>
-              <a:t>7/2/2016</a:t>
+              <a:t>5/8/18</a:t>
             </a:fld>
             <a:endParaRPr lang="en-US"/>
           </a:p>
@@ -1350,10 +1338,9 @@
           <a:lstStyle/>
           <a:p>
             <a:r>
-              <a:rPr lang="en-US" smtClean="0"/>
+              <a:rPr lang="en-US"/>
               <a:t>Click to edit Master title style</a:t>
             </a:r>
-            <a:endParaRPr lang="en-US"/>
           </a:p>
         </p:txBody>
       </p:sp>
@@ -1416,7 +1403,7 @@
           <a:p>
             <a:pPr lvl="0"/>
             <a:r>
-              <a:rPr lang="en-US" smtClean="0"/>
+              <a:rPr lang="en-US"/>
               <a:t>Click to edit Master text styles</a:t>
             </a:r>
           </a:p>
@@ -1444,38 +1431,37 @@
           <a:p>
             <a:pPr lvl="0"/>
             <a:r>
-              <a:rPr lang="en-US" smtClean="0"/>
+              <a:rPr lang="en-US"/>
               <a:t>Click to edit Master text styles</a:t>
             </a:r>
           </a:p>
           <a:p>
             <a:pPr lvl="1"/>
             <a:r>
-              <a:rPr lang="en-US" smtClean="0"/>
+              <a:rPr lang="en-US"/>
               <a:t>Second level</a:t>
             </a:r>
           </a:p>
           <a:p>
             <a:pPr lvl="2"/>
             <a:r>
-              <a:rPr lang="en-US" smtClean="0"/>
+              <a:rPr lang="en-US"/>
               <a:t>Third level</a:t>
             </a:r>
           </a:p>
           <a:p>
             <a:pPr lvl="3"/>
             <a:r>
-              <a:rPr lang="en-US" smtClean="0"/>
+              <a:rPr lang="en-US"/>
               <a:t>Fourth level</a:t>
             </a:r>
           </a:p>
           <a:p>
             <a:pPr lvl="4"/>
             <a:r>
-              <a:rPr lang="en-US" smtClean="0"/>
+              <a:rPr lang="en-US"/>
               <a:t>Fifth level</a:t>
             </a:r>
-            <a:endParaRPr lang="en-US"/>
           </a:p>
         </p:txBody>
       </p:sp>
@@ -1538,7 +1524,7 @@
           <a:p>
             <a:pPr lvl="0"/>
             <a:r>
-              <a:rPr lang="en-US" smtClean="0"/>
+              <a:rPr lang="en-US"/>
               <a:t>Click to edit Master text styles</a:t>
             </a:r>
           </a:p>
@@ -1566,38 +1552,37 @@
           <a:p>
             <a:pPr lvl="0"/>
             <a:r>
-              <a:rPr lang="en-US" smtClean="0"/>
+              <a:rPr lang="en-US"/>
               <a:t>Click to edit Master text styles</a:t>
             </a:r>
           </a:p>
           <a:p>
             <a:pPr lvl="1"/>
             <a:r>
-              <a:rPr lang="en-US" smtClean="0"/>
+              <a:rPr lang="en-US"/>
               <a:t>Second level</a:t>
             </a:r>
           </a:p>
           <a:p>
             <a:pPr lvl="2"/>
             <a:r>
-              <a:rPr lang="en-US" smtClean="0"/>
+              <a:rPr lang="en-US"/>
               <a:t>Third level</a:t>
             </a:r>
           </a:p>
           <a:p>
             <a:pPr lvl="3"/>
             <a:r>
-              <a:rPr lang="en-US" smtClean="0"/>
+              <a:rPr lang="en-US"/>
               <a:t>Fourth level</a:t>
             </a:r>
           </a:p>
           <a:p>
             <a:pPr lvl="4"/>
             <a:r>
-              <a:rPr lang="en-US" smtClean="0"/>
+              <a:rPr lang="en-US"/>
               <a:t>Fifth level</a:t>
             </a:r>
-            <a:endParaRPr lang="en-US"/>
           </a:p>
         </p:txBody>
       </p:sp>
@@ -1618,7 +1603,7 @@
           <a:p>
             <a:fld id="{5F8C1D27-7054-4C6B-8816-BEAA3AD2E28B}" type="datetimeFigureOut">
               <a:rPr lang="en-US" smtClean="0"/>
-              <a:t>7/2/2016</a:t>
+              <a:t>5/8/18</a:t>
             </a:fld>
             <a:endParaRPr lang="en-US"/>
           </a:p>
@@ -1712,10 +1697,9 @@
           <a:lstStyle/>
           <a:p>
             <a:r>
-              <a:rPr lang="en-US" smtClean="0"/>
+              <a:rPr lang="en-US"/>
               <a:t>Click to edit Master title style</a:t>
             </a:r>
-            <a:endParaRPr lang="en-US"/>
           </a:p>
         </p:txBody>
       </p:sp>
@@ -1736,7 +1720,7 @@
           <a:p>
             <a:fld id="{5F8C1D27-7054-4C6B-8816-BEAA3AD2E28B}" type="datetimeFigureOut">
               <a:rPr lang="en-US" smtClean="0"/>
-              <a:t>7/2/2016</a:t>
+              <a:t>5/8/18</a:t>
             </a:fld>
             <a:endParaRPr lang="en-US"/>
           </a:p>
@@ -1831,7 +1815,7 @@
           <a:p>
             <a:fld id="{5F8C1D27-7054-4C6B-8816-BEAA3AD2E28B}" type="datetimeFigureOut">
               <a:rPr lang="en-US" smtClean="0"/>
-              <a:t>7/2/2016</a:t>
+              <a:t>5/8/18</a:t>
             </a:fld>
             <a:endParaRPr lang="en-US"/>
           </a:p>
@@ -1934,10 +1918,9 @@
           </a:lstStyle>
           <a:p>
             <a:r>
-              <a:rPr lang="en-US" smtClean="0"/>
+              <a:rPr lang="en-US"/>
               <a:t>Click to edit Master title style</a:t>
             </a:r>
-            <a:endParaRPr lang="en-US"/>
           </a:p>
         </p:txBody>
       </p:sp>
@@ -1991,38 +1974,37 @@
           <a:p>
             <a:pPr lvl="0"/>
             <a:r>
-              <a:rPr lang="en-US" smtClean="0"/>
+              <a:rPr lang="en-US"/>
               <a:t>Click to edit Master text styles</a:t>
             </a:r>
           </a:p>
           <a:p>
             <a:pPr lvl="1"/>
             <a:r>
-              <a:rPr lang="en-US" smtClean="0"/>
+              <a:rPr lang="en-US"/>
               <a:t>Second level</a:t>
             </a:r>
           </a:p>
           <a:p>
             <a:pPr lvl="2"/>
             <a:r>
-              <a:rPr lang="en-US" smtClean="0"/>
+              <a:rPr lang="en-US"/>
               <a:t>Third level</a:t>
             </a:r>
           </a:p>
           <a:p>
             <a:pPr lvl="3"/>
             <a:r>
-              <a:rPr lang="en-US" smtClean="0"/>
+              <a:rPr lang="en-US"/>
               <a:t>Fourth level</a:t>
             </a:r>
           </a:p>
           <a:p>
             <a:pPr lvl="4"/>
             <a:r>
-              <a:rPr lang="en-US" smtClean="0"/>
+              <a:rPr lang="en-US"/>
               <a:t>Fifth level</a:t>
             </a:r>
-            <a:endParaRPr lang="en-US"/>
           </a:p>
         </p:txBody>
       </p:sp>
@@ -2085,7 +2067,7 @@
           <a:p>
             <a:pPr lvl="0"/>
             <a:r>
-              <a:rPr lang="en-US" smtClean="0"/>
+              <a:rPr lang="en-US"/>
               <a:t>Click to edit Master text styles</a:t>
             </a:r>
           </a:p>
@@ -2108,7 +2090,7 @@
           <a:p>
             <a:fld id="{5F8C1D27-7054-4C6B-8816-BEAA3AD2E28B}" type="datetimeFigureOut">
               <a:rPr lang="en-US" smtClean="0"/>
-              <a:t>7/2/2016</a:t>
+              <a:t>5/8/18</a:t>
             </a:fld>
             <a:endParaRPr lang="en-US"/>
           </a:p>
@@ -2211,10 +2193,9 @@
           </a:lstStyle>
           <a:p>
             <a:r>
-              <a:rPr lang="en-US" smtClean="0"/>
+              <a:rPr lang="en-US"/>
               <a:t>Click to edit Master title style</a:t>
             </a:r>
-            <a:endParaRPr lang="en-US"/>
           </a:p>
         </p:txBody>
       </p:sp>
@@ -2338,7 +2319,7 @@
           <a:p>
             <a:pPr lvl="0"/>
             <a:r>
-              <a:rPr lang="en-US" smtClean="0"/>
+              <a:rPr lang="en-US"/>
               <a:t>Click to edit Master text styles</a:t>
             </a:r>
           </a:p>
@@ -2361,7 +2342,7 @@
           <a:p>
             <a:fld id="{5F8C1D27-7054-4C6B-8816-BEAA3AD2E28B}" type="datetimeFigureOut">
               <a:rPr lang="en-US" smtClean="0"/>
-              <a:t>7/2/2016</a:t>
+              <a:t>5/8/18</a:t>
             </a:fld>
             <a:endParaRPr lang="en-US"/>
           </a:p>
@@ -2470,10 +2451,9 @@
           <a:lstStyle/>
           <a:p>
             <a:r>
-              <a:rPr lang="en-US" smtClean="0"/>
+              <a:rPr lang="en-US"/>
               <a:t>Click to edit Master title style</a:t>
             </a:r>
-            <a:endParaRPr lang="en-US"/>
           </a:p>
         </p:txBody>
       </p:sp>
@@ -2504,38 +2484,37 @@
           <a:p>
             <a:pPr lvl="0"/>
             <a:r>
-              <a:rPr lang="en-US" smtClean="0"/>
+              <a:rPr lang="en-US"/>
               <a:t>Click to edit Master text styles</a:t>
             </a:r>
           </a:p>
           <a:p>
             <a:pPr lvl="1"/>
             <a:r>
-              <a:rPr lang="en-US" smtClean="0"/>
+              <a:rPr lang="en-US"/>
               <a:t>Second level</a:t>
             </a:r>
           </a:p>
           <a:p>
             <a:pPr lvl="2"/>
             <a:r>
-              <a:rPr lang="en-US" smtClean="0"/>
+              <a:rPr lang="en-US"/>
               <a:t>Third level</a:t>
             </a:r>
           </a:p>
           <a:p>
             <a:pPr lvl="3"/>
             <a:r>
-              <a:rPr lang="en-US" smtClean="0"/>
+              <a:rPr lang="en-US"/>
               <a:t>Fourth level</a:t>
             </a:r>
           </a:p>
           <a:p>
             <a:pPr lvl="4"/>
             <a:r>
-              <a:rPr lang="en-US" smtClean="0"/>
+              <a:rPr lang="en-US"/>
               <a:t>Fifth level</a:t>
             </a:r>
-            <a:endParaRPr lang="en-US"/>
           </a:p>
         </p:txBody>
       </p:sp>
@@ -2574,7 +2553,7 @@
           <a:p>
             <a:fld id="{5F8C1D27-7054-4C6B-8816-BEAA3AD2E28B}" type="datetimeFigureOut">
               <a:rPr lang="en-US" smtClean="0"/>
-              <a:t>7/2/2016</a:t>
+              <a:t>5/8/18</a:t>
             </a:fld>
             <a:endParaRPr lang="en-US"/>
           </a:p>
@@ -3004,14 +2983,62 @@
                 <a:tableStyleId>{5C22544A-7EE6-4342-B048-85BDC9FD1C3A}</a:tableStyleId>
               </a:tblPr>
               <a:tblGrid>
-                <a:gridCol w="901522"/>
-                <a:gridCol w="901522"/>
-                <a:gridCol w="901522"/>
-                <a:gridCol w="901522"/>
-                <a:gridCol w="901522"/>
-                <a:gridCol w="901522"/>
-                <a:gridCol w="901522"/>
-                <a:gridCol w="901522"/>
+                <a:gridCol w="901522">
+                  <a:extLst>
+                    <a:ext uri="{9D8B030D-6E8A-4147-A177-3AD203B41FA5}">
+                      <a16:colId xmlns:a16="http://schemas.microsoft.com/office/drawing/2014/main" val="20000"/>
+                    </a:ext>
+                  </a:extLst>
+                </a:gridCol>
+                <a:gridCol w="901522">
+                  <a:extLst>
+                    <a:ext uri="{9D8B030D-6E8A-4147-A177-3AD203B41FA5}">
+                      <a16:colId xmlns:a16="http://schemas.microsoft.com/office/drawing/2014/main" val="20001"/>
+                    </a:ext>
+                  </a:extLst>
+                </a:gridCol>
+                <a:gridCol w="901522">
+                  <a:extLst>
+                    <a:ext uri="{9D8B030D-6E8A-4147-A177-3AD203B41FA5}">
+                      <a16:colId xmlns:a16="http://schemas.microsoft.com/office/drawing/2014/main" val="20002"/>
+                    </a:ext>
+                  </a:extLst>
+                </a:gridCol>
+                <a:gridCol w="901522">
+                  <a:extLst>
+                    <a:ext uri="{9D8B030D-6E8A-4147-A177-3AD203B41FA5}">
+                      <a16:colId xmlns:a16="http://schemas.microsoft.com/office/drawing/2014/main" val="20003"/>
+                    </a:ext>
+                  </a:extLst>
+                </a:gridCol>
+                <a:gridCol w="901522">
+                  <a:extLst>
+                    <a:ext uri="{9D8B030D-6E8A-4147-A177-3AD203B41FA5}">
+                      <a16:colId xmlns:a16="http://schemas.microsoft.com/office/drawing/2014/main" val="20004"/>
+                    </a:ext>
+                  </a:extLst>
+                </a:gridCol>
+                <a:gridCol w="901522">
+                  <a:extLst>
+                    <a:ext uri="{9D8B030D-6E8A-4147-A177-3AD203B41FA5}">
+                      <a16:colId xmlns:a16="http://schemas.microsoft.com/office/drawing/2014/main" val="20005"/>
+                    </a:ext>
+                  </a:extLst>
+                </a:gridCol>
+                <a:gridCol w="901522">
+                  <a:extLst>
+                    <a:ext uri="{9D8B030D-6E8A-4147-A177-3AD203B41FA5}">
+                      <a16:colId xmlns:a16="http://schemas.microsoft.com/office/drawing/2014/main" val="20006"/>
+                    </a:ext>
+                  </a:extLst>
+                </a:gridCol>
+                <a:gridCol w="901522">
+                  <a:extLst>
+                    <a:ext uri="{9D8B030D-6E8A-4147-A177-3AD203B41FA5}">
+                      <a16:colId xmlns:a16="http://schemas.microsoft.com/office/drawing/2014/main" val="20007"/>
+                    </a:ext>
+                  </a:extLst>
+                </a:gridCol>
               </a:tblGrid>
               <a:tr h="613987">
                 <a:tc>
@@ -3021,18 +3048,13 @@
                     <a:p>
                       <a:pPr algn="ctr"/>
                       <a:r>
-                        <a:rPr lang="en-US" sz="2000" i="0" dirty="0" smtClean="0">
+                        <a:rPr lang="en-US" sz="2000" i="0" dirty="0">
                           <a:solidFill>
                             <a:schemeClr val="tx1"/>
                           </a:solidFill>
                         </a:rPr>
                         <a:t>0</a:t>
                       </a:r>
-                      <a:endParaRPr lang="en-US" sz="2000" i="0" dirty="0">
-                        <a:solidFill>
-                          <a:schemeClr val="tx1"/>
-                        </a:solidFill>
-                      </a:endParaRPr>
                     </a:p>
                   </a:txBody>
                   <a:tcPr>
@@ -3084,18 +3106,13 @@
                     <a:p>
                       <a:pPr algn="ctr"/>
                       <a:r>
-                        <a:rPr lang="en-US" sz="2000" i="0" dirty="0" smtClean="0">
+                        <a:rPr lang="en-US" sz="2000" i="0" dirty="0">
                           <a:solidFill>
                             <a:schemeClr val="tx1"/>
                           </a:solidFill>
                         </a:rPr>
                         <a:t>1</a:t>
                       </a:r>
-                      <a:endParaRPr lang="en-US" sz="2000" i="0" dirty="0">
-                        <a:solidFill>
-                          <a:schemeClr val="tx1"/>
-                        </a:solidFill>
-                      </a:endParaRPr>
                     </a:p>
                   </a:txBody>
                   <a:tcPr>
@@ -3147,18 +3164,13 @@
                     <a:p>
                       <a:pPr algn="ctr"/>
                       <a:r>
-                        <a:rPr lang="en-US" sz="2000" i="0" dirty="0" smtClean="0">
+                        <a:rPr lang="en-US" sz="2000" i="0" dirty="0">
                           <a:solidFill>
                             <a:schemeClr val="tx1"/>
                           </a:solidFill>
                         </a:rPr>
                         <a:t>2</a:t>
                       </a:r>
-                      <a:endParaRPr lang="en-US" sz="2000" i="0" dirty="0">
-                        <a:solidFill>
-                          <a:schemeClr val="tx1"/>
-                        </a:solidFill>
-                      </a:endParaRPr>
                     </a:p>
                   </a:txBody>
                   <a:tcPr>
@@ -3210,18 +3222,13 @@
                     <a:p>
                       <a:pPr algn="ctr"/>
                       <a:r>
-                        <a:rPr lang="en-US" sz="2000" i="0" dirty="0" smtClean="0">
+                        <a:rPr lang="en-US" sz="2000" i="0" dirty="0">
                           <a:solidFill>
                             <a:schemeClr val="tx1"/>
                           </a:solidFill>
                         </a:rPr>
                         <a:t>3</a:t>
                       </a:r>
-                      <a:endParaRPr lang="en-US" sz="2000" i="0" dirty="0">
-                        <a:solidFill>
-                          <a:schemeClr val="tx1"/>
-                        </a:solidFill>
-                      </a:endParaRPr>
                     </a:p>
                   </a:txBody>
                   <a:tcPr>
@@ -3273,18 +3280,13 @@
                     <a:p>
                       <a:pPr algn="ctr"/>
                       <a:r>
-                        <a:rPr lang="en-US" sz="2000" i="0" dirty="0" smtClean="0">
+                        <a:rPr lang="en-US" sz="2000" i="0" dirty="0">
                           <a:solidFill>
                             <a:schemeClr val="tx1"/>
                           </a:solidFill>
                         </a:rPr>
                         <a:t>4</a:t>
                       </a:r>
-                      <a:endParaRPr lang="en-US" sz="2000" i="0" dirty="0">
-                        <a:solidFill>
-                          <a:schemeClr val="tx1"/>
-                        </a:solidFill>
-                      </a:endParaRPr>
                     </a:p>
                   </a:txBody>
                   <a:tcPr>
@@ -3336,18 +3338,13 @@
                     <a:p>
                       <a:pPr algn="ctr"/>
                       <a:r>
-                        <a:rPr lang="en-US" sz="2000" i="0" dirty="0" smtClean="0">
+                        <a:rPr lang="en-US" sz="2000" i="0" dirty="0">
                           <a:solidFill>
                             <a:schemeClr val="tx1"/>
                           </a:solidFill>
                         </a:rPr>
                         <a:t>5</a:t>
                       </a:r>
-                      <a:endParaRPr lang="en-US" sz="2000" i="0" dirty="0">
-                        <a:solidFill>
-                          <a:schemeClr val="tx1"/>
-                        </a:solidFill>
-                      </a:endParaRPr>
                     </a:p>
                   </a:txBody>
                   <a:tcPr>
@@ -3399,18 +3396,13 @@
                     <a:p>
                       <a:pPr algn="ctr"/>
                       <a:r>
-                        <a:rPr lang="en-US" sz="2000" i="0" dirty="0" smtClean="0">
+                        <a:rPr lang="en-US" sz="2000" i="0" dirty="0">
                           <a:solidFill>
                             <a:schemeClr val="tx1"/>
                           </a:solidFill>
                         </a:rPr>
                         <a:t>6</a:t>
                       </a:r>
-                      <a:endParaRPr lang="en-US" sz="2000" i="0" dirty="0">
-                        <a:solidFill>
-                          <a:schemeClr val="tx1"/>
-                        </a:solidFill>
-                      </a:endParaRPr>
                     </a:p>
                   </a:txBody>
                   <a:tcPr>
@@ -3462,18 +3454,13 @@
                     <a:p>
                       <a:pPr algn="ctr"/>
                       <a:r>
-                        <a:rPr lang="en-US" sz="2000" i="0" dirty="0" smtClean="0">
+                        <a:rPr lang="en-US" sz="2000" i="0" dirty="0">
                           <a:solidFill>
                             <a:schemeClr val="tx1"/>
                           </a:solidFill>
                         </a:rPr>
                         <a:t>7</a:t>
                       </a:r>
-                      <a:endParaRPr lang="en-US" sz="2000" i="0" dirty="0">
-                        <a:solidFill>
-                          <a:schemeClr val="tx1"/>
-                        </a:solidFill>
-                      </a:endParaRPr>
                     </a:p>
                   </a:txBody>
                   <a:tcPr>
@@ -3518,6 +3505,11 @@
                     </a:solidFill>
                   </a:tcPr>
                 </a:tc>
+                <a:extLst>
+                  <a:ext uri="{0D108BD9-81ED-4DB2-BD59-A6C34878D82A}">
+                    <a16:rowId xmlns:a16="http://schemas.microsoft.com/office/drawing/2014/main" val="10000"/>
+                  </a:ext>
+                </a:extLst>
               </a:tr>
             </a:tbl>
           </a:graphicData>
@@ -3548,14 +3540,62 @@
                 <a:tableStyleId>{5C22544A-7EE6-4342-B048-85BDC9FD1C3A}</a:tableStyleId>
               </a:tblPr>
               <a:tblGrid>
-                <a:gridCol w="901522"/>
-                <a:gridCol w="901522"/>
-                <a:gridCol w="901522"/>
-                <a:gridCol w="901522"/>
-                <a:gridCol w="901522"/>
-                <a:gridCol w="901522"/>
-                <a:gridCol w="901522"/>
-                <a:gridCol w="901522"/>
+                <a:gridCol w="901522">
+                  <a:extLst>
+                    <a:ext uri="{9D8B030D-6E8A-4147-A177-3AD203B41FA5}">
+                      <a16:colId xmlns:a16="http://schemas.microsoft.com/office/drawing/2014/main" val="20000"/>
+                    </a:ext>
+                  </a:extLst>
+                </a:gridCol>
+                <a:gridCol w="901522">
+                  <a:extLst>
+                    <a:ext uri="{9D8B030D-6E8A-4147-A177-3AD203B41FA5}">
+                      <a16:colId xmlns:a16="http://schemas.microsoft.com/office/drawing/2014/main" val="20001"/>
+                    </a:ext>
+                  </a:extLst>
+                </a:gridCol>
+                <a:gridCol w="901522">
+                  <a:extLst>
+                    <a:ext uri="{9D8B030D-6E8A-4147-A177-3AD203B41FA5}">
+                      <a16:colId xmlns:a16="http://schemas.microsoft.com/office/drawing/2014/main" val="20002"/>
+                    </a:ext>
+                  </a:extLst>
+                </a:gridCol>
+                <a:gridCol w="901522">
+                  <a:extLst>
+                    <a:ext uri="{9D8B030D-6E8A-4147-A177-3AD203B41FA5}">
+                      <a16:colId xmlns:a16="http://schemas.microsoft.com/office/drawing/2014/main" val="20003"/>
+                    </a:ext>
+                  </a:extLst>
+                </a:gridCol>
+                <a:gridCol w="901522">
+                  <a:extLst>
+                    <a:ext uri="{9D8B030D-6E8A-4147-A177-3AD203B41FA5}">
+                      <a16:colId xmlns:a16="http://schemas.microsoft.com/office/drawing/2014/main" val="20004"/>
+                    </a:ext>
+                  </a:extLst>
+                </a:gridCol>
+                <a:gridCol w="901522">
+                  <a:extLst>
+                    <a:ext uri="{9D8B030D-6E8A-4147-A177-3AD203B41FA5}">
+                      <a16:colId xmlns:a16="http://schemas.microsoft.com/office/drawing/2014/main" val="20005"/>
+                    </a:ext>
+                  </a:extLst>
+                </a:gridCol>
+                <a:gridCol w="901522">
+                  <a:extLst>
+                    <a:ext uri="{9D8B030D-6E8A-4147-A177-3AD203B41FA5}">
+                      <a16:colId xmlns:a16="http://schemas.microsoft.com/office/drawing/2014/main" val="20006"/>
+                    </a:ext>
+                  </a:extLst>
+                </a:gridCol>
+                <a:gridCol w="901522">
+                  <a:extLst>
+                    <a:ext uri="{9D8B030D-6E8A-4147-A177-3AD203B41FA5}">
+                      <a16:colId xmlns:a16="http://schemas.microsoft.com/office/drawing/2014/main" val="20007"/>
+                    </a:ext>
+                  </a:extLst>
+                </a:gridCol>
               </a:tblGrid>
               <a:tr h="613987">
                 <a:tc>
@@ -3628,18 +3668,13 @@
                     <a:p>
                       <a:pPr algn="ctr"/>
                       <a:r>
-                        <a:rPr lang="en-US" sz="3200" dirty="0" smtClean="0">
+                        <a:rPr lang="en-US" sz="3200" dirty="0">
                           <a:solidFill>
                             <a:srgbClr val="0070C0"/>
                           </a:solidFill>
                         </a:rPr>
                         <a:t>a</a:t>
                       </a:r>
-                      <a:endParaRPr lang="en-US" sz="3200" dirty="0">
-                        <a:solidFill>
-                          <a:srgbClr val="0070C0"/>
-                        </a:solidFill>
-                      </a:endParaRPr>
                     </a:p>
                   </a:txBody>
                   <a:tcPr>
@@ -3699,18 +3734,13 @@
                     <a:p>
                       <a:pPr algn="ctr"/>
                       <a:r>
-                        <a:rPr lang="en-US" sz="3200" dirty="0" smtClean="0">
+                        <a:rPr lang="en-US" sz="3200" dirty="0">
                           <a:solidFill>
                             <a:srgbClr val="0070C0"/>
                           </a:solidFill>
                         </a:rPr>
                         <a:t>b</a:t>
                       </a:r>
-                      <a:endParaRPr lang="en-US" sz="3200" dirty="0">
-                        <a:solidFill>
-                          <a:srgbClr val="0070C0"/>
-                        </a:solidFill>
-                      </a:endParaRPr>
                     </a:p>
                   </a:txBody>
                   <a:tcPr>
@@ -3770,18 +3800,13 @@
                     <a:p>
                       <a:pPr algn="ctr"/>
                       <a:r>
-                        <a:rPr lang="en-US" sz="3200" dirty="0" smtClean="0">
+                        <a:rPr lang="en-US" sz="3200" dirty="0">
                           <a:solidFill>
                             <a:srgbClr val="0070C0"/>
                           </a:solidFill>
                         </a:rPr>
                         <a:t>c</a:t>
                       </a:r>
-                      <a:endParaRPr lang="en-US" sz="3200" dirty="0">
-                        <a:solidFill>
-                          <a:srgbClr val="0070C0"/>
-                        </a:solidFill>
-                      </a:endParaRPr>
                     </a:p>
                   </a:txBody>
                   <a:tcPr>
@@ -3841,18 +3866,13 @@
                     <a:p>
                       <a:pPr algn="ctr"/>
                       <a:r>
-                        <a:rPr lang="en-US" sz="3200" dirty="0" smtClean="0">
+                        <a:rPr lang="en-US" sz="3200" dirty="0">
                           <a:solidFill>
                             <a:srgbClr val="0070C0"/>
                           </a:solidFill>
                         </a:rPr>
                         <a:t>d</a:t>
                       </a:r>
-                      <a:endParaRPr lang="en-US" sz="3200" dirty="0">
-                        <a:solidFill>
-                          <a:srgbClr val="0070C0"/>
-                        </a:solidFill>
-                      </a:endParaRPr>
                     </a:p>
                   </a:txBody>
                   <a:tcPr>
@@ -3912,18 +3932,13 @@
                     <a:p>
                       <a:pPr algn="ctr"/>
                       <a:r>
-                        <a:rPr lang="en-US" sz="3200" dirty="0" smtClean="0">
+                        <a:rPr lang="en-US" sz="3200" dirty="0">
                           <a:solidFill>
                             <a:srgbClr val="0070C0"/>
                           </a:solidFill>
                         </a:rPr>
                         <a:t>e</a:t>
                       </a:r>
-                      <a:endParaRPr lang="en-US" sz="3200" dirty="0">
-                        <a:solidFill>
-                          <a:srgbClr val="0070C0"/>
-                        </a:solidFill>
-                      </a:endParaRPr>
                     </a:p>
                   </a:txBody>
                   <a:tcPr>
@@ -4102,6 +4117,11 @@
                     </a:solidFill>
                   </a:tcPr>
                 </a:tc>
+                <a:extLst>
+                  <a:ext uri="{0D108BD9-81ED-4DB2-BD59-A6C34878D82A}">
+                    <a16:rowId xmlns:a16="http://schemas.microsoft.com/office/drawing/2014/main" val="10000"/>
+                  </a:ext>
+                </a:extLst>
               </a:tr>
             </a:tbl>
           </a:graphicData>
@@ -4130,7 +4150,7 @@
           <a:lstStyle/>
           <a:p>
             <a:r>
-              <a:rPr lang="en-US" sz="2400" b="1" dirty="0" smtClean="0">
+              <a:rPr lang="en-US" sz="2400" b="1" dirty="0">
                 <a:solidFill>
                   <a:srgbClr val="00B050"/>
                 </a:solidFill>
@@ -4142,7 +4162,7 @@
           </a:p>
           <a:p>
             <a:r>
-              <a:rPr lang="en-US" sz="2400" b="1" dirty="0" smtClean="0">
+              <a:rPr lang="en-US" sz="2400" b="1" dirty="0">
                 <a:solidFill>
                   <a:srgbClr val="FF0000"/>
                 </a:solidFill>
@@ -4151,13 +4171,6 @@
               </a:rPr>
               <a:t>tail = 5</a:t>
             </a:r>
-            <a:endParaRPr lang="en-US" sz="2400" b="1" dirty="0">
-              <a:solidFill>
-                <a:srgbClr val="FF0000"/>
-              </a:solidFill>
-              <a:latin typeface="Courier New" panose="02070309020205020404" pitchFamily="49" charset="0"/>
-              <a:cs typeface="Courier New" panose="02070309020205020404" pitchFamily="49" charset="0"/>
-            </a:endParaRPr>
           </a:p>
         </p:txBody>
       </p:sp>
@@ -4286,36 +4299,19 @@
           <a:lstStyle/>
           <a:p>
             <a:r>
-              <a:rPr lang="en-US" sz="2400" b="1" dirty="0" smtClean="0">
+              <a:rPr lang="en-US" sz="2400" b="1" dirty="0">
                 <a:solidFill>
                   <a:srgbClr val="00B050"/>
                 </a:solidFill>
                 <a:latin typeface="Courier New" panose="02070309020205020404" pitchFamily="49" charset="0"/>
                 <a:cs typeface="Courier New" panose="02070309020205020404" pitchFamily="49" charset="0"/>
               </a:rPr>
-              <a:t>head = </a:t>
+              <a:t>head = 7</a:t>
             </a:r>
+          </a:p>
+          <a:p>
             <a:r>
-              <a:rPr lang="en-US" sz="2400" b="1" dirty="0" smtClean="0">
-                <a:solidFill>
-                  <a:srgbClr val="00B050"/>
-                </a:solidFill>
-                <a:latin typeface="Courier New" panose="02070309020205020404" pitchFamily="49" charset="0"/>
-                <a:cs typeface="Courier New" panose="02070309020205020404" pitchFamily="49" charset="0"/>
-              </a:rPr>
-              <a:t>7</a:t>
-            </a:r>
-            <a:endParaRPr lang="en-US" sz="2400" b="1" dirty="0" smtClean="0">
-              <a:solidFill>
-                <a:srgbClr val="00B050"/>
-              </a:solidFill>
-              <a:latin typeface="Courier New" panose="02070309020205020404" pitchFamily="49" charset="0"/>
-              <a:cs typeface="Courier New" panose="02070309020205020404" pitchFamily="49" charset="0"/>
-            </a:endParaRPr>
-          </a:p>
-          <a:p>
-            <a:r>
-              <a:rPr lang="en-US" sz="2400" b="1" dirty="0" smtClean="0">
+              <a:rPr lang="en-US" sz="2400" b="1" dirty="0">
                 <a:solidFill>
                   <a:srgbClr val="FF0000"/>
                 </a:solidFill>
@@ -4324,13 +4320,6 @@
               </a:rPr>
               <a:t>tail = 5</a:t>
             </a:r>
-            <a:endParaRPr lang="en-US" sz="2400" b="1" dirty="0">
-              <a:solidFill>
-                <a:srgbClr val="FF0000"/>
-              </a:solidFill>
-              <a:latin typeface="Courier New" panose="02070309020205020404" pitchFamily="49" charset="0"/>
-              <a:cs typeface="Courier New" panose="02070309020205020404" pitchFamily="49" charset="0"/>
-            </a:endParaRPr>
           </a:p>
         </p:txBody>
       </p:sp>
@@ -4760,11 +4749,6 @@
               </a:rPr>
               <a:t>c</a:t>
             </a:r>
-            <a:endParaRPr lang="en-US" sz="4400" dirty="0">
-              <a:solidFill>
-                <a:srgbClr val="0070C0"/>
-              </a:solidFill>
-            </a:endParaRPr>
           </a:p>
         </p:txBody>
       </p:sp>
@@ -4798,11 +4782,6 @@
               </a:rPr>
               <a:t>d</a:t>
             </a:r>
-            <a:endParaRPr lang="en-US" sz="4400" dirty="0">
-              <a:solidFill>
-                <a:srgbClr val="0070C0"/>
-              </a:solidFill>
-            </a:endParaRPr>
           </a:p>
         </p:txBody>
       </p:sp>
@@ -4836,11 +4815,6 @@
               </a:rPr>
               <a:t>e</a:t>
             </a:r>
-            <a:endParaRPr lang="en-US" sz="4400" dirty="0">
-              <a:solidFill>
-                <a:srgbClr val="0070C0"/>
-              </a:solidFill>
-            </a:endParaRPr>
           </a:p>
         </p:txBody>
       </p:sp>
@@ -4874,11 +4848,6 @@
               </a:rPr>
               <a:t>f</a:t>
             </a:r>
-            <a:endParaRPr lang="en-US" sz="4400" dirty="0">
-              <a:solidFill>
-                <a:srgbClr val="0070C0"/>
-              </a:solidFill>
-            </a:endParaRPr>
           </a:p>
         </p:txBody>
       </p:sp>
@@ -4905,18 +4874,13 @@
           <a:lstStyle/>
           <a:p>
             <a:r>
-              <a:rPr lang="en-US" sz="4400" dirty="0" smtClean="0">
+              <a:rPr lang="en-US" sz="4400" dirty="0">
                 <a:solidFill>
                   <a:srgbClr val="0070C0"/>
                 </a:solidFill>
               </a:rPr>
               <a:t>g</a:t>
             </a:r>
-            <a:endParaRPr lang="en-US" sz="4400" dirty="0">
-              <a:solidFill>
-                <a:srgbClr val="0070C0"/>
-              </a:solidFill>
-            </a:endParaRPr>
           </a:p>
         </p:txBody>
       </p:sp>
@@ -5015,10 +4979,9 @@
           <a:lstStyle/>
           <a:p>
             <a:r>
-              <a:rPr lang="en-US" sz="2000" b="1" dirty="0" smtClean="0"/>
+              <a:rPr lang="en-US" sz="2000" b="1" dirty="0"/>
               <a:t>0</a:t>
             </a:r>
-            <a:endParaRPr lang="en-US" sz="2000" b="1" dirty="0"/>
           </a:p>
         </p:txBody>
       </p:sp>
@@ -5045,10 +5008,9 @@
           <a:lstStyle/>
           <a:p>
             <a:r>
-              <a:rPr lang="en-US" sz="2000" b="1" dirty="0" smtClean="0"/>
+              <a:rPr lang="en-US" sz="2000" b="1" dirty="0"/>
               <a:t>1</a:t>
             </a:r>
-            <a:endParaRPr lang="en-US" sz="2000" b="1" dirty="0"/>
           </a:p>
         </p:txBody>
       </p:sp>
@@ -5075,10 +5037,9 @@
           <a:lstStyle/>
           <a:p>
             <a:r>
-              <a:rPr lang="en-US" sz="2000" b="1" dirty="0" smtClean="0"/>
+              <a:rPr lang="en-US" sz="2000" b="1" dirty="0"/>
               <a:t>2</a:t>
             </a:r>
-            <a:endParaRPr lang="en-US" sz="2000" b="1" dirty="0"/>
           </a:p>
         </p:txBody>
       </p:sp>
@@ -5105,10 +5066,9 @@
           <a:lstStyle/>
           <a:p>
             <a:r>
-              <a:rPr lang="en-US" sz="2000" b="1" dirty="0" smtClean="0"/>
+              <a:rPr lang="en-US" sz="2000" b="1" dirty="0"/>
               <a:t>3</a:t>
             </a:r>
-            <a:endParaRPr lang="en-US" sz="2000" b="1" dirty="0"/>
           </a:p>
         </p:txBody>
       </p:sp>
@@ -5135,10 +5095,9 @@
           <a:lstStyle/>
           <a:p>
             <a:r>
-              <a:rPr lang="en-US" sz="2000" b="1" dirty="0" smtClean="0"/>
+              <a:rPr lang="en-US" sz="2000" b="1" dirty="0"/>
               <a:t>4</a:t>
             </a:r>
-            <a:endParaRPr lang="en-US" sz="2000" b="1" dirty="0"/>
           </a:p>
         </p:txBody>
       </p:sp>
@@ -5165,10 +5124,9 @@
           <a:lstStyle/>
           <a:p>
             <a:r>
-              <a:rPr lang="en-US" sz="2000" b="1" dirty="0" smtClean="0"/>
+              <a:rPr lang="en-US" sz="2000" b="1" dirty="0"/>
               <a:t>5</a:t>
             </a:r>
-            <a:endParaRPr lang="en-US" sz="2000" b="1" dirty="0"/>
           </a:p>
         </p:txBody>
       </p:sp>
@@ -5195,10 +5153,9 @@
           <a:lstStyle/>
           <a:p>
             <a:r>
-              <a:rPr lang="en-US" sz="2000" b="1" dirty="0" smtClean="0"/>
+              <a:rPr lang="en-US" sz="2000" b="1" dirty="0"/>
               <a:t>6</a:t>
             </a:r>
-            <a:endParaRPr lang="en-US" sz="2000" b="1" dirty="0"/>
           </a:p>
         </p:txBody>
       </p:sp>
@@ -5225,10 +5182,9 @@
           <a:lstStyle/>
           <a:p>
             <a:r>
-              <a:rPr lang="en-US" sz="2000" b="1" dirty="0" smtClean="0"/>
+              <a:rPr lang="en-US" sz="2000" b="1" dirty="0"/>
               <a:t>7</a:t>
             </a:r>
-            <a:endParaRPr lang="en-US" sz="2000" b="1" dirty="0"/>
           </a:p>
         </p:txBody>
       </p:sp>
@@ -5255,18 +5211,13 @@
           <a:lstStyle/>
           <a:p>
             <a:r>
-              <a:rPr lang="en-US" sz="4400" dirty="0" smtClean="0">
+              <a:rPr lang="en-US" sz="4400" dirty="0">
                 <a:solidFill>
                   <a:srgbClr val="0070C0"/>
                 </a:solidFill>
               </a:rPr>
               <a:t>a</a:t>
             </a:r>
-            <a:endParaRPr lang="en-US" sz="4400" dirty="0">
-              <a:solidFill>
-                <a:srgbClr val="0070C0"/>
-              </a:solidFill>
-            </a:endParaRPr>
           </a:p>
         </p:txBody>
       </p:sp>
@@ -5300,11 +5251,6 @@
               </a:rPr>
               <a:t>b</a:t>
             </a:r>
-            <a:endParaRPr lang="en-US" sz="4400" dirty="0">
-              <a:solidFill>
-                <a:srgbClr val="0070C0"/>
-              </a:solidFill>
-            </a:endParaRPr>
           </a:p>
         </p:txBody>
       </p:sp>
@@ -5347,7 +5293,7 @@
           <p:nvPr>
             <p:extLst>
               <p:ext uri="{D42A27DB-BD31-4B8C-83A1-F6EECF244321}">
-                <p14:modId xmlns:p14="http://schemas.microsoft.com/office/powerpoint/2010/main" val="482896107"/>
+                <p14:modId xmlns:p14="http://schemas.microsoft.com/office/powerpoint/2010/main" val="3040948894"/>
               </p:ext>
             </p:extLst>
           </p:nvPr>
@@ -5363,14 +5309,62 @@
                 <a:tableStyleId>{5C22544A-7EE6-4342-B048-85BDC9FD1C3A}</a:tableStyleId>
               </a:tblPr>
               <a:tblGrid>
-                <a:gridCol w="901522"/>
-                <a:gridCol w="901522"/>
-                <a:gridCol w="901522"/>
-                <a:gridCol w="901522"/>
-                <a:gridCol w="901522"/>
-                <a:gridCol w="901522"/>
-                <a:gridCol w="901522"/>
-                <a:gridCol w="901522"/>
+                <a:gridCol w="901522">
+                  <a:extLst>
+                    <a:ext uri="{9D8B030D-6E8A-4147-A177-3AD203B41FA5}">
+                      <a16:colId xmlns:a16="http://schemas.microsoft.com/office/drawing/2014/main" val="20000"/>
+                    </a:ext>
+                  </a:extLst>
+                </a:gridCol>
+                <a:gridCol w="901522">
+                  <a:extLst>
+                    <a:ext uri="{9D8B030D-6E8A-4147-A177-3AD203B41FA5}">
+                      <a16:colId xmlns:a16="http://schemas.microsoft.com/office/drawing/2014/main" val="20001"/>
+                    </a:ext>
+                  </a:extLst>
+                </a:gridCol>
+                <a:gridCol w="901522">
+                  <a:extLst>
+                    <a:ext uri="{9D8B030D-6E8A-4147-A177-3AD203B41FA5}">
+                      <a16:colId xmlns:a16="http://schemas.microsoft.com/office/drawing/2014/main" val="20002"/>
+                    </a:ext>
+                  </a:extLst>
+                </a:gridCol>
+                <a:gridCol w="901522">
+                  <a:extLst>
+                    <a:ext uri="{9D8B030D-6E8A-4147-A177-3AD203B41FA5}">
+                      <a16:colId xmlns:a16="http://schemas.microsoft.com/office/drawing/2014/main" val="20003"/>
+                    </a:ext>
+                  </a:extLst>
+                </a:gridCol>
+                <a:gridCol w="901522">
+                  <a:extLst>
+                    <a:ext uri="{9D8B030D-6E8A-4147-A177-3AD203B41FA5}">
+                      <a16:colId xmlns:a16="http://schemas.microsoft.com/office/drawing/2014/main" val="20004"/>
+                    </a:ext>
+                  </a:extLst>
+                </a:gridCol>
+                <a:gridCol w="901522">
+                  <a:extLst>
+                    <a:ext uri="{9D8B030D-6E8A-4147-A177-3AD203B41FA5}">
+                      <a16:colId xmlns:a16="http://schemas.microsoft.com/office/drawing/2014/main" val="20005"/>
+                    </a:ext>
+                  </a:extLst>
+                </a:gridCol>
+                <a:gridCol w="901522">
+                  <a:extLst>
+                    <a:ext uri="{9D8B030D-6E8A-4147-A177-3AD203B41FA5}">
+                      <a16:colId xmlns:a16="http://schemas.microsoft.com/office/drawing/2014/main" val="20006"/>
+                    </a:ext>
+                  </a:extLst>
+                </a:gridCol>
+                <a:gridCol w="901522">
+                  <a:extLst>
+                    <a:ext uri="{9D8B030D-6E8A-4147-A177-3AD203B41FA5}">
+                      <a16:colId xmlns:a16="http://schemas.microsoft.com/office/drawing/2014/main" val="20007"/>
+                    </a:ext>
+                  </a:extLst>
+                </a:gridCol>
               </a:tblGrid>
               <a:tr h="613987">
                 <a:tc>
@@ -5380,18 +5374,13 @@
                     <a:p>
                       <a:pPr algn="ctr"/>
                       <a:r>
-                        <a:rPr lang="en-US" sz="2000" i="0" dirty="0" smtClean="0">
+                        <a:rPr lang="en-US" sz="2000" i="0" dirty="0">
                           <a:solidFill>
                             <a:schemeClr val="tx1"/>
                           </a:solidFill>
                         </a:rPr>
                         <a:t>0</a:t>
                       </a:r>
-                      <a:endParaRPr lang="en-US" sz="2000" i="0" dirty="0">
-                        <a:solidFill>
-                          <a:schemeClr val="tx1"/>
-                        </a:solidFill>
-                      </a:endParaRPr>
                     </a:p>
                   </a:txBody>
                   <a:tcPr>
@@ -5443,18 +5432,13 @@
                     <a:p>
                       <a:pPr algn="ctr"/>
                       <a:r>
-                        <a:rPr lang="en-US" sz="2000" i="0" dirty="0" smtClean="0">
+                        <a:rPr lang="en-US" sz="2000" i="0" dirty="0">
                           <a:solidFill>
                             <a:schemeClr val="tx1"/>
                           </a:solidFill>
                         </a:rPr>
                         <a:t>1</a:t>
                       </a:r>
-                      <a:endParaRPr lang="en-US" sz="2000" i="0" dirty="0">
-                        <a:solidFill>
-                          <a:schemeClr val="tx1"/>
-                        </a:solidFill>
-                      </a:endParaRPr>
                     </a:p>
                   </a:txBody>
                   <a:tcPr>
@@ -5506,18 +5490,13 @@
                     <a:p>
                       <a:pPr algn="ctr"/>
                       <a:r>
-                        <a:rPr lang="en-US" sz="2000" i="0" dirty="0" smtClean="0">
+                        <a:rPr lang="en-US" sz="2000" i="0" dirty="0">
                           <a:solidFill>
                             <a:schemeClr val="tx1"/>
                           </a:solidFill>
                         </a:rPr>
                         <a:t>2</a:t>
                       </a:r>
-                      <a:endParaRPr lang="en-US" sz="2000" i="0" dirty="0">
-                        <a:solidFill>
-                          <a:schemeClr val="tx1"/>
-                        </a:solidFill>
-                      </a:endParaRPr>
                     </a:p>
                   </a:txBody>
                   <a:tcPr>
@@ -5569,18 +5548,13 @@
                     <a:p>
                       <a:pPr algn="ctr"/>
                       <a:r>
-                        <a:rPr lang="en-US" sz="2000" i="0" dirty="0" smtClean="0">
+                        <a:rPr lang="en-US" sz="2000" i="0" dirty="0">
                           <a:solidFill>
                             <a:schemeClr val="tx1"/>
                           </a:solidFill>
                         </a:rPr>
                         <a:t>3</a:t>
                       </a:r>
-                      <a:endParaRPr lang="en-US" sz="2000" i="0" dirty="0">
-                        <a:solidFill>
-                          <a:schemeClr val="tx1"/>
-                        </a:solidFill>
-                      </a:endParaRPr>
                     </a:p>
                   </a:txBody>
                   <a:tcPr>
@@ -5632,18 +5606,13 @@
                     <a:p>
                       <a:pPr algn="ctr"/>
                       <a:r>
-                        <a:rPr lang="en-US" sz="2000" i="0" dirty="0" smtClean="0">
+                        <a:rPr lang="en-US" sz="2000" i="0" dirty="0">
                           <a:solidFill>
                             <a:schemeClr val="tx1"/>
                           </a:solidFill>
                         </a:rPr>
                         <a:t>4</a:t>
                       </a:r>
-                      <a:endParaRPr lang="en-US" sz="2000" i="0" dirty="0">
-                        <a:solidFill>
-                          <a:schemeClr val="tx1"/>
-                        </a:solidFill>
-                      </a:endParaRPr>
                     </a:p>
                   </a:txBody>
                   <a:tcPr>
@@ -5695,18 +5664,13 @@
                     <a:p>
                       <a:pPr algn="ctr"/>
                       <a:r>
-                        <a:rPr lang="en-US" sz="2000" i="0" dirty="0" smtClean="0">
+                        <a:rPr lang="en-US" sz="2000" i="0" dirty="0">
                           <a:solidFill>
                             <a:schemeClr val="tx1"/>
                           </a:solidFill>
                         </a:rPr>
                         <a:t>5</a:t>
                       </a:r>
-                      <a:endParaRPr lang="en-US" sz="2000" i="0" dirty="0">
-                        <a:solidFill>
-                          <a:schemeClr val="tx1"/>
-                        </a:solidFill>
-                      </a:endParaRPr>
                     </a:p>
                   </a:txBody>
                   <a:tcPr>
@@ -5758,18 +5722,13 @@
                     <a:p>
                       <a:pPr algn="ctr"/>
                       <a:r>
-                        <a:rPr lang="en-US" sz="2000" i="0" dirty="0" smtClean="0">
+                        <a:rPr lang="en-US" sz="2000" i="0" dirty="0">
                           <a:solidFill>
                             <a:schemeClr val="tx1"/>
                           </a:solidFill>
                         </a:rPr>
                         <a:t>6</a:t>
                       </a:r>
-                      <a:endParaRPr lang="en-US" sz="2000" i="0" dirty="0">
-                        <a:solidFill>
-                          <a:schemeClr val="tx1"/>
-                        </a:solidFill>
-                      </a:endParaRPr>
                     </a:p>
                   </a:txBody>
                   <a:tcPr>
@@ -5821,18 +5780,13 @@
                     <a:p>
                       <a:pPr algn="ctr"/>
                       <a:r>
-                        <a:rPr lang="en-US" sz="2000" i="0" dirty="0" smtClean="0">
+                        <a:rPr lang="en-US" sz="2000" i="0" dirty="0">
                           <a:solidFill>
                             <a:schemeClr val="tx1"/>
                           </a:solidFill>
                         </a:rPr>
                         <a:t>7</a:t>
                       </a:r>
-                      <a:endParaRPr lang="en-US" sz="2000" i="0" dirty="0">
-                        <a:solidFill>
-                          <a:schemeClr val="tx1"/>
-                        </a:solidFill>
-                      </a:endParaRPr>
                     </a:p>
                   </a:txBody>
                   <a:tcPr>
@@ -5877,6 +5831,11 @@
                     </a:solidFill>
                   </a:tcPr>
                 </a:tc>
+                <a:extLst>
+                  <a:ext uri="{0D108BD9-81ED-4DB2-BD59-A6C34878D82A}">
+                    <a16:rowId xmlns:a16="http://schemas.microsoft.com/office/drawing/2014/main" val="10000"/>
+                  </a:ext>
+                </a:extLst>
               </a:tr>
             </a:tbl>
           </a:graphicData>
@@ -5891,7 +5850,7 @@
           <p:nvPr>
             <p:extLst>
               <p:ext uri="{D42A27DB-BD31-4B8C-83A1-F6EECF244321}">
-                <p14:modId xmlns:p14="http://schemas.microsoft.com/office/powerpoint/2010/main" val="1195807501"/>
+                <p14:modId xmlns:p14="http://schemas.microsoft.com/office/powerpoint/2010/main" val="2136370839"/>
               </p:ext>
             </p:extLst>
           </p:nvPr>
@@ -5907,10 +5866,34 @@
                 <a:tableStyleId>{5C22544A-7EE6-4342-B048-85BDC9FD1C3A}</a:tableStyleId>
               </a:tblPr>
               <a:tblGrid>
-                <a:gridCol w="901522"/>
-                <a:gridCol w="901522"/>
-                <a:gridCol w="901522"/>
-                <a:gridCol w="901522"/>
+                <a:gridCol w="901522">
+                  <a:extLst>
+                    <a:ext uri="{9D8B030D-6E8A-4147-A177-3AD203B41FA5}">
+                      <a16:colId xmlns:a16="http://schemas.microsoft.com/office/drawing/2014/main" val="20000"/>
+                    </a:ext>
+                  </a:extLst>
+                </a:gridCol>
+                <a:gridCol w="901522">
+                  <a:extLst>
+                    <a:ext uri="{9D8B030D-6E8A-4147-A177-3AD203B41FA5}">
+                      <a16:colId xmlns:a16="http://schemas.microsoft.com/office/drawing/2014/main" val="20001"/>
+                    </a:ext>
+                  </a:extLst>
+                </a:gridCol>
+                <a:gridCol w="901522">
+                  <a:extLst>
+                    <a:ext uri="{9D8B030D-6E8A-4147-A177-3AD203B41FA5}">
+                      <a16:colId xmlns:a16="http://schemas.microsoft.com/office/drawing/2014/main" val="20002"/>
+                    </a:ext>
+                  </a:extLst>
+                </a:gridCol>
+                <a:gridCol w="901522">
+                  <a:extLst>
+                    <a:ext uri="{9D8B030D-6E8A-4147-A177-3AD203B41FA5}">
+                      <a16:colId xmlns:a16="http://schemas.microsoft.com/office/drawing/2014/main" val="20003"/>
+                    </a:ext>
+                  </a:extLst>
+                </a:gridCol>
               </a:tblGrid>
               <a:tr h="613987">
                 <a:tc>
@@ -5920,18 +5903,13 @@
                     <a:p>
                       <a:pPr algn="ctr"/>
                       <a:r>
-                        <a:rPr lang="en-US" sz="3200" dirty="0" smtClean="0">
+                        <a:rPr lang="en-US" sz="3200" dirty="0">
                           <a:solidFill>
                             <a:srgbClr val="0070C0"/>
                           </a:solidFill>
                         </a:rPr>
                         <a:t>b</a:t>
                       </a:r>
-                      <a:endParaRPr lang="en-US" sz="3200" dirty="0">
-                        <a:solidFill>
-                          <a:srgbClr val="0070C0"/>
-                        </a:solidFill>
-                      </a:endParaRPr>
                     </a:p>
                   </a:txBody>
                   <a:tcPr>
@@ -5991,18 +5969,13 @@
                     <a:p>
                       <a:pPr algn="ctr"/>
                       <a:r>
-                        <a:rPr lang="en-US" sz="3200" dirty="0" smtClean="0">
+                        <a:rPr lang="en-US" sz="3200" dirty="0">
                           <a:solidFill>
                             <a:srgbClr val="0070C0"/>
                           </a:solidFill>
                         </a:rPr>
                         <a:t>c</a:t>
                       </a:r>
-                      <a:endParaRPr lang="en-US" sz="3200" dirty="0">
-                        <a:solidFill>
-                          <a:srgbClr val="0070C0"/>
-                        </a:solidFill>
-                      </a:endParaRPr>
                     </a:p>
                   </a:txBody>
                   <a:tcPr>
@@ -6062,18 +6035,13 @@
                     <a:p>
                       <a:pPr algn="ctr"/>
                       <a:r>
-                        <a:rPr lang="en-US" sz="3200" dirty="0" smtClean="0">
+                        <a:rPr lang="en-US" sz="3200" dirty="0">
                           <a:solidFill>
                             <a:srgbClr val="0070C0"/>
                           </a:solidFill>
                         </a:rPr>
                         <a:t>d</a:t>
                       </a:r>
-                      <a:endParaRPr lang="en-US" sz="3200" dirty="0">
-                        <a:solidFill>
-                          <a:srgbClr val="0070C0"/>
-                        </a:solidFill>
-                      </a:endParaRPr>
                     </a:p>
                   </a:txBody>
                   <a:tcPr>
@@ -6133,18 +6101,13 @@
                     <a:p>
                       <a:pPr algn="ctr"/>
                       <a:r>
-                        <a:rPr lang="en-US" sz="3200" dirty="0" smtClean="0">
+                        <a:rPr lang="en-US" sz="3200" dirty="0">
                           <a:solidFill>
                             <a:srgbClr val="0070C0"/>
                           </a:solidFill>
                         </a:rPr>
                         <a:t>a</a:t>
                       </a:r>
-                      <a:endParaRPr lang="en-US" sz="3200" dirty="0">
-                        <a:solidFill>
-                          <a:srgbClr val="0070C0"/>
-                        </a:solidFill>
-                      </a:endParaRPr>
                     </a:p>
                   </a:txBody>
                   <a:tcPr>
@@ -6197,6 +6160,11 @@
                     </a:solidFill>
                   </a:tcPr>
                 </a:tc>
+                <a:extLst>
+                  <a:ext uri="{0D108BD9-81ED-4DB2-BD59-A6C34878D82A}">
+                    <a16:rowId xmlns:a16="http://schemas.microsoft.com/office/drawing/2014/main" val="10000"/>
+                  </a:ext>
+                </a:extLst>
               </a:tr>
             </a:tbl>
           </a:graphicData>
@@ -6225,61 +6193,27 @@
           <a:lstStyle/>
           <a:p>
             <a:r>
-              <a:rPr lang="en-US" sz="2400" b="1" dirty="0" smtClean="0">
+              <a:rPr lang="en-US" sz="2400" b="1" dirty="0">
                 <a:solidFill>
                   <a:srgbClr val="00B050"/>
                 </a:solidFill>
                 <a:latin typeface="Courier New" panose="02070309020205020404" pitchFamily="49" charset="0"/>
                 <a:cs typeface="Courier New" panose="02070309020205020404" pitchFamily="49" charset="0"/>
               </a:rPr>
-              <a:t>head = </a:t>
+              <a:t>head = 3</a:t>
             </a:r>
+          </a:p>
+          <a:p>
             <a:r>
-              <a:rPr lang="en-US" sz="2400" b="1" dirty="0" smtClean="0">
-                <a:solidFill>
-                  <a:srgbClr val="00B050"/>
-                </a:solidFill>
-                <a:latin typeface="Courier New" panose="02070309020205020404" pitchFamily="49" charset="0"/>
-                <a:cs typeface="Courier New" panose="02070309020205020404" pitchFamily="49" charset="0"/>
-              </a:rPr>
-              <a:t>3</a:t>
-            </a:r>
-            <a:endParaRPr lang="en-US" sz="2400" b="1" dirty="0" smtClean="0">
-              <a:solidFill>
-                <a:srgbClr val="00B050"/>
-              </a:solidFill>
-              <a:latin typeface="Courier New" panose="02070309020205020404" pitchFamily="49" charset="0"/>
-              <a:cs typeface="Courier New" panose="02070309020205020404" pitchFamily="49" charset="0"/>
-            </a:endParaRPr>
-          </a:p>
-          <a:p>
-            <a:r>
-              <a:rPr lang="en-US" sz="2400" b="1" dirty="0" smtClean="0">
+              <a:rPr lang="en-US" sz="2400" b="1" dirty="0">
                 <a:solidFill>
                   <a:srgbClr val="FF0000"/>
                 </a:solidFill>
                 <a:latin typeface="Courier New" panose="02070309020205020404" pitchFamily="49" charset="0"/>
                 <a:cs typeface="Courier New" panose="02070309020205020404" pitchFamily="49" charset="0"/>
               </a:rPr>
-              <a:t>tail = </a:t>
+              <a:t>tail = 2</a:t>
             </a:r>
-            <a:r>
-              <a:rPr lang="en-US" sz="2400" b="1" dirty="0" smtClean="0">
-                <a:solidFill>
-                  <a:srgbClr val="FF0000"/>
-                </a:solidFill>
-                <a:latin typeface="Courier New" panose="02070309020205020404" pitchFamily="49" charset="0"/>
-                <a:cs typeface="Courier New" panose="02070309020205020404" pitchFamily="49" charset="0"/>
-              </a:rPr>
-              <a:t>2</a:t>
-            </a:r>
-            <a:endParaRPr lang="en-US" sz="2400" b="1" dirty="0">
-              <a:solidFill>
-                <a:srgbClr val="FF0000"/>
-              </a:solidFill>
-              <a:latin typeface="Courier New" panose="02070309020205020404" pitchFamily="49" charset="0"/>
-              <a:cs typeface="Courier New" panose="02070309020205020404" pitchFamily="49" charset="0"/>
-            </a:endParaRPr>
           </a:p>
         </p:txBody>
       </p:sp>
@@ -6364,7 +6298,7 @@
           <p:nvPr>
             <p:extLst>
               <p:ext uri="{D42A27DB-BD31-4B8C-83A1-F6EECF244321}">
-                <p14:modId xmlns:p14="http://schemas.microsoft.com/office/powerpoint/2010/main" val="520754249"/>
+                <p14:modId xmlns:p14="http://schemas.microsoft.com/office/powerpoint/2010/main" val="3372750367"/>
               </p:ext>
             </p:extLst>
           </p:nvPr>
@@ -6380,14 +6314,62 @@
                 <a:tableStyleId>{5C22544A-7EE6-4342-B048-85BDC9FD1C3A}</a:tableStyleId>
               </a:tblPr>
               <a:tblGrid>
-                <a:gridCol w="901522"/>
-                <a:gridCol w="901522"/>
-                <a:gridCol w="901522"/>
-                <a:gridCol w="901522"/>
-                <a:gridCol w="901522"/>
-                <a:gridCol w="901522"/>
-                <a:gridCol w="901522"/>
-                <a:gridCol w="901522"/>
+                <a:gridCol w="901522">
+                  <a:extLst>
+                    <a:ext uri="{9D8B030D-6E8A-4147-A177-3AD203B41FA5}">
+                      <a16:colId xmlns:a16="http://schemas.microsoft.com/office/drawing/2014/main" val="20000"/>
+                    </a:ext>
+                  </a:extLst>
+                </a:gridCol>
+                <a:gridCol w="901522">
+                  <a:extLst>
+                    <a:ext uri="{9D8B030D-6E8A-4147-A177-3AD203B41FA5}">
+                      <a16:colId xmlns:a16="http://schemas.microsoft.com/office/drawing/2014/main" val="20001"/>
+                    </a:ext>
+                  </a:extLst>
+                </a:gridCol>
+                <a:gridCol w="901522">
+                  <a:extLst>
+                    <a:ext uri="{9D8B030D-6E8A-4147-A177-3AD203B41FA5}">
+                      <a16:colId xmlns:a16="http://schemas.microsoft.com/office/drawing/2014/main" val="20002"/>
+                    </a:ext>
+                  </a:extLst>
+                </a:gridCol>
+                <a:gridCol w="901522">
+                  <a:extLst>
+                    <a:ext uri="{9D8B030D-6E8A-4147-A177-3AD203B41FA5}">
+                      <a16:colId xmlns:a16="http://schemas.microsoft.com/office/drawing/2014/main" val="20003"/>
+                    </a:ext>
+                  </a:extLst>
+                </a:gridCol>
+                <a:gridCol w="901522">
+                  <a:extLst>
+                    <a:ext uri="{9D8B030D-6E8A-4147-A177-3AD203B41FA5}">
+                      <a16:colId xmlns:a16="http://schemas.microsoft.com/office/drawing/2014/main" val="20004"/>
+                    </a:ext>
+                  </a:extLst>
+                </a:gridCol>
+                <a:gridCol w="901522">
+                  <a:extLst>
+                    <a:ext uri="{9D8B030D-6E8A-4147-A177-3AD203B41FA5}">
+                      <a16:colId xmlns:a16="http://schemas.microsoft.com/office/drawing/2014/main" val="20005"/>
+                    </a:ext>
+                  </a:extLst>
+                </a:gridCol>
+                <a:gridCol w="901522">
+                  <a:extLst>
+                    <a:ext uri="{9D8B030D-6E8A-4147-A177-3AD203B41FA5}">
+                      <a16:colId xmlns:a16="http://schemas.microsoft.com/office/drawing/2014/main" val="20006"/>
+                    </a:ext>
+                  </a:extLst>
+                </a:gridCol>
+                <a:gridCol w="901522">
+                  <a:extLst>
+                    <a:ext uri="{9D8B030D-6E8A-4147-A177-3AD203B41FA5}">
+                      <a16:colId xmlns:a16="http://schemas.microsoft.com/office/drawing/2014/main" val="20007"/>
+                    </a:ext>
+                  </a:extLst>
+                </a:gridCol>
               </a:tblGrid>
               <a:tr h="613987">
                 <a:tc>
@@ -6397,18 +6379,13 @@
                     <a:p>
                       <a:pPr algn="ctr"/>
                       <a:r>
-                        <a:rPr lang="en-US" sz="2000" i="0" dirty="0" smtClean="0">
+                        <a:rPr lang="en-US" sz="2000" i="0" dirty="0">
                           <a:solidFill>
                             <a:schemeClr val="tx1"/>
                           </a:solidFill>
                         </a:rPr>
                         <a:t>0</a:t>
                       </a:r>
-                      <a:endParaRPr lang="en-US" sz="2000" i="0" dirty="0">
-                        <a:solidFill>
-                          <a:schemeClr val="tx1"/>
-                        </a:solidFill>
-                      </a:endParaRPr>
                     </a:p>
                   </a:txBody>
                   <a:tcPr>
@@ -6460,18 +6437,13 @@
                     <a:p>
                       <a:pPr algn="ctr"/>
                       <a:r>
-                        <a:rPr lang="en-US" sz="2000" i="0" dirty="0" smtClean="0">
+                        <a:rPr lang="en-US" sz="2000" i="0" dirty="0">
                           <a:solidFill>
                             <a:schemeClr val="tx1"/>
                           </a:solidFill>
                         </a:rPr>
                         <a:t>1</a:t>
                       </a:r>
-                      <a:endParaRPr lang="en-US" sz="2000" i="0" dirty="0">
-                        <a:solidFill>
-                          <a:schemeClr val="tx1"/>
-                        </a:solidFill>
-                      </a:endParaRPr>
                     </a:p>
                   </a:txBody>
                   <a:tcPr>
@@ -6523,18 +6495,13 @@
                     <a:p>
                       <a:pPr algn="ctr"/>
                       <a:r>
-                        <a:rPr lang="en-US" sz="2000" i="0" dirty="0" smtClean="0">
+                        <a:rPr lang="en-US" sz="2000" i="0" dirty="0">
                           <a:solidFill>
                             <a:schemeClr val="tx1"/>
                           </a:solidFill>
                         </a:rPr>
                         <a:t>2</a:t>
                       </a:r>
-                      <a:endParaRPr lang="en-US" sz="2000" i="0" dirty="0">
-                        <a:solidFill>
-                          <a:schemeClr val="tx1"/>
-                        </a:solidFill>
-                      </a:endParaRPr>
                     </a:p>
                   </a:txBody>
                   <a:tcPr>
@@ -6586,18 +6553,13 @@
                     <a:p>
                       <a:pPr algn="ctr"/>
                       <a:r>
-                        <a:rPr lang="en-US" sz="2000" i="0" dirty="0" smtClean="0">
+                        <a:rPr lang="en-US" sz="2000" i="0" dirty="0">
                           <a:solidFill>
                             <a:schemeClr val="tx1"/>
                           </a:solidFill>
                         </a:rPr>
                         <a:t>3</a:t>
                       </a:r>
-                      <a:endParaRPr lang="en-US" sz="2000" i="0" dirty="0">
-                        <a:solidFill>
-                          <a:schemeClr val="tx1"/>
-                        </a:solidFill>
-                      </a:endParaRPr>
                     </a:p>
                   </a:txBody>
                   <a:tcPr>
@@ -6649,18 +6611,13 @@
                     <a:p>
                       <a:pPr algn="ctr"/>
                       <a:r>
-                        <a:rPr lang="en-US" sz="2000" i="0" dirty="0" smtClean="0">
+                        <a:rPr lang="en-US" sz="2000" i="0" dirty="0">
                           <a:solidFill>
                             <a:schemeClr val="tx1"/>
                           </a:solidFill>
                         </a:rPr>
                         <a:t>4</a:t>
                       </a:r>
-                      <a:endParaRPr lang="en-US" sz="2000" i="0" dirty="0">
-                        <a:solidFill>
-                          <a:schemeClr val="tx1"/>
-                        </a:solidFill>
-                      </a:endParaRPr>
                     </a:p>
                   </a:txBody>
                   <a:tcPr>
@@ -6712,18 +6669,13 @@
                     <a:p>
                       <a:pPr algn="ctr"/>
                       <a:r>
-                        <a:rPr lang="en-US" sz="2000" i="0" dirty="0" smtClean="0">
+                        <a:rPr lang="en-US" sz="2000" i="0" dirty="0">
                           <a:solidFill>
                             <a:schemeClr val="tx1"/>
                           </a:solidFill>
                         </a:rPr>
                         <a:t>5</a:t>
                       </a:r>
-                      <a:endParaRPr lang="en-US" sz="2000" i="0" dirty="0">
-                        <a:solidFill>
-                          <a:schemeClr val="tx1"/>
-                        </a:solidFill>
-                      </a:endParaRPr>
                     </a:p>
                   </a:txBody>
                   <a:tcPr>
@@ -6775,18 +6727,13 @@
                     <a:p>
                       <a:pPr algn="ctr"/>
                       <a:r>
-                        <a:rPr lang="en-US" sz="2000" i="0" dirty="0" smtClean="0">
+                        <a:rPr lang="en-US" sz="2000" i="0" dirty="0">
                           <a:solidFill>
                             <a:schemeClr val="tx1"/>
                           </a:solidFill>
                         </a:rPr>
                         <a:t>6</a:t>
                       </a:r>
-                      <a:endParaRPr lang="en-US" sz="2000" i="0" dirty="0">
-                        <a:solidFill>
-                          <a:schemeClr val="tx1"/>
-                        </a:solidFill>
-                      </a:endParaRPr>
                     </a:p>
                   </a:txBody>
                   <a:tcPr>
@@ -6838,18 +6785,13 @@
                     <a:p>
                       <a:pPr algn="ctr"/>
                       <a:r>
-                        <a:rPr lang="en-US" sz="2000" i="0" dirty="0" smtClean="0">
+                        <a:rPr lang="en-US" sz="2000" i="0" dirty="0">
                           <a:solidFill>
                             <a:schemeClr val="tx1"/>
                           </a:solidFill>
                         </a:rPr>
                         <a:t>7</a:t>
                       </a:r>
-                      <a:endParaRPr lang="en-US" sz="2000" i="0" dirty="0">
-                        <a:solidFill>
-                          <a:schemeClr val="tx1"/>
-                        </a:solidFill>
-                      </a:endParaRPr>
                     </a:p>
                   </a:txBody>
                   <a:tcPr>
@@ -6894,6 +6836,11 @@
                     </a:solidFill>
                   </a:tcPr>
                 </a:tc>
+                <a:extLst>
+                  <a:ext uri="{0D108BD9-81ED-4DB2-BD59-A6C34878D82A}">
+                    <a16:rowId xmlns:a16="http://schemas.microsoft.com/office/drawing/2014/main" val="10000"/>
+                  </a:ext>
+                </a:extLst>
               </a:tr>
             </a:tbl>
           </a:graphicData>
@@ -6908,7 +6855,7 @@
           <p:nvPr>
             <p:extLst>
               <p:ext uri="{D42A27DB-BD31-4B8C-83A1-F6EECF244321}">
-                <p14:modId xmlns:p14="http://schemas.microsoft.com/office/powerpoint/2010/main" val="1097577583"/>
+                <p14:modId xmlns:p14="http://schemas.microsoft.com/office/powerpoint/2010/main" val="957755786"/>
               </p:ext>
             </p:extLst>
           </p:nvPr>
@@ -6924,14 +6871,62 @@
                 <a:tableStyleId>{5C22544A-7EE6-4342-B048-85BDC9FD1C3A}</a:tableStyleId>
               </a:tblPr>
               <a:tblGrid>
-                <a:gridCol w="901522"/>
-                <a:gridCol w="901522"/>
-                <a:gridCol w="901522"/>
-                <a:gridCol w="901522"/>
-                <a:gridCol w="901522"/>
-                <a:gridCol w="901522"/>
-                <a:gridCol w="901522"/>
-                <a:gridCol w="901522"/>
+                <a:gridCol w="901522">
+                  <a:extLst>
+                    <a:ext uri="{9D8B030D-6E8A-4147-A177-3AD203B41FA5}">
+                      <a16:colId xmlns:a16="http://schemas.microsoft.com/office/drawing/2014/main" val="20000"/>
+                    </a:ext>
+                  </a:extLst>
+                </a:gridCol>
+                <a:gridCol w="901522">
+                  <a:extLst>
+                    <a:ext uri="{9D8B030D-6E8A-4147-A177-3AD203B41FA5}">
+                      <a16:colId xmlns:a16="http://schemas.microsoft.com/office/drawing/2014/main" val="20001"/>
+                    </a:ext>
+                  </a:extLst>
+                </a:gridCol>
+                <a:gridCol w="901522">
+                  <a:extLst>
+                    <a:ext uri="{9D8B030D-6E8A-4147-A177-3AD203B41FA5}">
+                      <a16:colId xmlns:a16="http://schemas.microsoft.com/office/drawing/2014/main" val="20002"/>
+                    </a:ext>
+                  </a:extLst>
+                </a:gridCol>
+                <a:gridCol w="901522">
+                  <a:extLst>
+                    <a:ext uri="{9D8B030D-6E8A-4147-A177-3AD203B41FA5}">
+                      <a16:colId xmlns:a16="http://schemas.microsoft.com/office/drawing/2014/main" val="20003"/>
+                    </a:ext>
+                  </a:extLst>
+                </a:gridCol>
+                <a:gridCol w="901522">
+                  <a:extLst>
+                    <a:ext uri="{9D8B030D-6E8A-4147-A177-3AD203B41FA5}">
+                      <a16:colId xmlns:a16="http://schemas.microsoft.com/office/drawing/2014/main" val="20004"/>
+                    </a:ext>
+                  </a:extLst>
+                </a:gridCol>
+                <a:gridCol w="901522">
+                  <a:extLst>
+                    <a:ext uri="{9D8B030D-6E8A-4147-A177-3AD203B41FA5}">
+                      <a16:colId xmlns:a16="http://schemas.microsoft.com/office/drawing/2014/main" val="20005"/>
+                    </a:ext>
+                  </a:extLst>
+                </a:gridCol>
+                <a:gridCol w="901522">
+                  <a:extLst>
+                    <a:ext uri="{9D8B030D-6E8A-4147-A177-3AD203B41FA5}">
+                      <a16:colId xmlns:a16="http://schemas.microsoft.com/office/drawing/2014/main" val="20006"/>
+                    </a:ext>
+                  </a:extLst>
+                </a:gridCol>
+                <a:gridCol w="901522">
+                  <a:extLst>
+                    <a:ext uri="{9D8B030D-6E8A-4147-A177-3AD203B41FA5}">
+                      <a16:colId xmlns:a16="http://schemas.microsoft.com/office/drawing/2014/main" val="20007"/>
+                    </a:ext>
+                  </a:extLst>
+                </a:gridCol>
               </a:tblGrid>
               <a:tr h="613987">
                 <a:tc>
@@ -6941,18 +6936,13 @@
                     <a:p>
                       <a:pPr algn="ctr"/>
                       <a:r>
-                        <a:rPr lang="en-US" sz="3200" dirty="0" smtClean="0">
+                        <a:rPr lang="en-US" sz="3200" dirty="0">
                           <a:solidFill>
                             <a:srgbClr val="0070C0"/>
                           </a:solidFill>
                         </a:rPr>
                         <a:t>a</a:t>
                       </a:r>
-                      <a:endParaRPr lang="en-US" sz="3200" dirty="0">
-                        <a:solidFill>
-                          <a:srgbClr val="0070C0"/>
-                        </a:solidFill>
-                      </a:endParaRPr>
                     </a:p>
                   </a:txBody>
                   <a:tcPr>
@@ -7012,18 +7002,13 @@
                     <a:p>
                       <a:pPr algn="ctr"/>
                       <a:r>
-                        <a:rPr lang="en-US" sz="3200" dirty="0" smtClean="0">
+                        <a:rPr lang="en-US" sz="3200" dirty="0">
                           <a:solidFill>
                             <a:srgbClr val="0070C0"/>
                           </a:solidFill>
                         </a:rPr>
                         <a:t>b</a:t>
                       </a:r>
-                      <a:endParaRPr lang="en-US" sz="3200" dirty="0">
-                        <a:solidFill>
-                          <a:srgbClr val="0070C0"/>
-                        </a:solidFill>
-                      </a:endParaRPr>
                     </a:p>
                   </a:txBody>
                   <a:tcPr>
@@ -7083,18 +7068,13 @@
                     <a:p>
                       <a:pPr algn="ctr"/>
                       <a:r>
-                        <a:rPr lang="en-US" sz="3200" dirty="0" smtClean="0">
+                        <a:rPr lang="en-US" sz="3200" dirty="0">
                           <a:solidFill>
                             <a:srgbClr val="0070C0"/>
                           </a:solidFill>
                         </a:rPr>
                         <a:t>c</a:t>
                       </a:r>
-                      <a:endParaRPr lang="en-US" sz="3200" dirty="0">
-                        <a:solidFill>
-                          <a:srgbClr val="0070C0"/>
-                        </a:solidFill>
-                      </a:endParaRPr>
                     </a:p>
                   </a:txBody>
                   <a:tcPr>
@@ -7154,18 +7134,13 @@
                     <a:p>
                       <a:pPr algn="ctr"/>
                       <a:r>
-                        <a:rPr lang="en-US" sz="3200" dirty="0" smtClean="0">
+                        <a:rPr lang="en-US" sz="3200" dirty="0">
                           <a:solidFill>
                             <a:srgbClr val="0070C0"/>
                           </a:solidFill>
                         </a:rPr>
                         <a:t>d</a:t>
                       </a:r>
-                      <a:endParaRPr lang="en-US" sz="3200" dirty="0">
-                        <a:solidFill>
-                          <a:srgbClr val="0070C0"/>
-                        </a:solidFill>
-                      </a:endParaRPr>
                     </a:p>
                   </a:txBody>
                   <a:tcPr>
@@ -7470,6 +7445,11 @@
                     </a:solidFill>
                   </a:tcPr>
                 </a:tc>
+                <a:extLst>
+                  <a:ext uri="{0D108BD9-81ED-4DB2-BD59-A6C34878D82A}">
+                    <a16:rowId xmlns:a16="http://schemas.microsoft.com/office/drawing/2014/main" val="10000"/>
+                  </a:ext>
+                </a:extLst>
               </a:tr>
             </a:tbl>
           </a:graphicData>
@@ -7498,61 +7478,27 @@
           <a:lstStyle/>
           <a:p>
             <a:r>
-              <a:rPr lang="en-US" sz="2400" b="1" dirty="0" smtClean="0">
+              <a:rPr lang="en-US" sz="2400" b="1" dirty="0">
                 <a:solidFill>
                   <a:srgbClr val="00B050"/>
                 </a:solidFill>
                 <a:latin typeface="Courier New" panose="02070309020205020404" pitchFamily="49" charset="0"/>
                 <a:cs typeface="Courier New" panose="02070309020205020404" pitchFamily="49" charset="0"/>
               </a:rPr>
-              <a:t>head = </a:t>
+              <a:t>head = 0</a:t>
             </a:r>
+          </a:p>
+          <a:p>
             <a:r>
-              <a:rPr lang="en-US" sz="2400" b="1" dirty="0" smtClean="0">
-                <a:solidFill>
-                  <a:srgbClr val="00B050"/>
-                </a:solidFill>
-                <a:latin typeface="Courier New" panose="02070309020205020404" pitchFamily="49" charset="0"/>
-                <a:cs typeface="Courier New" panose="02070309020205020404" pitchFamily="49" charset="0"/>
-              </a:rPr>
-              <a:t>0</a:t>
-            </a:r>
-            <a:endParaRPr lang="en-US" sz="2400" b="1" dirty="0" smtClean="0">
-              <a:solidFill>
-                <a:srgbClr val="00B050"/>
-              </a:solidFill>
-              <a:latin typeface="Courier New" panose="02070309020205020404" pitchFamily="49" charset="0"/>
-              <a:cs typeface="Courier New" panose="02070309020205020404" pitchFamily="49" charset="0"/>
-            </a:endParaRPr>
-          </a:p>
-          <a:p>
-            <a:r>
-              <a:rPr lang="en-US" sz="2400" b="1" dirty="0" smtClean="0">
+              <a:rPr lang="en-US" sz="2400" b="1" dirty="0">
                 <a:solidFill>
                   <a:srgbClr val="FF0000"/>
                 </a:solidFill>
                 <a:latin typeface="Courier New" panose="02070309020205020404" pitchFamily="49" charset="0"/>
                 <a:cs typeface="Courier New" panose="02070309020205020404" pitchFamily="49" charset="0"/>
               </a:rPr>
-              <a:t>tail = </a:t>
+              <a:t>tail = 3</a:t>
             </a:r>
-            <a:r>
-              <a:rPr lang="en-US" sz="2400" b="1" dirty="0" smtClean="0">
-                <a:solidFill>
-                  <a:srgbClr val="FF0000"/>
-                </a:solidFill>
-                <a:latin typeface="Courier New" panose="02070309020205020404" pitchFamily="49" charset="0"/>
-                <a:cs typeface="Courier New" panose="02070309020205020404" pitchFamily="49" charset="0"/>
-              </a:rPr>
-              <a:t>3</a:t>
-            </a:r>
-            <a:endParaRPr lang="en-US" sz="2400" b="1" dirty="0">
-              <a:solidFill>
-                <a:srgbClr val="FF0000"/>
-              </a:solidFill>
-              <a:latin typeface="Courier New" panose="02070309020205020404" pitchFamily="49" charset="0"/>
-              <a:cs typeface="Courier New" panose="02070309020205020404" pitchFamily="49" charset="0"/>
-            </a:endParaRPr>
           </a:p>
         </p:txBody>
       </p:sp>
@@ -7637,7 +7583,7 @@
           <p:nvPr>
             <p:extLst>
               <p:ext uri="{D42A27DB-BD31-4B8C-83A1-F6EECF244321}">
-                <p14:modId xmlns:p14="http://schemas.microsoft.com/office/powerpoint/2010/main" val="1112382744"/>
+                <p14:modId xmlns:p14="http://schemas.microsoft.com/office/powerpoint/2010/main" val="3599271242"/>
               </p:ext>
             </p:extLst>
           </p:nvPr>
@@ -7653,14 +7599,62 @@
                 <a:tableStyleId>{5C22544A-7EE6-4342-B048-85BDC9FD1C3A}</a:tableStyleId>
               </a:tblPr>
               <a:tblGrid>
-                <a:gridCol w="901522"/>
-                <a:gridCol w="901522"/>
-                <a:gridCol w="901522"/>
-                <a:gridCol w="901522"/>
-                <a:gridCol w="901522"/>
-                <a:gridCol w="901522"/>
-                <a:gridCol w="901522"/>
-                <a:gridCol w="901522"/>
+                <a:gridCol w="901522">
+                  <a:extLst>
+                    <a:ext uri="{9D8B030D-6E8A-4147-A177-3AD203B41FA5}">
+                      <a16:colId xmlns:a16="http://schemas.microsoft.com/office/drawing/2014/main" val="20000"/>
+                    </a:ext>
+                  </a:extLst>
+                </a:gridCol>
+                <a:gridCol w="901522">
+                  <a:extLst>
+                    <a:ext uri="{9D8B030D-6E8A-4147-A177-3AD203B41FA5}">
+                      <a16:colId xmlns:a16="http://schemas.microsoft.com/office/drawing/2014/main" val="20001"/>
+                    </a:ext>
+                  </a:extLst>
+                </a:gridCol>
+                <a:gridCol w="901522">
+                  <a:extLst>
+                    <a:ext uri="{9D8B030D-6E8A-4147-A177-3AD203B41FA5}">
+                      <a16:colId xmlns:a16="http://schemas.microsoft.com/office/drawing/2014/main" val="20002"/>
+                    </a:ext>
+                  </a:extLst>
+                </a:gridCol>
+                <a:gridCol w="901522">
+                  <a:extLst>
+                    <a:ext uri="{9D8B030D-6E8A-4147-A177-3AD203B41FA5}">
+                      <a16:colId xmlns:a16="http://schemas.microsoft.com/office/drawing/2014/main" val="20003"/>
+                    </a:ext>
+                  </a:extLst>
+                </a:gridCol>
+                <a:gridCol w="901522">
+                  <a:extLst>
+                    <a:ext uri="{9D8B030D-6E8A-4147-A177-3AD203B41FA5}">
+                      <a16:colId xmlns:a16="http://schemas.microsoft.com/office/drawing/2014/main" val="20004"/>
+                    </a:ext>
+                  </a:extLst>
+                </a:gridCol>
+                <a:gridCol w="901522">
+                  <a:extLst>
+                    <a:ext uri="{9D8B030D-6E8A-4147-A177-3AD203B41FA5}">
+                      <a16:colId xmlns:a16="http://schemas.microsoft.com/office/drawing/2014/main" val="20005"/>
+                    </a:ext>
+                  </a:extLst>
+                </a:gridCol>
+                <a:gridCol w="901522">
+                  <a:extLst>
+                    <a:ext uri="{9D8B030D-6E8A-4147-A177-3AD203B41FA5}">
+                      <a16:colId xmlns:a16="http://schemas.microsoft.com/office/drawing/2014/main" val="20006"/>
+                    </a:ext>
+                  </a:extLst>
+                </a:gridCol>
+                <a:gridCol w="901522">
+                  <a:extLst>
+                    <a:ext uri="{9D8B030D-6E8A-4147-A177-3AD203B41FA5}">
+                      <a16:colId xmlns:a16="http://schemas.microsoft.com/office/drawing/2014/main" val="20007"/>
+                    </a:ext>
+                  </a:extLst>
+                </a:gridCol>
               </a:tblGrid>
               <a:tr h="613987">
                 <a:tc>
@@ -7670,18 +7664,13 @@
                     <a:p>
                       <a:pPr algn="ctr"/>
                       <a:r>
-                        <a:rPr lang="en-US" sz="2000" i="0" dirty="0" smtClean="0">
+                        <a:rPr lang="en-US" sz="2000" i="0" dirty="0">
                           <a:solidFill>
                             <a:schemeClr val="tx1"/>
                           </a:solidFill>
                         </a:rPr>
                         <a:t>0</a:t>
                       </a:r>
-                      <a:endParaRPr lang="en-US" sz="2000" i="0" dirty="0">
-                        <a:solidFill>
-                          <a:schemeClr val="tx1"/>
-                        </a:solidFill>
-                      </a:endParaRPr>
                     </a:p>
                   </a:txBody>
                   <a:tcPr>
@@ -7733,18 +7722,13 @@
                     <a:p>
                       <a:pPr algn="ctr"/>
                       <a:r>
-                        <a:rPr lang="en-US" sz="2000" i="0" dirty="0" smtClean="0">
+                        <a:rPr lang="en-US" sz="2000" i="0" dirty="0">
                           <a:solidFill>
                             <a:schemeClr val="tx1"/>
                           </a:solidFill>
                         </a:rPr>
                         <a:t>1</a:t>
                       </a:r>
-                      <a:endParaRPr lang="en-US" sz="2000" i="0" dirty="0">
-                        <a:solidFill>
-                          <a:schemeClr val="tx1"/>
-                        </a:solidFill>
-                      </a:endParaRPr>
                     </a:p>
                   </a:txBody>
                   <a:tcPr>
@@ -7796,18 +7780,13 @@
                     <a:p>
                       <a:pPr algn="ctr"/>
                       <a:r>
-                        <a:rPr lang="en-US" sz="2000" i="0" dirty="0" smtClean="0">
+                        <a:rPr lang="en-US" sz="2000" i="0" dirty="0">
                           <a:solidFill>
                             <a:schemeClr val="tx1"/>
                           </a:solidFill>
                         </a:rPr>
                         <a:t>2</a:t>
                       </a:r>
-                      <a:endParaRPr lang="en-US" sz="2000" i="0" dirty="0">
-                        <a:solidFill>
-                          <a:schemeClr val="tx1"/>
-                        </a:solidFill>
-                      </a:endParaRPr>
                     </a:p>
                   </a:txBody>
                   <a:tcPr>
@@ -7859,18 +7838,13 @@
                     <a:p>
                       <a:pPr algn="ctr"/>
                       <a:r>
-                        <a:rPr lang="en-US" sz="2000" i="0" dirty="0" smtClean="0">
+                        <a:rPr lang="en-US" sz="2000" i="0" dirty="0">
                           <a:solidFill>
                             <a:schemeClr val="tx1"/>
                           </a:solidFill>
                         </a:rPr>
                         <a:t>3</a:t>
                       </a:r>
-                      <a:endParaRPr lang="en-US" sz="2000" i="0" dirty="0">
-                        <a:solidFill>
-                          <a:schemeClr val="tx1"/>
-                        </a:solidFill>
-                      </a:endParaRPr>
                     </a:p>
                   </a:txBody>
                   <a:tcPr>
@@ -7922,18 +7896,13 @@
                     <a:p>
                       <a:pPr algn="ctr"/>
                       <a:r>
-                        <a:rPr lang="en-US" sz="2000" i="0" dirty="0" smtClean="0">
+                        <a:rPr lang="en-US" sz="2000" i="0" dirty="0">
                           <a:solidFill>
                             <a:schemeClr val="tx1"/>
                           </a:solidFill>
                         </a:rPr>
                         <a:t>4</a:t>
                       </a:r>
-                      <a:endParaRPr lang="en-US" sz="2000" i="0" dirty="0">
-                        <a:solidFill>
-                          <a:schemeClr val="tx1"/>
-                        </a:solidFill>
-                      </a:endParaRPr>
                     </a:p>
                   </a:txBody>
                   <a:tcPr>
@@ -7985,18 +7954,13 @@
                     <a:p>
                       <a:pPr algn="ctr"/>
                       <a:r>
-                        <a:rPr lang="en-US" sz="2000" i="0" dirty="0" smtClean="0">
+                        <a:rPr lang="en-US" sz="2000" i="0" dirty="0">
                           <a:solidFill>
                             <a:schemeClr val="tx1"/>
                           </a:solidFill>
                         </a:rPr>
                         <a:t>5</a:t>
                       </a:r>
-                      <a:endParaRPr lang="en-US" sz="2000" i="0" dirty="0">
-                        <a:solidFill>
-                          <a:schemeClr val="tx1"/>
-                        </a:solidFill>
-                      </a:endParaRPr>
                     </a:p>
                   </a:txBody>
                   <a:tcPr>
@@ -8048,18 +8012,13 @@
                     <a:p>
                       <a:pPr algn="ctr"/>
                       <a:r>
-                        <a:rPr lang="en-US" sz="2000" i="0" dirty="0" smtClean="0">
+                        <a:rPr lang="en-US" sz="2000" i="0" dirty="0">
                           <a:solidFill>
                             <a:schemeClr val="tx1"/>
                           </a:solidFill>
                         </a:rPr>
                         <a:t>6</a:t>
                       </a:r>
-                      <a:endParaRPr lang="en-US" sz="2000" i="0" dirty="0">
-                        <a:solidFill>
-                          <a:schemeClr val="tx1"/>
-                        </a:solidFill>
-                      </a:endParaRPr>
                     </a:p>
                   </a:txBody>
                   <a:tcPr>
@@ -8111,18 +8070,13 @@
                     <a:p>
                       <a:pPr algn="ctr"/>
                       <a:r>
-                        <a:rPr lang="en-US" sz="2000" i="0" dirty="0" smtClean="0">
+                        <a:rPr lang="en-US" sz="2000" i="0" dirty="0">
                           <a:solidFill>
                             <a:schemeClr val="tx1"/>
                           </a:solidFill>
                         </a:rPr>
                         <a:t>7</a:t>
                       </a:r>
-                      <a:endParaRPr lang="en-US" sz="2000" i="0" dirty="0">
-                        <a:solidFill>
-                          <a:schemeClr val="tx1"/>
-                        </a:solidFill>
-                      </a:endParaRPr>
                     </a:p>
                   </a:txBody>
                   <a:tcPr>
@@ -8167,6 +8121,11 @@
                     </a:solidFill>
                   </a:tcPr>
                 </a:tc>
+                <a:extLst>
+                  <a:ext uri="{0D108BD9-81ED-4DB2-BD59-A6C34878D82A}">
+                    <a16:rowId xmlns:a16="http://schemas.microsoft.com/office/drawing/2014/main" val="10000"/>
+                  </a:ext>
+                </a:extLst>
               </a:tr>
             </a:tbl>
           </a:graphicData>
@@ -8181,7 +8140,7 @@
           <p:nvPr>
             <p:extLst>
               <p:ext uri="{D42A27DB-BD31-4B8C-83A1-F6EECF244321}">
-                <p14:modId xmlns:p14="http://schemas.microsoft.com/office/powerpoint/2010/main" val="2376501630"/>
+                <p14:modId xmlns:p14="http://schemas.microsoft.com/office/powerpoint/2010/main" val="1488967491"/>
               </p:ext>
             </p:extLst>
           </p:nvPr>
@@ -8197,14 +8156,62 @@
                 <a:tableStyleId>{5C22544A-7EE6-4342-B048-85BDC9FD1C3A}</a:tableStyleId>
               </a:tblPr>
               <a:tblGrid>
-                <a:gridCol w="901522"/>
-                <a:gridCol w="901522"/>
-                <a:gridCol w="901522"/>
-                <a:gridCol w="901522"/>
-                <a:gridCol w="901522"/>
-                <a:gridCol w="901522"/>
-                <a:gridCol w="901522"/>
-                <a:gridCol w="901522"/>
+                <a:gridCol w="901522">
+                  <a:extLst>
+                    <a:ext uri="{9D8B030D-6E8A-4147-A177-3AD203B41FA5}">
+                      <a16:colId xmlns:a16="http://schemas.microsoft.com/office/drawing/2014/main" val="20000"/>
+                    </a:ext>
+                  </a:extLst>
+                </a:gridCol>
+                <a:gridCol w="901522">
+                  <a:extLst>
+                    <a:ext uri="{9D8B030D-6E8A-4147-A177-3AD203B41FA5}">
+                      <a16:colId xmlns:a16="http://schemas.microsoft.com/office/drawing/2014/main" val="20001"/>
+                    </a:ext>
+                  </a:extLst>
+                </a:gridCol>
+                <a:gridCol w="901522">
+                  <a:extLst>
+                    <a:ext uri="{9D8B030D-6E8A-4147-A177-3AD203B41FA5}">
+                      <a16:colId xmlns:a16="http://schemas.microsoft.com/office/drawing/2014/main" val="20002"/>
+                    </a:ext>
+                  </a:extLst>
+                </a:gridCol>
+                <a:gridCol w="901522">
+                  <a:extLst>
+                    <a:ext uri="{9D8B030D-6E8A-4147-A177-3AD203B41FA5}">
+                      <a16:colId xmlns:a16="http://schemas.microsoft.com/office/drawing/2014/main" val="20003"/>
+                    </a:ext>
+                  </a:extLst>
+                </a:gridCol>
+                <a:gridCol w="901522">
+                  <a:extLst>
+                    <a:ext uri="{9D8B030D-6E8A-4147-A177-3AD203B41FA5}">
+                      <a16:colId xmlns:a16="http://schemas.microsoft.com/office/drawing/2014/main" val="20004"/>
+                    </a:ext>
+                  </a:extLst>
+                </a:gridCol>
+                <a:gridCol w="901522">
+                  <a:extLst>
+                    <a:ext uri="{9D8B030D-6E8A-4147-A177-3AD203B41FA5}">
+                      <a16:colId xmlns:a16="http://schemas.microsoft.com/office/drawing/2014/main" val="20005"/>
+                    </a:ext>
+                  </a:extLst>
+                </a:gridCol>
+                <a:gridCol w="901522">
+                  <a:extLst>
+                    <a:ext uri="{9D8B030D-6E8A-4147-A177-3AD203B41FA5}">
+                      <a16:colId xmlns:a16="http://schemas.microsoft.com/office/drawing/2014/main" val="20006"/>
+                    </a:ext>
+                  </a:extLst>
+                </a:gridCol>
+                <a:gridCol w="901522">
+                  <a:extLst>
+                    <a:ext uri="{9D8B030D-6E8A-4147-A177-3AD203B41FA5}">
+                      <a16:colId xmlns:a16="http://schemas.microsoft.com/office/drawing/2014/main" val="20007"/>
+                    </a:ext>
+                  </a:extLst>
+                </a:gridCol>
               </a:tblGrid>
               <a:tr h="613987">
                 <a:tc>
@@ -8214,18 +8221,13 @@
                     <a:p>
                       <a:pPr algn="ctr"/>
                       <a:r>
-                        <a:rPr lang="en-US" sz="3200" dirty="0" smtClean="0">
+                        <a:rPr lang="en-US" sz="3200" dirty="0">
                           <a:solidFill>
                             <a:srgbClr val="0070C0"/>
                           </a:solidFill>
                         </a:rPr>
                         <a:t>a</a:t>
                       </a:r>
-                      <a:endParaRPr lang="en-US" sz="3200" dirty="0">
-                        <a:solidFill>
-                          <a:srgbClr val="0070C0"/>
-                        </a:solidFill>
-                      </a:endParaRPr>
                     </a:p>
                   </a:txBody>
                   <a:tcPr>
@@ -8285,18 +8287,13 @@
                     <a:p>
                       <a:pPr algn="ctr"/>
                       <a:r>
-                        <a:rPr lang="en-US" sz="3200" dirty="0" smtClean="0">
+                        <a:rPr lang="en-US" sz="3200" dirty="0">
                           <a:solidFill>
                             <a:srgbClr val="0070C0"/>
                           </a:solidFill>
                         </a:rPr>
                         <a:t>b</a:t>
                       </a:r>
-                      <a:endParaRPr lang="en-US" sz="3200" dirty="0">
-                        <a:solidFill>
-                          <a:srgbClr val="0070C0"/>
-                        </a:solidFill>
-                      </a:endParaRPr>
                     </a:p>
                   </a:txBody>
                   <a:tcPr>
@@ -8356,18 +8353,13 @@
                     <a:p>
                       <a:pPr algn="ctr"/>
                       <a:r>
-                        <a:rPr lang="en-US" sz="3200" dirty="0" smtClean="0">
+                        <a:rPr lang="en-US" sz="3200" dirty="0">
                           <a:solidFill>
                             <a:srgbClr val="0070C0"/>
                           </a:solidFill>
                         </a:rPr>
                         <a:t>c</a:t>
                       </a:r>
-                      <a:endParaRPr lang="en-US" sz="3200" dirty="0">
-                        <a:solidFill>
-                          <a:srgbClr val="0070C0"/>
-                        </a:solidFill>
-                      </a:endParaRPr>
                     </a:p>
                   </a:txBody>
                   <a:tcPr>
@@ -8427,18 +8419,13 @@
                     <a:p>
                       <a:pPr algn="ctr"/>
                       <a:r>
-                        <a:rPr lang="en-US" sz="3200" dirty="0" smtClean="0">
+                        <a:rPr lang="en-US" sz="3200" dirty="0">
                           <a:solidFill>
                             <a:srgbClr val="0070C0"/>
                           </a:solidFill>
                         </a:rPr>
                         <a:t>d</a:t>
                       </a:r>
-                      <a:endParaRPr lang="en-US" sz="3200" dirty="0">
-                        <a:solidFill>
-                          <a:srgbClr val="0070C0"/>
-                        </a:solidFill>
-                      </a:endParaRPr>
                     </a:p>
                   </a:txBody>
                   <a:tcPr>
@@ -8743,6 +8730,11 @@
                     </a:solidFill>
                   </a:tcPr>
                 </a:tc>
+                <a:extLst>
+                  <a:ext uri="{0D108BD9-81ED-4DB2-BD59-A6C34878D82A}">
+                    <a16:rowId xmlns:a16="http://schemas.microsoft.com/office/drawing/2014/main" val="10000"/>
+                  </a:ext>
+                </a:extLst>
               </a:tr>
             </a:tbl>
           </a:graphicData>
@@ -8771,61 +8763,27 @@
           <a:lstStyle/>
           <a:p>
             <a:r>
-              <a:rPr lang="en-US" sz="2400" b="1" dirty="0" smtClean="0">
+              <a:rPr lang="en-US" sz="2400" b="1" dirty="0">
                 <a:solidFill>
                   <a:srgbClr val="00B050"/>
                 </a:solidFill>
                 <a:latin typeface="Courier New" panose="02070309020205020404" pitchFamily="49" charset="0"/>
                 <a:cs typeface="Courier New" panose="02070309020205020404" pitchFamily="49" charset="0"/>
               </a:rPr>
-              <a:t>head = </a:t>
+              <a:t>head = 0</a:t>
             </a:r>
+          </a:p>
+          <a:p>
             <a:r>
-              <a:rPr lang="en-US" sz="2400" b="1" dirty="0" smtClean="0">
-                <a:solidFill>
-                  <a:srgbClr val="00B050"/>
-                </a:solidFill>
-                <a:latin typeface="Courier New" panose="02070309020205020404" pitchFamily="49" charset="0"/>
-                <a:cs typeface="Courier New" panose="02070309020205020404" pitchFamily="49" charset="0"/>
-              </a:rPr>
-              <a:t>0</a:t>
-            </a:r>
-            <a:endParaRPr lang="en-US" sz="2400" b="1" dirty="0" smtClean="0">
-              <a:solidFill>
-                <a:srgbClr val="00B050"/>
-              </a:solidFill>
-              <a:latin typeface="Courier New" panose="02070309020205020404" pitchFamily="49" charset="0"/>
-              <a:cs typeface="Courier New" panose="02070309020205020404" pitchFamily="49" charset="0"/>
-            </a:endParaRPr>
-          </a:p>
-          <a:p>
-            <a:r>
-              <a:rPr lang="en-US" sz="2400" b="1" dirty="0" smtClean="0">
+              <a:rPr lang="en-US" sz="2400" b="1" dirty="0">
                 <a:solidFill>
                   <a:srgbClr val="FF0000"/>
                 </a:solidFill>
                 <a:latin typeface="Courier New" panose="02070309020205020404" pitchFamily="49" charset="0"/>
                 <a:cs typeface="Courier New" panose="02070309020205020404" pitchFamily="49" charset="0"/>
               </a:rPr>
-              <a:t>tail = </a:t>
+              <a:t>tail = 4</a:t>
             </a:r>
-            <a:r>
-              <a:rPr lang="en-US" sz="2400" b="1" dirty="0" smtClean="0">
-                <a:solidFill>
-                  <a:srgbClr val="FF0000"/>
-                </a:solidFill>
-                <a:latin typeface="Courier New" panose="02070309020205020404" pitchFamily="49" charset="0"/>
-                <a:cs typeface="Courier New" panose="02070309020205020404" pitchFamily="49" charset="0"/>
-              </a:rPr>
-              <a:t>4</a:t>
-            </a:r>
-            <a:endParaRPr lang="en-US" sz="2400" b="1" dirty="0">
-              <a:solidFill>
-                <a:srgbClr val="FF0000"/>
-              </a:solidFill>
-              <a:latin typeface="Courier New" panose="02070309020205020404" pitchFamily="49" charset="0"/>
-              <a:cs typeface="Courier New" panose="02070309020205020404" pitchFamily="49" charset="0"/>
-            </a:endParaRPr>
           </a:p>
         </p:txBody>
       </p:sp>
@@ -8910,7 +8868,7 @@
           <p:nvPr>
             <p:extLst>
               <p:ext uri="{D42A27DB-BD31-4B8C-83A1-F6EECF244321}">
-                <p14:modId xmlns:p14="http://schemas.microsoft.com/office/powerpoint/2010/main" val="1737839423"/>
+                <p14:modId xmlns:p14="http://schemas.microsoft.com/office/powerpoint/2010/main" val="1035848391"/>
               </p:ext>
             </p:extLst>
           </p:nvPr>
@@ -8926,14 +8884,62 @@
                 <a:tableStyleId>{5C22544A-7EE6-4342-B048-85BDC9FD1C3A}</a:tableStyleId>
               </a:tblPr>
               <a:tblGrid>
-                <a:gridCol w="901522"/>
-                <a:gridCol w="901522"/>
-                <a:gridCol w="901522"/>
-                <a:gridCol w="901522"/>
-                <a:gridCol w="901522"/>
-                <a:gridCol w="901522"/>
-                <a:gridCol w="901522"/>
-                <a:gridCol w="901522"/>
+                <a:gridCol w="901522">
+                  <a:extLst>
+                    <a:ext uri="{9D8B030D-6E8A-4147-A177-3AD203B41FA5}">
+                      <a16:colId xmlns:a16="http://schemas.microsoft.com/office/drawing/2014/main" val="20000"/>
+                    </a:ext>
+                  </a:extLst>
+                </a:gridCol>
+                <a:gridCol w="901522">
+                  <a:extLst>
+                    <a:ext uri="{9D8B030D-6E8A-4147-A177-3AD203B41FA5}">
+                      <a16:colId xmlns:a16="http://schemas.microsoft.com/office/drawing/2014/main" val="20001"/>
+                    </a:ext>
+                  </a:extLst>
+                </a:gridCol>
+                <a:gridCol w="901522">
+                  <a:extLst>
+                    <a:ext uri="{9D8B030D-6E8A-4147-A177-3AD203B41FA5}">
+                      <a16:colId xmlns:a16="http://schemas.microsoft.com/office/drawing/2014/main" val="20002"/>
+                    </a:ext>
+                  </a:extLst>
+                </a:gridCol>
+                <a:gridCol w="901522">
+                  <a:extLst>
+                    <a:ext uri="{9D8B030D-6E8A-4147-A177-3AD203B41FA5}">
+                      <a16:colId xmlns:a16="http://schemas.microsoft.com/office/drawing/2014/main" val="20003"/>
+                    </a:ext>
+                  </a:extLst>
+                </a:gridCol>
+                <a:gridCol w="901522">
+                  <a:extLst>
+                    <a:ext uri="{9D8B030D-6E8A-4147-A177-3AD203B41FA5}">
+                      <a16:colId xmlns:a16="http://schemas.microsoft.com/office/drawing/2014/main" val="20004"/>
+                    </a:ext>
+                  </a:extLst>
+                </a:gridCol>
+                <a:gridCol w="901522">
+                  <a:extLst>
+                    <a:ext uri="{9D8B030D-6E8A-4147-A177-3AD203B41FA5}">
+                      <a16:colId xmlns:a16="http://schemas.microsoft.com/office/drawing/2014/main" val="20005"/>
+                    </a:ext>
+                  </a:extLst>
+                </a:gridCol>
+                <a:gridCol w="901522">
+                  <a:extLst>
+                    <a:ext uri="{9D8B030D-6E8A-4147-A177-3AD203B41FA5}">
+                      <a16:colId xmlns:a16="http://schemas.microsoft.com/office/drawing/2014/main" val="20006"/>
+                    </a:ext>
+                  </a:extLst>
+                </a:gridCol>
+                <a:gridCol w="901522">
+                  <a:extLst>
+                    <a:ext uri="{9D8B030D-6E8A-4147-A177-3AD203B41FA5}">
+                      <a16:colId xmlns:a16="http://schemas.microsoft.com/office/drawing/2014/main" val="20007"/>
+                    </a:ext>
+                  </a:extLst>
+                </a:gridCol>
               </a:tblGrid>
               <a:tr h="613987">
                 <a:tc>
@@ -8943,18 +8949,13 @@
                     <a:p>
                       <a:pPr algn="ctr"/>
                       <a:r>
-                        <a:rPr lang="en-US" sz="2000" i="0" dirty="0" smtClean="0">
+                        <a:rPr lang="en-US" sz="2000" i="0" dirty="0">
                           <a:solidFill>
                             <a:schemeClr val="tx1"/>
                           </a:solidFill>
                         </a:rPr>
                         <a:t>0</a:t>
                       </a:r>
-                      <a:endParaRPr lang="en-US" sz="2000" i="0" dirty="0">
-                        <a:solidFill>
-                          <a:schemeClr val="tx1"/>
-                        </a:solidFill>
-                      </a:endParaRPr>
                     </a:p>
                   </a:txBody>
                   <a:tcPr>
@@ -9006,18 +9007,13 @@
                     <a:p>
                       <a:pPr algn="ctr"/>
                       <a:r>
-                        <a:rPr lang="en-US" sz="2000" i="0" dirty="0" smtClean="0">
+                        <a:rPr lang="en-US" sz="2000" i="0" dirty="0">
                           <a:solidFill>
                             <a:schemeClr val="tx1"/>
                           </a:solidFill>
                         </a:rPr>
                         <a:t>1</a:t>
                       </a:r>
-                      <a:endParaRPr lang="en-US" sz="2000" i="0" dirty="0">
-                        <a:solidFill>
-                          <a:schemeClr val="tx1"/>
-                        </a:solidFill>
-                      </a:endParaRPr>
                     </a:p>
                   </a:txBody>
                   <a:tcPr>
@@ -9069,18 +9065,13 @@
                     <a:p>
                       <a:pPr algn="ctr"/>
                       <a:r>
-                        <a:rPr lang="en-US" sz="2000" i="0" dirty="0" smtClean="0">
+                        <a:rPr lang="en-US" sz="2000" i="0" dirty="0">
                           <a:solidFill>
                             <a:schemeClr val="tx1"/>
                           </a:solidFill>
                         </a:rPr>
                         <a:t>2</a:t>
                       </a:r>
-                      <a:endParaRPr lang="en-US" sz="2000" i="0" dirty="0">
-                        <a:solidFill>
-                          <a:schemeClr val="tx1"/>
-                        </a:solidFill>
-                      </a:endParaRPr>
                     </a:p>
                   </a:txBody>
                   <a:tcPr>
@@ -9132,18 +9123,13 @@
                     <a:p>
                       <a:pPr algn="ctr"/>
                       <a:r>
-                        <a:rPr lang="en-US" sz="2000" i="0" dirty="0" smtClean="0">
+                        <a:rPr lang="en-US" sz="2000" i="0" dirty="0">
                           <a:solidFill>
                             <a:schemeClr val="tx1"/>
                           </a:solidFill>
                         </a:rPr>
                         <a:t>3</a:t>
                       </a:r>
-                      <a:endParaRPr lang="en-US" sz="2000" i="0" dirty="0">
-                        <a:solidFill>
-                          <a:schemeClr val="tx1"/>
-                        </a:solidFill>
-                      </a:endParaRPr>
                     </a:p>
                   </a:txBody>
                   <a:tcPr>
@@ -9195,18 +9181,13 @@
                     <a:p>
                       <a:pPr algn="ctr"/>
                       <a:r>
-                        <a:rPr lang="en-US" sz="2000" i="0" dirty="0" smtClean="0">
+                        <a:rPr lang="en-US" sz="2000" i="0" dirty="0">
                           <a:solidFill>
                             <a:schemeClr val="tx1"/>
                           </a:solidFill>
                         </a:rPr>
                         <a:t>4</a:t>
                       </a:r>
-                      <a:endParaRPr lang="en-US" sz="2000" i="0" dirty="0">
-                        <a:solidFill>
-                          <a:schemeClr val="tx1"/>
-                        </a:solidFill>
-                      </a:endParaRPr>
                     </a:p>
                   </a:txBody>
                   <a:tcPr>
@@ -9258,18 +9239,13 @@
                     <a:p>
                       <a:pPr algn="ctr"/>
                       <a:r>
-                        <a:rPr lang="en-US" sz="2000" i="0" dirty="0" smtClean="0">
+                        <a:rPr lang="en-US" sz="2000" i="0" dirty="0">
                           <a:solidFill>
                             <a:schemeClr val="tx1"/>
                           </a:solidFill>
                         </a:rPr>
                         <a:t>5</a:t>
                       </a:r>
-                      <a:endParaRPr lang="en-US" sz="2000" i="0" dirty="0">
-                        <a:solidFill>
-                          <a:schemeClr val="tx1"/>
-                        </a:solidFill>
-                      </a:endParaRPr>
                     </a:p>
                   </a:txBody>
                   <a:tcPr>
@@ -9321,18 +9297,13 @@
                     <a:p>
                       <a:pPr algn="ctr"/>
                       <a:r>
-                        <a:rPr lang="en-US" sz="2000" i="0" dirty="0" smtClean="0">
+                        <a:rPr lang="en-US" sz="2000" i="0" dirty="0">
                           <a:solidFill>
                             <a:schemeClr val="tx1"/>
                           </a:solidFill>
                         </a:rPr>
                         <a:t>6</a:t>
                       </a:r>
-                      <a:endParaRPr lang="en-US" sz="2000" i="0" dirty="0">
-                        <a:solidFill>
-                          <a:schemeClr val="tx1"/>
-                        </a:solidFill>
-                      </a:endParaRPr>
                     </a:p>
                   </a:txBody>
                   <a:tcPr>
@@ -9384,18 +9355,13 @@
                     <a:p>
                       <a:pPr algn="ctr"/>
                       <a:r>
-                        <a:rPr lang="en-US" sz="2000" i="0" dirty="0" smtClean="0">
+                        <a:rPr lang="en-US" sz="2000" i="0" dirty="0">
                           <a:solidFill>
                             <a:schemeClr val="tx1"/>
                           </a:solidFill>
                         </a:rPr>
                         <a:t>7</a:t>
                       </a:r>
-                      <a:endParaRPr lang="en-US" sz="2000" i="0" dirty="0">
-                        <a:solidFill>
-                          <a:schemeClr val="tx1"/>
-                        </a:solidFill>
-                      </a:endParaRPr>
                     </a:p>
                   </a:txBody>
                   <a:tcPr>
@@ -9440,6 +9406,11 @@
                     </a:solidFill>
                   </a:tcPr>
                 </a:tc>
+                <a:extLst>
+                  <a:ext uri="{0D108BD9-81ED-4DB2-BD59-A6C34878D82A}">
+                    <a16:rowId xmlns:a16="http://schemas.microsoft.com/office/drawing/2014/main" val="10000"/>
+                  </a:ext>
+                </a:extLst>
               </a:tr>
             </a:tbl>
           </a:graphicData>
@@ -9454,7 +9425,7 @@
           <p:nvPr>
             <p:extLst>
               <p:ext uri="{D42A27DB-BD31-4B8C-83A1-F6EECF244321}">
-                <p14:modId xmlns:p14="http://schemas.microsoft.com/office/powerpoint/2010/main" val="813069907"/>
+                <p14:modId xmlns:p14="http://schemas.microsoft.com/office/powerpoint/2010/main" val="1341292420"/>
               </p:ext>
             </p:extLst>
           </p:nvPr>
@@ -9470,14 +9441,62 @@
                 <a:tableStyleId>{5C22544A-7EE6-4342-B048-85BDC9FD1C3A}</a:tableStyleId>
               </a:tblPr>
               <a:tblGrid>
-                <a:gridCol w="901522"/>
-                <a:gridCol w="901522"/>
-                <a:gridCol w="901522"/>
-                <a:gridCol w="901522"/>
-                <a:gridCol w="901522"/>
-                <a:gridCol w="901522"/>
-                <a:gridCol w="901522"/>
-                <a:gridCol w="901522"/>
+                <a:gridCol w="901522">
+                  <a:extLst>
+                    <a:ext uri="{9D8B030D-6E8A-4147-A177-3AD203B41FA5}">
+                      <a16:colId xmlns:a16="http://schemas.microsoft.com/office/drawing/2014/main" val="20000"/>
+                    </a:ext>
+                  </a:extLst>
+                </a:gridCol>
+                <a:gridCol w="901522">
+                  <a:extLst>
+                    <a:ext uri="{9D8B030D-6E8A-4147-A177-3AD203B41FA5}">
+                      <a16:colId xmlns:a16="http://schemas.microsoft.com/office/drawing/2014/main" val="20001"/>
+                    </a:ext>
+                  </a:extLst>
+                </a:gridCol>
+                <a:gridCol w="901522">
+                  <a:extLst>
+                    <a:ext uri="{9D8B030D-6E8A-4147-A177-3AD203B41FA5}">
+                      <a16:colId xmlns:a16="http://schemas.microsoft.com/office/drawing/2014/main" val="20002"/>
+                    </a:ext>
+                  </a:extLst>
+                </a:gridCol>
+                <a:gridCol w="901522">
+                  <a:extLst>
+                    <a:ext uri="{9D8B030D-6E8A-4147-A177-3AD203B41FA5}">
+                      <a16:colId xmlns:a16="http://schemas.microsoft.com/office/drawing/2014/main" val="20003"/>
+                    </a:ext>
+                  </a:extLst>
+                </a:gridCol>
+                <a:gridCol w="901522">
+                  <a:extLst>
+                    <a:ext uri="{9D8B030D-6E8A-4147-A177-3AD203B41FA5}">
+                      <a16:colId xmlns:a16="http://schemas.microsoft.com/office/drawing/2014/main" val="20004"/>
+                    </a:ext>
+                  </a:extLst>
+                </a:gridCol>
+                <a:gridCol w="901522">
+                  <a:extLst>
+                    <a:ext uri="{9D8B030D-6E8A-4147-A177-3AD203B41FA5}">
+                      <a16:colId xmlns:a16="http://schemas.microsoft.com/office/drawing/2014/main" val="20005"/>
+                    </a:ext>
+                  </a:extLst>
+                </a:gridCol>
+                <a:gridCol w="901522">
+                  <a:extLst>
+                    <a:ext uri="{9D8B030D-6E8A-4147-A177-3AD203B41FA5}">
+                      <a16:colId xmlns:a16="http://schemas.microsoft.com/office/drawing/2014/main" val="20006"/>
+                    </a:ext>
+                  </a:extLst>
+                </a:gridCol>
+                <a:gridCol w="901522">
+                  <a:extLst>
+                    <a:ext uri="{9D8B030D-6E8A-4147-A177-3AD203B41FA5}">
+                      <a16:colId xmlns:a16="http://schemas.microsoft.com/office/drawing/2014/main" val="20007"/>
+                    </a:ext>
+                  </a:extLst>
+                </a:gridCol>
               </a:tblGrid>
               <a:tr h="613987">
                 <a:tc>
@@ -9487,18 +9506,13 @@
                     <a:p>
                       <a:pPr algn="ctr"/>
                       <a:r>
-                        <a:rPr lang="en-US" sz="3200" dirty="0" smtClean="0">
+                        <a:rPr lang="en-US" sz="3200" dirty="0">
                           <a:solidFill>
                             <a:srgbClr val="0070C0"/>
                           </a:solidFill>
                         </a:rPr>
                         <a:t>a</a:t>
                       </a:r>
-                      <a:endParaRPr lang="en-US" sz="3200" dirty="0">
-                        <a:solidFill>
-                          <a:srgbClr val="0070C0"/>
-                        </a:solidFill>
-                      </a:endParaRPr>
                     </a:p>
                   </a:txBody>
                   <a:tcPr>
@@ -9558,18 +9572,13 @@
                     <a:p>
                       <a:pPr algn="ctr"/>
                       <a:r>
-                        <a:rPr lang="en-US" sz="3200" dirty="0" smtClean="0">
+                        <a:rPr lang="en-US" sz="3200" dirty="0">
                           <a:solidFill>
                             <a:srgbClr val="0070C0"/>
                           </a:solidFill>
                         </a:rPr>
                         <a:t>b</a:t>
                       </a:r>
-                      <a:endParaRPr lang="en-US" sz="3200" dirty="0">
-                        <a:solidFill>
-                          <a:srgbClr val="0070C0"/>
-                        </a:solidFill>
-                      </a:endParaRPr>
                     </a:p>
                   </a:txBody>
                   <a:tcPr>
@@ -9629,18 +9638,13 @@
                     <a:p>
                       <a:pPr algn="ctr"/>
                       <a:r>
-                        <a:rPr lang="en-US" sz="3200" dirty="0" smtClean="0">
+                        <a:rPr lang="en-US" sz="3200" dirty="0">
                           <a:solidFill>
                             <a:srgbClr val="0070C0"/>
                           </a:solidFill>
                         </a:rPr>
                         <a:t>c</a:t>
                       </a:r>
-                      <a:endParaRPr lang="en-US" sz="3200" dirty="0">
-                        <a:solidFill>
-                          <a:srgbClr val="0070C0"/>
-                        </a:solidFill>
-                      </a:endParaRPr>
                     </a:p>
                   </a:txBody>
                   <a:tcPr>
@@ -9700,18 +9704,13 @@
                     <a:p>
                       <a:pPr algn="ctr"/>
                       <a:r>
-                        <a:rPr lang="en-US" sz="3200" dirty="0" smtClean="0">
+                        <a:rPr lang="en-US" sz="3200" dirty="0">
                           <a:solidFill>
                             <a:srgbClr val="0070C0"/>
                           </a:solidFill>
                         </a:rPr>
                         <a:t>d</a:t>
                       </a:r>
-                      <a:endParaRPr lang="en-US" sz="3200" dirty="0">
-                        <a:solidFill>
-                          <a:srgbClr val="0070C0"/>
-                        </a:solidFill>
-                      </a:endParaRPr>
                     </a:p>
                   </a:txBody>
                   <a:tcPr>
@@ -9771,18 +9770,13 @@
                     <a:p>
                       <a:pPr algn="ctr"/>
                       <a:r>
-                        <a:rPr lang="en-US" sz="3200" dirty="0" smtClean="0">
+                        <a:rPr lang="en-US" sz="3200" dirty="0">
                           <a:solidFill>
                             <a:srgbClr val="7030A0"/>
                           </a:solidFill>
                         </a:rPr>
                         <a:t>e</a:t>
                       </a:r>
-                      <a:endParaRPr lang="en-US" sz="3200" dirty="0">
-                        <a:solidFill>
-                          <a:srgbClr val="7030A0"/>
-                        </a:solidFill>
-                      </a:endParaRPr>
                     </a:p>
                   </a:txBody>
                   <a:tcPr>
@@ -10024,6 +10018,11 @@
                     </a:solidFill>
                   </a:tcPr>
                 </a:tc>
+                <a:extLst>
+                  <a:ext uri="{0D108BD9-81ED-4DB2-BD59-A6C34878D82A}">
+                    <a16:rowId xmlns:a16="http://schemas.microsoft.com/office/drawing/2014/main" val="10000"/>
+                  </a:ext>
+                </a:extLst>
               </a:tr>
             </a:tbl>
           </a:graphicData>
@@ -10052,61 +10051,27 @@
           <a:lstStyle/>
           <a:p>
             <a:r>
-              <a:rPr lang="en-US" sz="2400" b="1" dirty="0" smtClean="0">
+              <a:rPr lang="en-US" sz="2400" b="1" dirty="0">
                 <a:solidFill>
                   <a:srgbClr val="00B050"/>
                 </a:solidFill>
                 <a:latin typeface="Courier New" panose="02070309020205020404" pitchFamily="49" charset="0"/>
                 <a:cs typeface="Courier New" panose="02070309020205020404" pitchFamily="49" charset="0"/>
               </a:rPr>
-              <a:t>head = </a:t>
+              <a:t>head = 0</a:t>
             </a:r>
+          </a:p>
+          <a:p>
             <a:r>
-              <a:rPr lang="en-US" sz="2400" b="1" dirty="0" smtClean="0">
-                <a:solidFill>
-                  <a:srgbClr val="00B050"/>
-                </a:solidFill>
-                <a:latin typeface="Courier New" panose="02070309020205020404" pitchFamily="49" charset="0"/>
-                <a:cs typeface="Courier New" panose="02070309020205020404" pitchFamily="49" charset="0"/>
-              </a:rPr>
-              <a:t>0</a:t>
-            </a:r>
-            <a:endParaRPr lang="en-US" sz="2400" b="1" dirty="0" smtClean="0">
-              <a:solidFill>
-                <a:srgbClr val="00B050"/>
-              </a:solidFill>
-              <a:latin typeface="Courier New" panose="02070309020205020404" pitchFamily="49" charset="0"/>
-              <a:cs typeface="Courier New" panose="02070309020205020404" pitchFamily="49" charset="0"/>
-            </a:endParaRPr>
-          </a:p>
-          <a:p>
-            <a:r>
-              <a:rPr lang="en-US" sz="2400" b="1" dirty="0" smtClean="0">
+              <a:rPr lang="en-US" sz="2400" b="1" dirty="0">
                 <a:solidFill>
                   <a:srgbClr val="FF0000"/>
                 </a:solidFill>
                 <a:latin typeface="Courier New" panose="02070309020205020404" pitchFamily="49" charset="0"/>
                 <a:cs typeface="Courier New" panose="02070309020205020404" pitchFamily="49" charset="0"/>
               </a:rPr>
-              <a:t>tail = </a:t>
+              <a:t>tail = 4</a:t>
             </a:r>
-            <a:r>
-              <a:rPr lang="en-US" sz="2400" b="1" dirty="0" smtClean="0">
-                <a:solidFill>
-                  <a:srgbClr val="FF0000"/>
-                </a:solidFill>
-                <a:latin typeface="Courier New" panose="02070309020205020404" pitchFamily="49" charset="0"/>
-                <a:cs typeface="Courier New" panose="02070309020205020404" pitchFamily="49" charset="0"/>
-              </a:rPr>
-              <a:t>4</a:t>
-            </a:r>
-            <a:endParaRPr lang="en-US" sz="2400" b="1" dirty="0">
-              <a:solidFill>
-                <a:srgbClr val="FF0000"/>
-              </a:solidFill>
-              <a:latin typeface="Courier New" panose="02070309020205020404" pitchFamily="49" charset="0"/>
-              <a:cs typeface="Courier New" panose="02070309020205020404" pitchFamily="49" charset="0"/>
-            </a:endParaRPr>
           </a:p>
         </p:txBody>
       </p:sp>
@@ -10235,7 +10200,7 @@
           <a:lstStyle/>
           <a:p>
             <a:r>
-              <a:rPr lang="en-US" sz="2400" b="1" dirty="0" smtClean="0">
+              <a:rPr lang="en-US" sz="2400" b="1" dirty="0">
                 <a:solidFill>
                   <a:srgbClr val="00B050"/>
                 </a:solidFill>
@@ -10247,7 +10212,7 @@
           </a:p>
           <a:p>
             <a:r>
-              <a:rPr lang="en-US" sz="2400" b="1" dirty="0" smtClean="0">
+              <a:rPr lang="en-US" sz="2400" b="1" dirty="0">
                 <a:solidFill>
                   <a:srgbClr val="FF0000"/>
                 </a:solidFill>
@@ -10256,13 +10221,6 @@
               </a:rPr>
               <a:t>tail = 5</a:t>
             </a:r>
-            <a:endParaRPr lang="en-US" sz="2400" b="1" dirty="0">
-              <a:solidFill>
-                <a:srgbClr val="FF0000"/>
-              </a:solidFill>
-              <a:latin typeface="Courier New" panose="02070309020205020404" pitchFamily="49" charset="0"/>
-              <a:cs typeface="Courier New" panose="02070309020205020404" pitchFamily="49" charset="0"/>
-            </a:endParaRPr>
           </a:p>
         </p:txBody>
       </p:sp>
@@ -10685,18 +10643,13 @@
           <a:lstStyle/>
           <a:p>
             <a:r>
-              <a:rPr lang="en-US" sz="4400" dirty="0" smtClean="0">
+              <a:rPr lang="en-US" sz="4400" dirty="0">
                 <a:solidFill>
                   <a:srgbClr val="0070C0"/>
                 </a:solidFill>
               </a:rPr>
               <a:t>a</a:t>
             </a:r>
-            <a:endParaRPr lang="en-US" sz="4400" dirty="0">
-              <a:solidFill>
-                <a:srgbClr val="0070C0"/>
-              </a:solidFill>
-            </a:endParaRPr>
           </a:p>
         </p:txBody>
       </p:sp>
@@ -10723,18 +10676,13 @@
           <a:lstStyle/>
           <a:p>
             <a:r>
-              <a:rPr lang="en-US" sz="4400" dirty="0" smtClean="0">
+              <a:rPr lang="en-US" sz="4400" dirty="0">
                 <a:solidFill>
                   <a:srgbClr val="0070C0"/>
                 </a:solidFill>
               </a:rPr>
               <a:t>b</a:t>
             </a:r>
-            <a:endParaRPr lang="en-US" sz="4400" dirty="0">
-              <a:solidFill>
-                <a:srgbClr val="0070C0"/>
-              </a:solidFill>
-            </a:endParaRPr>
           </a:p>
         </p:txBody>
       </p:sp>
@@ -10761,18 +10709,13 @@
           <a:lstStyle/>
           <a:p>
             <a:r>
-              <a:rPr lang="en-US" sz="4400" dirty="0" smtClean="0">
+              <a:rPr lang="en-US" sz="4400" dirty="0">
                 <a:solidFill>
                   <a:srgbClr val="0070C0"/>
                 </a:solidFill>
               </a:rPr>
               <a:t>c</a:t>
             </a:r>
-            <a:endParaRPr lang="en-US" sz="4400" dirty="0">
-              <a:solidFill>
-                <a:srgbClr val="0070C0"/>
-              </a:solidFill>
-            </a:endParaRPr>
           </a:p>
         </p:txBody>
       </p:sp>
@@ -10799,18 +10742,13 @@
           <a:lstStyle/>
           <a:p>
             <a:r>
-              <a:rPr lang="en-US" sz="4400" dirty="0" smtClean="0">
+              <a:rPr lang="en-US" sz="4400" dirty="0">
                 <a:solidFill>
                   <a:srgbClr val="0070C0"/>
                 </a:solidFill>
               </a:rPr>
               <a:t>d</a:t>
             </a:r>
-            <a:endParaRPr lang="en-US" sz="4400" dirty="0">
-              <a:solidFill>
-                <a:srgbClr val="0070C0"/>
-              </a:solidFill>
-            </a:endParaRPr>
           </a:p>
         </p:txBody>
       </p:sp>
@@ -10837,18 +10775,13 @@
           <a:lstStyle/>
           <a:p>
             <a:r>
-              <a:rPr lang="en-US" sz="4400" dirty="0" smtClean="0">
+              <a:rPr lang="en-US" sz="4400" dirty="0">
                 <a:solidFill>
                   <a:srgbClr val="0070C0"/>
                 </a:solidFill>
               </a:rPr>
               <a:t>e</a:t>
             </a:r>
-            <a:endParaRPr lang="en-US" sz="4400" dirty="0">
-              <a:solidFill>
-                <a:srgbClr val="0070C0"/>
-              </a:solidFill>
-            </a:endParaRPr>
           </a:p>
         </p:txBody>
       </p:sp>
@@ -10947,10 +10880,9 @@
           <a:lstStyle/>
           <a:p>
             <a:r>
-              <a:rPr lang="en-US" sz="2000" b="1" dirty="0" smtClean="0"/>
+              <a:rPr lang="en-US" sz="2000" b="1" dirty="0"/>
               <a:t>0</a:t>
             </a:r>
-            <a:endParaRPr lang="en-US" sz="2000" b="1" dirty="0"/>
           </a:p>
         </p:txBody>
       </p:sp>
@@ -10977,10 +10909,9 @@
           <a:lstStyle/>
           <a:p>
             <a:r>
-              <a:rPr lang="en-US" sz="2000" b="1" dirty="0" smtClean="0"/>
+              <a:rPr lang="en-US" sz="2000" b="1" dirty="0"/>
               <a:t>1</a:t>
             </a:r>
-            <a:endParaRPr lang="en-US" sz="2000" b="1" dirty="0"/>
           </a:p>
         </p:txBody>
       </p:sp>
@@ -11007,10 +10938,9 @@
           <a:lstStyle/>
           <a:p>
             <a:r>
-              <a:rPr lang="en-US" sz="2000" b="1" dirty="0" smtClean="0"/>
+              <a:rPr lang="en-US" sz="2000" b="1" dirty="0"/>
               <a:t>2</a:t>
             </a:r>
-            <a:endParaRPr lang="en-US" sz="2000" b="1" dirty="0"/>
           </a:p>
         </p:txBody>
       </p:sp>
@@ -11037,10 +10967,9 @@
           <a:lstStyle/>
           <a:p>
             <a:r>
-              <a:rPr lang="en-US" sz="2000" b="1" dirty="0" smtClean="0"/>
+              <a:rPr lang="en-US" sz="2000" b="1" dirty="0"/>
               <a:t>3</a:t>
             </a:r>
-            <a:endParaRPr lang="en-US" sz="2000" b="1" dirty="0"/>
           </a:p>
         </p:txBody>
       </p:sp>
@@ -11067,10 +10996,9 @@
           <a:lstStyle/>
           <a:p>
             <a:r>
-              <a:rPr lang="en-US" sz="2000" b="1" dirty="0" smtClean="0"/>
+              <a:rPr lang="en-US" sz="2000" b="1" dirty="0"/>
               <a:t>4</a:t>
             </a:r>
-            <a:endParaRPr lang="en-US" sz="2000" b="1" dirty="0"/>
           </a:p>
         </p:txBody>
       </p:sp>
@@ -11097,10 +11025,9 @@
           <a:lstStyle/>
           <a:p>
             <a:r>
-              <a:rPr lang="en-US" sz="2000" b="1" dirty="0" smtClean="0"/>
+              <a:rPr lang="en-US" sz="2000" b="1" dirty="0"/>
               <a:t>5</a:t>
             </a:r>
-            <a:endParaRPr lang="en-US" sz="2000" b="1" dirty="0"/>
           </a:p>
         </p:txBody>
       </p:sp>
@@ -11127,10 +11054,9 @@
           <a:lstStyle/>
           <a:p>
             <a:r>
-              <a:rPr lang="en-US" sz="2000" b="1" dirty="0" smtClean="0"/>
+              <a:rPr lang="en-US" sz="2000" b="1" dirty="0"/>
               <a:t>6</a:t>
             </a:r>
-            <a:endParaRPr lang="en-US" sz="2000" b="1" dirty="0"/>
           </a:p>
         </p:txBody>
       </p:sp>
@@ -11157,10 +11083,9 @@
           <a:lstStyle/>
           <a:p>
             <a:r>
-              <a:rPr lang="en-US" sz="2000" b="1" dirty="0" smtClean="0"/>
+              <a:rPr lang="en-US" sz="2000" b="1" dirty="0"/>
               <a:t>7</a:t>
             </a:r>
-            <a:endParaRPr lang="en-US" sz="2000" b="1" dirty="0"/>
           </a:p>
         </p:txBody>
       </p:sp>
@@ -11217,7 +11142,7 @@
           <a:lstStyle/>
           <a:p>
             <a:r>
-              <a:rPr lang="en-US" sz="2400" b="1" dirty="0" smtClean="0">
+              <a:rPr lang="en-US" sz="2400" b="1" dirty="0">
                 <a:solidFill>
                   <a:srgbClr val="00B050"/>
                 </a:solidFill>
@@ -11229,32 +11154,15 @@
           </a:p>
           <a:p>
             <a:r>
-              <a:rPr lang="en-US" sz="2400" b="1" dirty="0" smtClean="0">
+              <a:rPr lang="en-US" sz="2400" b="1" dirty="0">
                 <a:solidFill>
                   <a:srgbClr val="FF0000"/>
                 </a:solidFill>
                 <a:latin typeface="Courier New" panose="02070309020205020404" pitchFamily="49" charset="0"/>
                 <a:cs typeface="Courier New" panose="02070309020205020404" pitchFamily="49" charset="0"/>
               </a:rPr>
-              <a:t>tail = </a:t>
+              <a:t>tail = 6</a:t>
             </a:r>
-            <a:r>
-              <a:rPr lang="en-US" sz="2400" b="1" dirty="0" smtClean="0">
-                <a:solidFill>
-                  <a:srgbClr val="FF0000"/>
-                </a:solidFill>
-                <a:latin typeface="Courier New" panose="02070309020205020404" pitchFamily="49" charset="0"/>
-                <a:cs typeface="Courier New" panose="02070309020205020404" pitchFamily="49" charset="0"/>
-              </a:rPr>
-              <a:t>6</a:t>
-            </a:r>
-            <a:endParaRPr lang="en-US" sz="2400" b="1" dirty="0">
-              <a:solidFill>
-                <a:srgbClr val="FF0000"/>
-              </a:solidFill>
-              <a:latin typeface="Courier New" panose="02070309020205020404" pitchFamily="49" charset="0"/>
-              <a:cs typeface="Courier New" panose="02070309020205020404" pitchFamily="49" charset="0"/>
-            </a:endParaRPr>
           </a:p>
         </p:txBody>
       </p:sp>
@@ -11677,18 +11585,13 @@
           <a:lstStyle/>
           <a:p>
             <a:r>
-              <a:rPr lang="en-US" sz="4400" dirty="0" smtClean="0">
+              <a:rPr lang="en-US" sz="4400" dirty="0">
                 <a:solidFill>
                   <a:srgbClr val="0070C0"/>
                 </a:solidFill>
               </a:rPr>
               <a:t>a</a:t>
             </a:r>
-            <a:endParaRPr lang="en-US" sz="4400" dirty="0">
-              <a:solidFill>
-                <a:srgbClr val="0070C0"/>
-              </a:solidFill>
-            </a:endParaRPr>
           </a:p>
         </p:txBody>
       </p:sp>
@@ -11715,18 +11618,13 @@
           <a:lstStyle/>
           <a:p>
             <a:r>
-              <a:rPr lang="en-US" sz="4400" dirty="0" smtClean="0">
+              <a:rPr lang="en-US" sz="4400" dirty="0">
                 <a:solidFill>
                   <a:srgbClr val="0070C0"/>
                 </a:solidFill>
               </a:rPr>
               <a:t>b</a:t>
             </a:r>
-            <a:endParaRPr lang="en-US" sz="4400" dirty="0">
-              <a:solidFill>
-                <a:srgbClr val="0070C0"/>
-              </a:solidFill>
-            </a:endParaRPr>
           </a:p>
         </p:txBody>
       </p:sp>
@@ -11753,18 +11651,13 @@
           <a:lstStyle/>
           <a:p>
             <a:r>
-              <a:rPr lang="en-US" sz="4400" dirty="0" smtClean="0">
+              <a:rPr lang="en-US" sz="4400" dirty="0">
                 <a:solidFill>
                   <a:srgbClr val="0070C0"/>
                 </a:solidFill>
               </a:rPr>
               <a:t>c</a:t>
             </a:r>
-            <a:endParaRPr lang="en-US" sz="4400" dirty="0">
-              <a:solidFill>
-                <a:srgbClr val="0070C0"/>
-              </a:solidFill>
-            </a:endParaRPr>
           </a:p>
         </p:txBody>
       </p:sp>
@@ -11791,18 +11684,13 @@
           <a:lstStyle/>
           <a:p>
             <a:r>
-              <a:rPr lang="en-US" sz="4400" dirty="0" smtClean="0">
+              <a:rPr lang="en-US" sz="4400" dirty="0">
                 <a:solidFill>
                   <a:srgbClr val="0070C0"/>
                 </a:solidFill>
               </a:rPr>
               <a:t>d</a:t>
             </a:r>
-            <a:endParaRPr lang="en-US" sz="4400" dirty="0">
-              <a:solidFill>
-                <a:srgbClr val="0070C0"/>
-              </a:solidFill>
-            </a:endParaRPr>
           </a:p>
         </p:txBody>
       </p:sp>
@@ -11829,18 +11717,13 @@
           <a:lstStyle/>
           <a:p>
             <a:r>
-              <a:rPr lang="en-US" sz="4400" dirty="0" smtClean="0">
+              <a:rPr lang="en-US" sz="4400" dirty="0">
                 <a:solidFill>
                   <a:srgbClr val="0070C0"/>
                 </a:solidFill>
               </a:rPr>
               <a:t>e</a:t>
             </a:r>
-            <a:endParaRPr lang="en-US" sz="4400" dirty="0">
-              <a:solidFill>
-                <a:srgbClr val="0070C0"/>
-              </a:solidFill>
-            </a:endParaRPr>
           </a:p>
         </p:txBody>
       </p:sp>
@@ -11939,10 +11822,9 @@
           <a:lstStyle/>
           <a:p>
             <a:r>
-              <a:rPr lang="en-US" sz="2000" b="1" dirty="0" smtClean="0"/>
+              <a:rPr lang="en-US" sz="2000" b="1" dirty="0"/>
               <a:t>0</a:t>
             </a:r>
-            <a:endParaRPr lang="en-US" sz="2000" b="1" dirty="0"/>
           </a:p>
         </p:txBody>
       </p:sp>
@@ -11969,10 +11851,9 @@
           <a:lstStyle/>
           <a:p>
             <a:r>
-              <a:rPr lang="en-US" sz="2000" b="1" dirty="0" smtClean="0"/>
+              <a:rPr lang="en-US" sz="2000" b="1" dirty="0"/>
               <a:t>1</a:t>
             </a:r>
-            <a:endParaRPr lang="en-US" sz="2000" b="1" dirty="0"/>
           </a:p>
         </p:txBody>
       </p:sp>
@@ -11999,10 +11880,9 @@
           <a:lstStyle/>
           <a:p>
             <a:r>
-              <a:rPr lang="en-US" sz="2000" b="1" dirty="0" smtClean="0"/>
+              <a:rPr lang="en-US" sz="2000" b="1" dirty="0"/>
               <a:t>2</a:t>
             </a:r>
-            <a:endParaRPr lang="en-US" sz="2000" b="1" dirty="0"/>
           </a:p>
         </p:txBody>
       </p:sp>
@@ -12029,10 +11909,9 @@
           <a:lstStyle/>
           <a:p>
             <a:r>
-              <a:rPr lang="en-US" sz="2000" b="1" dirty="0" smtClean="0"/>
+              <a:rPr lang="en-US" sz="2000" b="1" dirty="0"/>
               <a:t>3</a:t>
             </a:r>
-            <a:endParaRPr lang="en-US" sz="2000" b="1" dirty="0"/>
           </a:p>
         </p:txBody>
       </p:sp>
@@ -12059,10 +11938,9 @@
           <a:lstStyle/>
           <a:p>
             <a:r>
-              <a:rPr lang="en-US" sz="2000" b="1" dirty="0" smtClean="0"/>
+              <a:rPr lang="en-US" sz="2000" b="1" dirty="0"/>
               <a:t>4</a:t>
             </a:r>
-            <a:endParaRPr lang="en-US" sz="2000" b="1" dirty="0"/>
           </a:p>
         </p:txBody>
       </p:sp>
@@ -12089,10 +11967,9 @@
           <a:lstStyle/>
           <a:p>
             <a:r>
-              <a:rPr lang="en-US" sz="2000" b="1" dirty="0" smtClean="0"/>
+              <a:rPr lang="en-US" sz="2000" b="1" dirty="0"/>
               <a:t>5</a:t>
             </a:r>
-            <a:endParaRPr lang="en-US" sz="2000" b="1" dirty="0"/>
           </a:p>
         </p:txBody>
       </p:sp>
@@ -12119,10 +11996,9 @@
           <a:lstStyle/>
           <a:p>
             <a:r>
-              <a:rPr lang="en-US" sz="2000" b="1" dirty="0" smtClean="0"/>
+              <a:rPr lang="en-US" sz="2000" b="1" dirty="0"/>
               <a:t>6</a:t>
             </a:r>
-            <a:endParaRPr lang="en-US" sz="2000" b="1" dirty="0"/>
           </a:p>
         </p:txBody>
       </p:sp>
@@ -12149,10 +12025,9 @@
           <a:lstStyle/>
           <a:p>
             <a:r>
-              <a:rPr lang="en-US" sz="2000" b="1" dirty="0" smtClean="0"/>
+              <a:rPr lang="en-US" sz="2000" b="1" dirty="0"/>
               <a:t>7</a:t>
             </a:r>
-            <a:endParaRPr lang="en-US" sz="2000" b="1" dirty="0"/>
           </a:p>
         </p:txBody>
       </p:sp>
@@ -12209,7 +12084,7 @@
           <a:lstStyle/>
           <a:p>
             <a:r>
-              <a:rPr lang="en-US" sz="2400" b="1" dirty="0" smtClean="0">
+              <a:rPr lang="en-US" sz="2400" b="1" dirty="0">
                 <a:solidFill>
                   <a:srgbClr val="00B050"/>
                 </a:solidFill>
@@ -12221,32 +12096,15 @@
           </a:p>
           <a:p>
             <a:r>
-              <a:rPr lang="en-US" sz="2400" b="1" dirty="0" smtClean="0">
+              <a:rPr lang="en-US" sz="2400" b="1" dirty="0">
                 <a:solidFill>
                   <a:srgbClr val="FF0000"/>
                 </a:solidFill>
                 <a:latin typeface="Courier New" panose="02070309020205020404" pitchFamily="49" charset="0"/>
                 <a:cs typeface="Courier New" panose="02070309020205020404" pitchFamily="49" charset="0"/>
               </a:rPr>
-              <a:t>tail = </a:t>
+              <a:t>tail = 6</a:t>
             </a:r>
-            <a:r>
-              <a:rPr lang="en-US" sz="2400" b="1" dirty="0" smtClean="0">
-                <a:solidFill>
-                  <a:srgbClr val="FF0000"/>
-                </a:solidFill>
-                <a:latin typeface="Courier New" panose="02070309020205020404" pitchFamily="49" charset="0"/>
-                <a:cs typeface="Courier New" panose="02070309020205020404" pitchFamily="49" charset="0"/>
-              </a:rPr>
-              <a:t>6</a:t>
-            </a:r>
-            <a:endParaRPr lang="en-US" sz="2400" b="1" dirty="0">
-              <a:solidFill>
-                <a:srgbClr val="FF0000"/>
-              </a:solidFill>
-              <a:latin typeface="Courier New" panose="02070309020205020404" pitchFamily="49" charset="0"/>
-              <a:cs typeface="Courier New" panose="02070309020205020404" pitchFamily="49" charset="0"/>
-            </a:endParaRPr>
           </a:p>
         </p:txBody>
       </p:sp>
@@ -12669,18 +12527,13 @@
           <a:lstStyle/>
           <a:p>
             <a:r>
-              <a:rPr lang="en-US" sz="4400" dirty="0" smtClean="0">
+              <a:rPr lang="en-US" sz="4400" dirty="0">
                 <a:solidFill>
                   <a:srgbClr val="0070C0"/>
                 </a:solidFill>
               </a:rPr>
               <a:t>a</a:t>
             </a:r>
-            <a:endParaRPr lang="en-US" sz="4400" dirty="0">
-              <a:solidFill>
-                <a:srgbClr val="0070C0"/>
-              </a:solidFill>
-            </a:endParaRPr>
           </a:p>
         </p:txBody>
       </p:sp>
@@ -12707,18 +12560,13 @@
           <a:lstStyle/>
           <a:p>
             <a:r>
-              <a:rPr lang="en-US" sz="4400" dirty="0" smtClean="0">
+              <a:rPr lang="en-US" sz="4400" dirty="0">
                 <a:solidFill>
                   <a:srgbClr val="0070C0"/>
                 </a:solidFill>
               </a:rPr>
               <a:t>b</a:t>
             </a:r>
-            <a:endParaRPr lang="en-US" sz="4400" dirty="0">
-              <a:solidFill>
-                <a:srgbClr val="0070C0"/>
-              </a:solidFill>
-            </a:endParaRPr>
           </a:p>
         </p:txBody>
       </p:sp>
@@ -12745,18 +12593,13 @@
           <a:lstStyle/>
           <a:p>
             <a:r>
-              <a:rPr lang="en-US" sz="4400" dirty="0" smtClean="0">
+              <a:rPr lang="en-US" sz="4400" dirty="0">
                 <a:solidFill>
                   <a:srgbClr val="0070C0"/>
                 </a:solidFill>
               </a:rPr>
               <a:t>c</a:t>
             </a:r>
-            <a:endParaRPr lang="en-US" sz="4400" dirty="0">
-              <a:solidFill>
-                <a:srgbClr val="0070C0"/>
-              </a:solidFill>
-            </a:endParaRPr>
           </a:p>
         </p:txBody>
       </p:sp>
@@ -12783,18 +12626,13 @@
           <a:lstStyle/>
           <a:p>
             <a:r>
-              <a:rPr lang="en-US" sz="4400" dirty="0" smtClean="0">
+              <a:rPr lang="en-US" sz="4400" dirty="0">
                 <a:solidFill>
                   <a:srgbClr val="0070C0"/>
                 </a:solidFill>
               </a:rPr>
               <a:t>d</a:t>
             </a:r>
-            <a:endParaRPr lang="en-US" sz="4400" dirty="0">
-              <a:solidFill>
-                <a:srgbClr val="0070C0"/>
-              </a:solidFill>
-            </a:endParaRPr>
           </a:p>
         </p:txBody>
       </p:sp>
@@ -12821,18 +12659,13 @@
           <a:lstStyle/>
           <a:p>
             <a:r>
-              <a:rPr lang="en-US" sz="4400" dirty="0" smtClean="0">
+              <a:rPr lang="en-US" sz="4400" dirty="0">
                 <a:solidFill>
                   <a:srgbClr val="0070C0"/>
                 </a:solidFill>
               </a:rPr>
               <a:t>e</a:t>
             </a:r>
-            <a:endParaRPr lang="en-US" sz="4400" dirty="0">
-              <a:solidFill>
-                <a:srgbClr val="0070C0"/>
-              </a:solidFill>
-            </a:endParaRPr>
           </a:p>
         </p:txBody>
       </p:sp>
@@ -12895,10 +12728,9 @@
           <a:lstStyle/>
           <a:p>
             <a:r>
-              <a:rPr lang="en-US" sz="2000" b="1" dirty="0" smtClean="0"/>
+              <a:rPr lang="en-US" sz="2000" b="1" dirty="0"/>
               <a:t>0</a:t>
             </a:r>
-            <a:endParaRPr lang="en-US" sz="2000" b="1" dirty="0"/>
           </a:p>
         </p:txBody>
       </p:sp>
@@ -12925,10 +12757,9 @@
           <a:lstStyle/>
           <a:p>
             <a:r>
-              <a:rPr lang="en-US" sz="2000" b="1" dirty="0" smtClean="0"/>
+              <a:rPr lang="en-US" sz="2000" b="1" dirty="0"/>
               <a:t>1</a:t>
             </a:r>
-            <a:endParaRPr lang="en-US" sz="2000" b="1" dirty="0"/>
           </a:p>
         </p:txBody>
       </p:sp>
@@ -12955,10 +12786,9 @@
           <a:lstStyle/>
           <a:p>
             <a:r>
-              <a:rPr lang="en-US" sz="2000" b="1" dirty="0" smtClean="0"/>
+              <a:rPr lang="en-US" sz="2000" b="1" dirty="0"/>
               <a:t>2</a:t>
             </a:r>
-            <a:endParaRPr lang="en-US" sz="2000" b="1" dirty="0"/>
           </a:p>
         </p:txBody>
       </p:sp>
@@ -12985,10 +12815,9 @@
           <a:lstStyle/>
           <a:p>
             <a:r>
-              <a:rPr lang="en-US" sz="2000" b="1" dirty="0" smtClean="0"/>
+              <a:rPr lang="en-US" sz="2000" b="1" dirty="0"/>
               <a:t>3</a:t>
             </a:r>
-            <a:endParaRPr lang="en-US" sz="2000" b="1" dirty="0"/>
           </a:p>
         </p:txBody>
       </p:sp>
@@ -13015,10 +12844,9 @@
           <a:lstStyle/>
           <a:p>
             <a:r>
-              <a:rPr lang="en-US" sz="2000" b="1" dirty="0" smtClean="0"/>
+              <a:rPr lang="en-US" sz="2000" b="1" dirty="0"/>
               <a:t>4</a:t>
             </a:r>
-            <a:endParaRPr lang="en-US" sz="2000" b="1" dirty="0"/>
           </a:p>
         </p:txBody>
       </p:sp>
@@ -13045,10 +12873,9 @@
           <a:lstStyle/>
           <a:p>
             <a:r>
-              <a:rPr lang="en-US" sz="2000" b="1" dirty="0" smtClean="0"/>
+              <a:rPr lang="en-US" sz="2000" b="1" dirty="0"/>
               <a:t>5</a:t>
             </a:r>
-            <a:endParaRPr lang="en-US" sz="2000" b="1" dirty="0"/>
           </a:p>
         </p:txBody>
       </p:sp>
@@ -13075,10 +12902,9 @@
           <a:lstStyle/>
           <a:p>
             <a:r>
-              <a:rPr lang="en-US" sz="2000" b="1" dirty="0" smtClean="0"/>
+              <a:rPr lang="en-US" sz="2000" b="1" dirty="0"/>
               <a:t>6</a:t>
             </a:r>
-            <a:endParaRPr lang="en-US" sz="2000" b="1" dirty="0"/>
           </a:p>
         </p:txBody>
       </p:sp>
@@ -13105,10 +12931,9 @@
           <a:lstStyle/>
           <a:p>
             <a:r>
-              <a:rPr lang="en-US" sz="2000" b="1" dirty="0" smtClean="0"/>
+              <a:rPr lang="en-US" sz="2000" b="1" dirty="0"/>
               <a:t>7</a:t>
             </a:r>
-            <a:endParaRPr lang="en-US" sz="2000" b="1" dirty="0"/>
           </a:p>
         </p:txBody>
       </p:sp>
@@ -13135,18 +12960,13 @@
           <a:lstStyle/>
           <a:p>
             <a:r>
-              <a:rPr lang="en-US" sz="4400" dirty="0" smtClean="0">
+              <a:rPr lang="en-US" sz="4400" dirty="0">
                 <a:solidFill>
                   <a:srgbClr val="7030A0"/>
                 </a:solidFill>
               </a:rPr>
               <a:t>f</a:t>
             </a:r>
-            <a:endParaRPr lang="en-US" sz="4400" dirty="0">
-              <a:solidFill>
-                <a:srgbClr val="7030A0"/>
-              </a:solidFill>
-            </a:endParaRPr>
           </a:p>
         </p:txBody>
       </p:sp>
@@ -13225,7 +13045,7 @@
           <p:nvPr>
             <p:extLst>
               <p:ext uri="{D42A27DB-BD31-4B8C-83A1-F6EECF244321}">
-                <p14:modId xmlns:p14="http://schemas.microsoft.com/office/powerpoint/2010/main" val="1125885251"/>
+                <p14:modId xmlns:p14="http://schemas.microsoft.com/office/powerpoint/2010/main" val="2085440784"/>
               </p:ext>
             </p:extLst>
           </p:nvPr>
@@ -13241,14 +13061,62 @@
                 <a:tableStyleId>{5C22544A-7EE6-4342-B048-85BDC9FD1C3A}</a:tableStyleId>
               </a:tblPr>
               <a:tblGrid>
-                <a:gridCol w="901522"/>
-                <a:gridCol w="901522"/>
-                <a:gridCol w="901522"/>
-                <a:gridCol w="901522"/>
-                <a:gridCol w="901522"/>
-                <a:gridCol w="901522"/>
-                <a:gridCol w="901522"/>
-                <a:gridCol w="901522"/>
+                <a:gridCol w="901522">
+                  <a:extLst>
+                    <a:ext uri="{9D8B030D-6E8A-4147-A177-3AD203B41FA5}">
+                      <a16:colId xmlns:a16="http://schemas.microsoft.com/office/drawing/2014/main" val="20000"/>
+                    </a:ext>
+                  </a:extLst>
+                </a:gridCol>
+                <a:gridCol w="901522">
+                  <a:extLst>
+                    <a:ext uri="{9D8B030D-6E8A-4147-A177-3AD203B41FA5}">
+                      <a16:colId xmlns:a16="http://schemas.microsoft.com/office/drawing/2014/main" val="20001"/>
+                    </a:ext>
+                  </a:extLst>
+                </a:gridCol>
+                <a:gridCol w="901522">
+                  <a:extLst>
+                    <a:ext uri="{9D8B030D-6E8A-4147-A177-3AD203B41FA5}">
+                      <a16:colId xmlns:a16="http://schemas.microsoft.com/office/drawing/2014/main" val="20002"/>
+                    </a:ext>
+                  </a:extLst>
+                </a:gridCol>
+                <a:gridCol w="901522">
+                  <a:extLst>
+                    <a:ext uri="{9D8B030D-6E8A-4147-A177-3AD203B41FA5}">
+                      <a16:colId xmlns:a16="http://schemas.microsoft.com/office/drawing/2014/main" val="20003"/>
+                    </a:ext>
+                  </a:extLst>
+                </a:gridCol>
+                <a:gridCol w="901522">
+                  <a:extLst>
+                    <a:ext uri="{9D8B030D-6E8A-4147-A177-3AD203B41FA5}">
+                      <a16:colId xmlns:a16="http://schemas.microsoft.com/office/drawing/2014/main" val="20004"/>
+                    </a:ext>
+                  </a:extLst>
+                </a:gridCol>
+                <a:gridCol w="901522">
+                  <a:extLst>
+                    <a:ext uri="{9D8B030D-6E8A-4147-A177-3AD203B41FA5}">
+                      <a16:colId xmlns:a16="http://schemas.microsoft.com/office/drawing/2014/main" val="20005"/>
+                    </a:ext>
+                  </a:extLst>
+                </a:gridCol>
+                <a:gridCol w="901522">
+                  <a:extLst>
+                    <a:ext uri="{9D8B030D-6E8A-4147-A177-3AD203B41FA5}">
+                      <a16:colId xmlns:a16="http://schemas.microsoft.com/office/drawing/2014/main" val="20006"/>
+                    </a:ext>
+                  </a:extLst>
+                </a:gridCol>
+                <a:gridCol w="901522">
+                  <a:extLst>
+                    <a:ext uri="{9D8B030D-6E8A-4147-A177-3AD203B41FA5}">
+                      <a16:colId xmlns:a16="http://schemas.microsoft.com/office/drawing/2014/main" val="20007"/>
+                    </a:ext>
+                  </a:extLst>
+                </a:gridCol>
               </a:tblGrid>
               <a:tr h="613987">
                 <a:tc>
@@ -13258,18 +13126,13 @@
                     <a:p>
                       <a:pPr algn="ctr"/>
                       <a:r>
-                        <a:rPr lang="en-US" sz="2000" i="0" dirty="0" smtClean="0">
+                        <a:rPr lang="en-US" sz="2000" i="0" dirty="0">
                           <a:solidFill>
                             <a:schemeClr val="tx1"/>
                           </a:solidFill>
                         </a:rPr>
                         <a:t>0</a:t>
                       </a:r>
-                      <a:endParaRPr lang="en-US" sz="2000" i="0" dirty="0">
-                        <a:solidFill>
-                          <a:schemeClr val="tx1"/>
-                        </a:solidFill>
-                      </a:endParaRPr>
                     </a:p>
                   </a:txBody>
                   <a:tcPr>
@@ -13321,18 +13184,13 @@
                     <a:p>
                       <a:pPr algn="ctr"/>
                       <a:r>
-                        <a:rPr lang="en-US" sz="2000" i="0" dirty="0" smtClean="0">
+                        <a:rPr lang="en-US" sz="2000" i="0" dirty="0">
                           <a:solidFill>
                             <a:schemeClr val="tx1"/>
                           </a:solidFill>
                         </a:rPr>
                         <a:t>1</a:t>
                       </a:r>
-                      <a:endParaRPr lang="en-US" sz="2000" i="0" dirty="0">
-                        <a:solidFill>
-                          <a:schemeClr val="tx1"/>
-                        </a:solidFill>
-                      </a:endParaRPr>
                     </a:p>
                   </a:txBody>
                   <a:tcPr>
@@ -13384,18 +13242,13 @@
                     <a:p>
                       <a:pPr algn="ctr"/>
                       <a:r>
-                        <a:rPr lang="en-US" sz="2000" i="0" dirty="0" smtClean="0">
+                        <a:rPr lang="en-US" sz="2000" i="0" dirty="0">
                           <a:solidFill>
                             <a:schemeClr val="tx1"/>
                           </a:solidFill>
                         </a:rPr>
                         <a:t>2</a:t>
                       </a:r>
-                      <a:endParaRPr lang="en-US" sz="2000" i="0" dirty="0">
-                        <a:solidFill>
-                          <a:schemeClr val="tx1"/>
-                        </a:solidFill>
-                      </a:endParaRPr>
                     </a:p>
                   </a:txBody>
                   <a:tcPr>
@@ -13447,18 +13300,13 @@
                     <a:p>
                       <a:pPr algn="ctr"/>
                       <a:r>
-                        <a:rPr lang="en-US" sz="2000" i="0" dirty="0" smtClean="0">
+                        <a:rPr lang="en-US" sz="2000" i="0" dirty="0">
                           <a:solidFill>
                             <a:schemeClr val="tx1"/>
                           </a:solidFill>
                         </a:rPr>
                         <a:t>3</a:t>
                       </a:r>
-                      <a:endParaRPr lang="en-US" sz="2000" i="0" dirty="0">
-                        <a:solidFill>
-                          <a:schemeClr val="tx1"/>
-                        </a:solidFill>
-                      </a:endParaRPr>
                     </a:p>
                   </a:txBody>
                   <a:tcPr>
@@ -13510,18 +13358,13 @@
                     <a:p>
                       <a:pPr algn="ctr"/>
                       <a:r>
-                        <a:rPr lang="en-US" sz="2000" i="0" dirty="0" smtClean="0">
+                        <a:rPr lang="en-US" sz="2000" i="0" dirty="0">
                           <a:solidFill>
                             <a:schemeClr val="tx1"/>
                           </a:solidFill>
                         </a:rPr>
                         <a:t>4</a:t>
                       </a:r>
-                      <a:endParaRPr lang="en-US" sz="2000" i="0" dirty="0">
-                        <a:solidFill>
-                          <a:schemeClr val="tx1"/>
-                        </a:solidFill>
-                      </a:endParaRPr>
                     </a:p>
                   </a:txBody>
                   <a:tcPr>
@@ -13573,18 +13416,13 @@
                     <a:p>
                       <a:pPr algn="ctr"/>
                       <a:r>
-                        <a:rPr lang="en-US" sz="2000" i="0" dirty="0" smtClean="0">
+                        <a:rPr lang="en-US" sz="2000" i="0" dirty="0">
                           <a:solidFill>
                             <a:schemeClr val="tx1"/>
                           </a:solidFill>
                         </a:rPr>
                         <a:t>5</a:t>
                       </a:r>
-                      <a:endParaRPr lang="en-US" sz="2000" i="0" dirty="0">
-                        <a:solidFill>
-                          <a:schemeClr val="tx1"/>
-                        </a:solidFill>
-                      </a:endParaRPr>
                     </a:p>
                   </a:txBody>
                   <a:tcPr>
@@ -13636,18 +13474,13 @@
                     <a:p>
                       <a:pPr algn="ctr"/>
                       <a:r>
-                        <a:rPr lang="en-US" sz="2000" i="0" dirty="0" smtClean="0">
+                        <a:rPr lang="en-US" sz="2000" i="0" dirty="0">
                           <a:solidFill>
                             <a:schemeClr val="tx1"/>
                           </a:solidFill>
                         </a:rPr>
                         <a:t>6</a:t>
                       </a:r>
-                      <a:endParaRPr lang="en-US" sz="2000" i="0" dirty="0">
-                        <a:solidFill>
-                          <a:schemeClr val="tx1"/>
-                        </a:solidFill>
-                      </a:endParaRPr>
                     </a:p>
                   </a:txBody>
                   <a:tcPr>
@@ -13699,18 +13532,13 @@
                     <a:p>
                       <a:pPr algn="ctr"/>
                       <a:r>
-                        <a:rPr lang="en-US" sz="2000" i="0" dirty="0" smtClean="0">
+                        <a:rPr lang="en-US" sz="2000" i="0" dirty="0">
                           <a:solidFill>
                             <a:schemeClr val="tx1"/>
                           </a:solidFill>
                         </a:rPr>
                         <a:t>7</a:t>
                       </a:r>
-                      <a:endParaRPr lang="en-US" sz="2000" i="0" dirty="0">
-                        <a:solidFill>
-                          <a:schemeClr val="tx1"/>
-                        </a:solidFill>
-                      </a:endParaRPr>
                     </a:p>
                   </a:txBody>
                   <a:tcPr>
@@ -13755,6 +13583,11 @@
                     </a:solidFill>
                   </a:tcPr>
                 </a:tc>
+                <a:extLst>
+                  <a:ext uri="{0D108BD9-81ED-4DB2-BD59-A6C34878D82A}">
+                    <a16:rowId xmlns:a16="http://schemas.microsoft.com/office/drawing/2014/main" val="10000"/>
+                  </a:ext>
+                </a:extLst>
               </a:tr>
             </a:tbl>
           </a:graphicData>
@@ -13769,7 +13602,7 @@
           <p:nvPr>
             <p:extLst>
               <p:ext uri="{D42A27DB-BD31-4B8C-83A1-F6EECF244321}">
-                <p14:modId xmlns:p14="http://schemas.microsoft.com/office/powerpoint/2010/main" val="3666828205"/>
+                <p14:modId xmlns:p14="http://schemas.microsoft.com/office/powerpoint/2010/main" val="2319294434"/>
               </p:ext>
             </p:extLst>
           </p:nvPr>
@@ -13785,14 +13618,62 @@
                 <a:tableStyleId>{5C22544A-7EE6-4342-B048-85BDC9FD1C3A}</a:tableStyleId>
               </a:tblPr>
               <a:tblGrid>
-                <a:gridCol w="901522"/>
-                <a:gridCol w="901522"/>
-                <a:gridCol w="901522"/>
-                <a:gridCol w="901522"/>
-                <a:gridCol w="901522"/>
-                <a:gridCol w="901522"/>
-                <a:gridCol w="901522"/>
-                <a:gridCol w="901522"/>
+                <a:gridCol w="901522">
+                  <a:extLst>
+                    <a:ext uri="{9D8B030D-6E8A-4147-A177-3AD203B41FA5}">
+                      <a16:colId xmlns:a16="http://schemas.microsoft.com/office/drawing/2014/main" val="20000"/>
+                    </a:ext>
+                  </a:extLst>
+                </a:gridCol>
+                <a:gridCol w="901522">
+                  <a:extLst>
+                    <a:ext uri="{9D8B030D-6E8A-4147-A177-3AD203B41FA5}">
+                      <a16:colId xmlns:a16="http://schemas.microsoft.com/office/drawing/2014/main" val="20001"/>
+                    </a:ext>
+                  </a:extLst>
+                </a:gridCol>
+                <a:gridCol w="901522">
+                  <a:extLst>
+                    <a:ext uri="{9D8B030D-6E8A-4147-A177-3AD203B41FA5}">
+                      <a16:colId xmlns:a16="http://schemas.microsoft.com/office/drawing/2014/main" val="20002"/>
+                    </a:ext>
+                  </a:extLst>
+                </a:gridCol>
+                <a:gridCol w="901522">
+                  <a:extLst>
+                    <a:ext uri="{9D8B030D-6E8A-4147-A177-3AD203B41FA5}">
+                      <a16:colId xmlns:a16="http://schemas.microsoft.com/office/drawing/2014/main" val="20003"/>
+                    </a:ext>
+                  </a:extLst>
+                </a:gridCol>
+                <a:gridCol w="901522">
+                  <a:extLst>
+                    <a:ext uri="{9D8B030D-6E8A-4147-A177-3AD203B41FA5}">
+                      <a16:colId xmlns:a16="http://schemas.microsoft.com/office/drawing/2014/main" val="20004"/>
+                    </a:ext>
+                  </a:extLst>
+                </a:gridCol>
+                <a:gridCol w="901522">
+                  <a:extLst>
+                    <a:ext uri="{9D8B030D-6E8A-4147-A177-3AD203B41FA5}">
+                      <a16:colId xmlns:a16="http://schemas.microsoft.com/office/drawing/2014/main" val="20005"/>
+                    </a:ext>
+                  </a:extLst>
+                </a:gridCol>
+                <a:gridCol w="901522">
+                  <a:extLst>
+                    <a:ext uri="{9D8B030D-6E8A-4147-A177-3AD203B41FA5}">
+                      <a16:colId xmlns:a16="http://schemas.microsoft.com/office/drawing/2014/main" val="20006"/>
+                    </a:ext>
+                  </a:extLst>
+                </a:gridCol>
+                <a:gridCol w="901522">
+                  <a:extLst>
+                    <a:ext uri="{9D8B030D-6E8A-4147-A177-3AD203B41FA5}">
+                      <a16:colId xmlns:a16="http://schemas.microsoft.com/office/drawing/2014/main" val="20007"/>
+                    </a:ext>
+                  </a:extLst>
+                </a:gridCol>
               </a:tblGrid>
               <a:tr h="613987">
                 <a:tc>
@@ -13865,18 +13746,13 @@
                     <a:p>
                       <a:pPr algn="ctr"/>
                       <a:r>
-                        <a:rPr lang="en-US" sz="3200" dirty="0" smtClean="0">
+                        <a:rPr lang="en-US" sz="3200" dirty="0">
                           <a:solidFill>
                             <a:srgbClr val="0070C0"/>
                           </a:solidFill>
                         </a:rPr>
                         <a:t>a</a:t>
                       </a:r>
-                      <a:endParaRPr lang="en-US" sz="3200" dirty="0">
-                        <a:solidFill>
-                          <a:srgbClr val="0070C0"/>
-                        </a:solidFill>
-                      </a:endParaRPr>
                     </a:p>
                   </a:txBody>
                   <a:tcPr>
@@ -13936,18 +13812,13 @@
                     <a:p>
                       <a:pPr algn="ctr"/>
                       <a:r>
-                        <a:rPr lang="en-US" sz="3200" dirty="0" smtClean="0">
+                        <a:rPr lang="en-US" sz="3200" dirty="0">
                           <a:solidFill>
                             <a:srgbClr val="0070C0"/>
                           </a:solidFill>
                         </a:rPr>
                         <a:t>b</a:t>
                       </a:r>
-                      <a:endParaRPr lang="en-US" sz="3200" dirty="0">
-                        <a:solidFill>
-                          <a:srgbClr val="0070C0"/>
-                        </a:solidFill>
-                      </a:endParaRPr>
                     </a:p>
                   </a:txBody>
                   <a:tcPr>
@@ -14007,18 +13878,13 @@
                     <a:p>
                       <a:pPr algn="ctr"/>
                       <a:r>
-                        <a:rPr lang="en-US" sz="3200" dirty="0" smtClean="0">
+                        <a:rPr lang="en-US" sz="3200" dirty="0">
                           <a:solidFill>
                             <a:srgbClr val="0070C0"/>
                           </a:solidFill>
                         </a:rPr>
                         <a:t>c</a:t>
                       </a:r>
-                      <a:endParaRPr lang="en-US" sz="3200" dirty="0">
-                        <a:solidFill>
-                          <a:srgbClr val="0070C0"/>
-                        </a:solidFill>
-                      </a:endParaRPr>
                     </a:p>
                   </a:txBody>
                   <a:tcPr>
@@ -14078,18 +13944,13 @@
                     <a:p>
                       <a:pPr algn="ctr"/>
                       <a:r>
-                        <a:rPr lang="en-US" sz="3200" dirty="0" smtClean="0">
+                        <a:rPr lang="en-US" sz="3200" dirty="0">
                           <a:solidFill>
                             <a:srgbClr val="0070C0"/>
                           </a:solidFill>
                         </a:rPr>
                         <a:t>d</a:t>
                       </a:r>
-                      <a:endParaRPr lang="en-US" sz="3200" dirty="0">
-                        <a:solidFill>
-                          <a:srgbClr val="0070C0"/>
-                        </a:solidFill>
-                      </a:endParaRPr>
                     </a:p>
                   </a:txBody>
                   <a:tcPr>
@@ -14149,18 +14010,13 @@
                     <a:p>
                       <a:pPr algn="ctr"/>
                       <a:r>
-                        <a:rPr lang="en-US" sz="3200" dirty="0" smtClean="0">
+                        <a:rPr lang="en-US" sz="3200" dirty="0">
                           <a:solidFill>
                             <a:srgbClr val="0070C0"/>
                           </a:solidFill>
                         </a:rPr>
                         <a:t>e</a:t>
                       </a:r>
-                      <a:endParaRPr lang="en-US" sz="3200" dirty="0">
-                        <a:solidFill>
-                          <a:srgbClr val="0070C0"/>
-                        </a:solidFill>
-                      </a:endParaRPr>
                     </a:p>
                   </a:txBody>
                   <a:tcPr>
@@ -14339,6 +14195,11 @@
                     </a:solidFill>
                   </a:tcPr>
                 </a:tc>
+                <a:extLst>
+                  <a:ext uri="{0D108BD9-81ED-4DB2-BD59-A6C34878D82A}">
+                    <a16:rowId xmlns:a16="http://schemas.microsoft.com/office/drawing/2014/main" val="10000"/>
+                  </a:ext>
+                </a:extLst>
               </a:tr>
             </a:tbl>
           </a:graphicData>
@@ -14367,7 +14228,7 @@
           <a:lstStyle/>
           <a:p>
             <a:r>
-              <a:rPr lang="en-US" sz="2400" b="1" dirty="0" smtClean="0">
+              <a:rPr lang="en-US" sz="2400" b="1" dirty="0">
                 <a:solidFill>
                   <a:srgbClr val="00B050"/>
                 </a:solidFill>
@@ -14379,7 +14240,7 @@
           </a:p>
           <a:p>
             <a:r>
-              <a:rPr lang="en-US" sz="2400" b="1" dirty="0" smtClean="0">
+              <a:rPr lang="en-US" sz="2400" b="1" dirty="0">
                 <a:solidFill>
                   <a:srgbClr val="FF0000"/>
                 </a:solidFill>
@@ -14388,13 +14249,6 @@
               </a:rPr>
               <a:t>tail = 5</a:t>
             </a:r>
-            <a:endParaRPr lang="en-US" sz="2400" b="1" dirty="0">
-              <a:solidFill>
-                <a:srgbClr val="FF0000"/>
-              </a:solidFill>
-              <a:latin typeface="Courier New" panose="02070309020205020404" pitchFamily="49" charset="0"/>
-              <a:cs typeface="Courier New" panose="02070309020205020404" pitchFamily="49" charset="0"/>
-            </a:endParaRPr>
           </a:p>
         </p:txBody>
       </p:sp>
@@ -14479,7 +14333,7 @@
           <p:nvPr>
             <p:extLst>
               <p:ext uri="{D42A27DB-BD31-4B8C-83A1-F6EECF244321}">
-                <p14:modId xmlns:p14="http://schemas.microsoft.com/office/powerpoint/2010/main" val="3098463694"/>
+                <p14:modId xmlns:p14="http://schemas.microsoft.com/office/powerpoint/2010/main" val="676477624"/>
               </p:ext>
             </p:extLst>
           </p:nvPr>
@@ -14495,14 +14349,62 @@
                 <a:tableStyleId>{5C22544A-7EE6-4342-B048-85BDC9FD1C3A}</a:tableStyleId>
               </a:tblPr>
               <a:tblGrid>
-                <a:gridCol w="901522"/>
-                <a:gridCol w="901522"/>
-                <a:gridCol w="901522"/>
-                <a:gridCol w="901522"/>
-                <a:gridCol w="901522"/>
-                <a:gridCol w="901522"/>
-                <a:gridCol w="901522"/>
-                <a:gridCol w="901522"/>
+                <a:gridCol w="901522">
+                  <a:extLst>
+                    <a:ext uri="{9D8B030D-6E8A-4147-A177-3AD203B41FA5}">
+                      <a16:colId xmlns:a16="http://schemas.microsoft.com/office/drawing/2014/main" val="20000"/>
+                    </a:ext>
+                  </a:extLst>
+                </a:gridCol>
+                <a:gridCol w="901522">
+                  <a:extLst>
+                    <a:ext uri="{9D8B030D-6E8A-4147-A177-3AD203B41FA5}">
+                      <a16:colId xmlns:a16="http://schemas.microsoft.com/office/drawing/2014/main" val="20001"/>
+                    </a:ext>
+                  </a:extLst>
+                </a:gridCol>
+                <a:gridCol w="901522">
+                  <a:extLst>
+                    <a:ext uri="{9D8B030D-6E8A-4147-A177-3AD203B41FA5}">
+                      <a16:colId xmlns:a16="http://schemas.microsoft.com/office/drawing/2014/main" val="20002"/>
+                    </a:ext>
+                  </a:extLst>
+                </a:gridCol>
+                <a:gridCol w="901522">
+                  <a:extLst>
+                    <a:ext uri="{9D8B030D-6E8A-4147-A177-3AD203B41FA5}">
+                      <a16:colId xmlns:a16="http://schemas.microsoft.com/office/drawing/2014/main" val="20003"/>
+                    </a:ext>
+                  </a:extLst>
+                </a:gridCol>
+                <a:gridCol w="901522">
+                  <a:extLst>
+                    <a:ext uri="{9D8B030D-6E8A-4147-A177-3AD203B41FA5}">
+                      <a16:colId xmlns:a16="http://schemas.microsoft.com/office/drawing/2014/main" val="20004"/>
+                    </a:ext>
+                  </a:extLst>
+                </a:gridCol>
+                <a:gridCol w="901522">
+                  <a:extLst>
+                    <a:ext uri="{9D8B030D-6E8A-4147-A177-3AD203B41FA5}">
+                      <a16:colId xmlns:a16="http://schemas.microsoft.com/office/drawing/2014/main" val="20005"/>
+                    </a:ext>
+                  </a:extLst>
+                </a:gridCol>
+                <a:gridCol w="901522">
+                  <a:extLst>
+                    <a:ext uri="{9D8B030D-6E8A-4147-A177-3AD203B41FA5}">
+                      <a16:colId xmlns:a16="http://schemas.microsoft.com/office/drawing/2014/main" val="20006"/>
+                    </a:ext>
+                  </a:extLst>
+                </a:gridCol>
+                <a:gridCol w="901522">
+                  <a:extLst>
+                    <a:ext uri="{9D8B030D-6E8A-4147-A177-3AD203B41FA5}">
+                      <a16:colId xmlns:a16="http://schemas.microsoft.com/office/drawing/2014/main" val="20007"/>
+                    </a:ext>
+                  </a:extLst>
+                </a:gridCol>
               </a:tblGrid>
               <a:tr h="613987">
                 <a:tc>
@@ -14512,18 +14414,13 @@
                     <a:p>
                       <a:pPr algn="ctr"/>
                       <a:r>
-                        <a:rPr lang="en-US" sz="2000" i="0" dirty="0" smtClean="0">
+                        <a:rPr lang="en-US" sz="2000" i="0" dirty="0">
                           <a:solidFill>
                             <a:schemeClr val="tx1"/>
                           </a:solidFill>
                         </a:rPr>
                         <a:t>0</a:t>
                       </a:r>
-                      <a:endParaRPr lang="en-US" sz="2000" i="0" dirty="0">
-                        <a:solidFill>
-                          <a:schemeClr val="tx1"/>
-                        </a:solidFill>
-                      </a:endParaRPr>
                     </a:p>
                   </a:txBody>
                   <a:tcPr>
@@ -14575,18 +14472,13 @@
                     <a:p>
                       <a:pPr algn="ctr"/>
                       <a:r>
-                        <a:rPr lang="en-US" sz="2000" i="0" dirty="0" smtClean="0">
+                        <a:rPr lang="en-US" sz="2000" i="0" dirty="0">
                           <a:solidFill>
                             <a:schemeClr val="tx1"/>
                           </a:solidFill>
                         </a:rPr>
                         <a:t>1</a:t>
                       </a:r>
-                      <a:endParaRPr lang="en-US" sz="2000" i="0" dirty="0">
-                        <a:solidFill>
-                          <a:schemeClr val="tx1"/>
-                        </a:solidFill>
-                      </a:endParaRPr>
                     </a:p>
                   </a:txBody>
                   <a:tcPr>
@@ -14638,18 +14530,13 @@
                     <a:p>
                       <a:pPr algn="ctr"/>
                       <a:r>
-                        <a:rPr lang="en-US" sz="2000" i="0" dirty="0" smtClean="0">
+                        <a:rPr lang="en-US" sz="2000" i="0" dirty="0">
                           <a:solidFill>
                             <a:schemeClr val="tx1"/>
                           </a:solidFill>
                         </a:rPr>
                         <a:t>2</a:t>
                       </a:r>
-                      <a:endParaRPr lang="en-US" sz="2000" i="0" dirty="0">
-                        <a:solidFill>
-                          <a:schemeClr val="tx1"/>
-                        </a:solidFill>
-                      </a:endParaRPr>
                     </a:p>
                   </a:txBody>
                   <a:tcPr>
@@ -14701,18 +14588,13 @@
                     <a:p>
                       <a:pPr algn="ctr"/>
                       <a:r>
-                        <a:rPr lang="en-US" sz="2000" i="0" dirty="0" smtClean="0">
+                        <a:rPr lang="en-US" sz="2000" i="0" dirty="0">
                           <a:solidFill>
                             <a:schemeClr val="tx1"/>
                           </a:solidFill>
                         </a:rPr>
                         <a:t>3</a:t>
                       </a:r>
-                      <a:endParaRPr lang="en-US" sz="2000" i="0" dirty="0">
-                        <a:solidFill>
-                          <a:schemeClr val="tx1"/>
-                        </a:solidFill>
-                      </a:endParaRPr>
                     </a:p>
                   </a:txBody>
                   <a:tcPr>
@@ -14764,18 +14646,13 @@
                     <a:p>
                       <a:pPr algn="ctr"/>
                       <a:r>
-                        <a:rPr lang="en-US" sz="2000" i="0" dirty="0" smtClean="0">
+                        <a:rPr lang="en-US" sz="2000" i="0" dirty="0">
                           <a:solidFill>
                             <a:schemeClr val="tx1"/>
                           </a:solidFill>
                         </a:rPr>
                         <a:t>4</a:t>
                       </a:r>
-                      <a:endParaRPr lang="en-US" sz="2000" i="0" dirty="0">
-                        <a:solidFill>
-                          <a:schemeClr val="tx1"/>
-                        </a:solidFill>
-                      </a:endParaRPr>
                     </a:p>
                   </a:txBody>
                   <a:tcPr>
@@ -14827,18 +14704,13 @@
                     <a:p>
                       <a:pPr algn="ctr"/>
                       <a:r>
-                        <a:rPr lang="en-US" sz="2000" i="0" dirty="0" smtClean="0">
+                        <a:rPr lang="en-US" sz="2000" i="0" dirty="0">
                           <a:solidFill>
                             <a:schemeClr val="tx1"/>
                           </a:solidFill>
                         </a:rPr>
                         <a:t>5</a:t>
                       </a:r>
-                      <a:endParaRPr lang="en-US" sz="2000" i="0" dirty="0">
-                        <a:solidFill>
-                          <a:schemeClr val="tx1"/>
-                        </a:solidFill>
-                      </a:endParaRPr>
                     </a:p>
                   </a:txBody>
                   <a:tcPr>
@@ -14890,18 +14762,13 @@
                     <a:p>
                       <a:pPr algn="ctr"/>
                       <a:r>
-                        <a:rPr lang="en-US" sz="2000" i="0" dirty="0" smtClean="0">
+                        <a:rPr lang="en-US" sz="2000" i="0" dirty="0">
                           <a:solidFill>
                             <a:schemeClr val="tx1"/>
                           </a:solidFill>
                         </a:rPr>
                         <a:t>6</a:t>
                       </a:r>
-                      <a:endParaRPr lang="en-US" sz="2000" i="0" dirty="0">
-                        <a:solidFill>
-                          <a:schemeClr val="tx1"/>
-                        </a:solidFill>
-                      </a:endParaRPr>
                     </a:p>
                   </a:txBody>
                   <a:tcPr>
@@ -14953,18 +14820,13 @@
                     <a:p>
                       <a:pPr algn="ctr"/>
                       <a:r>
-                        <a:rPr lang="en-US" sz="2000" i="0" dirty="0" smtClean="0">
+                        <a:rPr lang="en-US" sz="2000" i="0" dirty="0">
                           <a:solidFill>
                             <a:schemeClr val="tx1"/>
                           </a:solidFill>
                         </a:rPr>
                         <a:t>7</a:t>
                       </a:r>
-                      <a:endParaRPr lang="en-US" sz="2000" i="0" dirty="0">
-                        <a:solidFill>
-                          <a:schemeClr val="tx1"/>
-                        </a:solidFill>
-                      </a:endParaRPr>
                     </a:p>
                   </a:txBody>
                   <a:tcPr>
@@ -15009,6 +14871,11 @@
                     </a:solidFill>
                   </a:tcPr>
                 </a:tc>
+                <a:extLst>
+                  <a:ext uri="{0D108BD9-81ED-4DB2-BD59-A6C34878D82A}">
+                    <a16:rowId xmlns:a16="http://schemas.microsoft.com/office/drawing/2014/main" val="10000"/>
+                  </a:ext>
+                </a:extLst>
               </a:tr>
             </a:tbl>
           </a:graphicData>
@@ -15023,7 +14890,7 @@
           <p:nvPr>
             <p:extLst>
               <p:ext uri="{D42A27DB-BD31-4B8C-83A1-F6EECF244321}">
-                <p14:modId xmlns:p14="http://schemas.microsoft.com/office/powerpoint/2010/main" val="1045798782"/>
+                <p14:modId xmlns:p14="http://schemas.microsoft.com/office/powerpoint/2010/main" val="828809103"/>
               </p:ext>
             </p:extLst>
           </p:nvPr>
@@ -15039,14 +14906,62 @@
                 <a:tableStyleId>{5C22544A-7EE6-4342-B048-85BDC9FD1C3A}</a:tableStyleId>
               </a:tblPr>
               <a:tblGrid>
-                <a:gridCol w="901522"/>
-                <a:gridCol w="901522"/>
-                <a:gridCol w="901522"/>
-                <a:gridCol w="901522"/>
-                <a:gridCol w="901522"/>
-                <a:gridCol w="901522"/>
-                <a:gridCol w="901522"/>
-                <a:gridCol w="901522"/>
+                <a:gridCol w="901522">
+                  <a:extLst>
+                    <a:ext uri="{9D8B030D-6E8A-4147-A177-3AD203B41FA5}">
+                      <a16:colId xmlns:a16="http://schemas.microsoft.com/office/drawing/2014/main" val="20000"/>
+                    </a:ext>
+                  </a:extLst>
+                </a:gridCol>
+                <a:gridCol w="901522">
+                  <a:extLst>
+                    <a:ext uri="{9D8B030D-6E8A-4147-A177-3AD203B41FA5}">
+                      <a16:colId xmlns:a16="http://schemas.microsoft.com/office/drawing/2014/main" val="20001"/>
+                    </a:ext>
+                  </a:extLst>
+                </a:gridCol>
+                <a:gridCol w="901522">
+                  <a:extLst>
+                    <a:ext uri="{9D8B030D-6E8A-4147-A177-3AD203B41FA5}">
+                      <a16:colId xmlns:a16="http://schemas.microsoft.com/office/drawing/2014/main" val="20002"/>
+                    </a:ext>
+                  </a:extLst>
+                </a:gridCol>
+                <a:gridCol w="901522">
+                  <a:extLst>
+                    <a:ext uri="{9D8B030D-6E8A-4147-A177-3AD203B41FA5}">
+                      <a16:colId xmlns:a16="http://schemas.microsoft.com/office/drawing/2014/main" val="20003"/>
+                    </a:ext>
+                  </a:extLst>
+                </a:gridCol>
+                <a:gridCol w="901522">
+                  <a:extLst>
+                    <a:ext uri="{9D8B030D-6E8A-4147-A177-3AD203B41FA5}">
+                      <a16:colId xmlns:a16="http://schemas.microsoft.com/office/drawing/2014/main" val="20004"/>
+                    </a:ext>
+                  </a:extLst>
+                </a:gridCol>
+                <a:gridCol w="901522">
+                  <a:extLst>
+                    <a:ext uri="{9D8B030D-6E8A-4147-A177-3AD203B41FA5}">
+                      <a16:colId xmlns:a16="http://schemas.microsoft.com/office/drawing/2014/main" val="20005"/>
+                    </a:ext>
+                  </a:extLst>
+                </a:gridCol>
+                <a:gridCol w="901522">
+                  <a:extLst>
+                    <a:ext uri="{9D8B030D-6E8A-4147-A177-3AD203B41FA5}">
+                      <a16:colId xmlns:a16="http://schemas.microsoft.com/office/drawing/2014/main" val="20006"/>
+                    </a:ext>
+                  </a:extLst>
+                </a:gridCol>
+                <a:gridCol w="901522">
+                  <a:extLst>
+                    <a:ext uri="{9D8B030D-6E8A-4147-A177-3AD203B41FA5}">
+                      <a16:colId xmlns:a16="http://schemas.microsoft.com/office/drawing/2014/main" val="20007"/>
+                    </a:ext>
+                  </a:extLst>
+                </a:gridCol>
               </a:tblGrid>
               <a:tr h="613987">
                 <a:tc>
@@ -15119,18 +15034,13 @@
                     <a:p>
                       <a:pPr algn="ctr"/>
                       <a:r>
-                        <a:rPr lang="en-US" sz="3200" dirty="0" smtClean="0">
+                        <a:rPr lang="en-US" sz="3200" dirty="0">
                           <a:solidFill>
                             <a:srgbClr val="0070C0"/>
                           </a:solidFill>
                         </a:rPr>
                         <a:t>a</a:t>
                       </a:r>
-                      <a:endParaRPr lang="en-US" sz="3200" dirty="0">
-                        <a:solidFill>
-                          <a:srgbClr val="0070C0"/>
-                        </a:solidFill>
-                      </a:endParaRPr>
                     </a:p>
                   </a:txBody>
                   <a:tcPr>
@@ -15190,18 +15100,13 @@
                     <a:p>
                       <a:pPr algn="ctr"/>
                       <a:r>
-                        <a:rPr lang="en-US" sz="3200" dirty="0" smtClean="0">
+                        <a:rPr lang="en-US" sz="3200" dirty="0">
                           <a:solidFill>
                             <a:srgbClr val="0070C0"/>
                           </a:solidFill>
                         </a:rPr>
                         <a:t>b</a:t>
                       </a:r>
-                      <a:endParaRPr lang="en-US" sz="3200" dirty="0">
-                        <a:solidFill>
-                          <a:srgbClr val="0070C0"/>
-                        </a:solidFill>
-                      </a:endParaRPr>
                     </a:p>
                   </a:txBody>
                   <a:tcPr>
@@ -15261,18 +15166,13 @@
                     <a:p>
                       <a:pPr algn="ctr"/>
                       <a:r>
-                        <a:rPr lang="en-US" sz="3200" dirty="0" smtClean="0">
+                        <a:rPr lang="en-US" sz="3200" dirty="0">
                           <a:solidFill>
                             <a:srgbClr val="0070C0"/>
                           </a:solidFill>
                         </a:rPr>
                         <a:t>c</a:t>
                       </a:r>
-                      <a:endParaRPr lang="en-US" sz="3200" dirty="0">
-                        <a:solidFill>
-                          <a:srgbClr val="0070C0"/>
-                        </a:solidFill>
-                      </a:endParaRPr>
                     </a:p>
                   </a:txBody>
                   <a:tcPr>
@@ -15332,18 +15232,13 @@
                     <a:p>
                       <a:pPr algn="ctr"/>
                       <a:r>
-                        <a:rPr lang="en-US" sz="3200" dirty="0" smtClean="0">
+                        <a:rPr lang="en-US" sz="3200" dirty="0">
                           <a:solidFill>
                             <a:srgbClr val="0070C0"/>
                           </a:solidFill>
                         </a:rPr>
                         <a:t>d</a:t>
                       </a:r>
-                      <a:endParaRPr lang="en-US" sz="3200" dirty="0">
-                        <a:solidFill>
-                          <a:srgbClr val="0070C0"/>
-                        </a:solidFill>
-                      </a:endParaRPr>
                     </a:p>
                   </a:txBody>
                   <a:tcPr>
@@ -15403,18 +15298,13 @@
                     <a:p>
                       <a:pPr algn="ctr"/>
                       <a:r>
-                        <a:rPr lang="en-US" sz="3200" dirty="0" smtClean="0">
+                        <a:rPr lang="en-US" sz="3200" dirty="0">
                           <a:solidFill>
                             <a:srgbClr val="0070C0"/>
                           </a:solidFill>
                         </a:rPr>
                         <a:t>e</a:t>
                       </a:r>
-                      <a:endParaRPr lang="en-US" sz="3200" dirty="0">
-                        <a:solidFill>
-                          <a:srgbClr val="0070C0"/>
-                        </a:solidFill>
-                      </a:endParaRPr>
                     </a:p>
                   </a:txBody>
                   <a:tcPr>
@@ -15593,6 +15483,11 @@
                     </a:solidFill>
                   </a:tcPr>
                 </a:tc>
+                <a:extLst>
+                  <a:ext uri="{0D108BD9-81ED-4DB2-BD59-A6C34878D82A}">
+                    <a16:rowId xmlns:a16="http://schemas.microsoft.com/office/drawing/2014/main" val="10000"/>
+                  </a:ext>
+                </a:extLst>
               </a:tr>
             </a:tbl>
           </a:graphicData>
@@ -15621,7 +15516,7 @@
           <a:lstStyle/>
           <a:p>
             <a:r>
-              <a:rPr lang="en-US" sz="2400" b="1" dirty="0" smtClean="0">
+              <a:rPr lang="en-US" sz="2400" b="1" dirty="0">
                 <a:solidFill>
                   <a:srgbClr val="00B050"/>
                 </a:solidFill>
@@ -15633,16 +15528,6 @@
           </a:p>
           <a:p>
             <a:r>
-              <a:rPr lang="en-US" sz="2400" b="1" dirty="0" smtClean="0">
-                <a:solidFill>
-                  <a:srgbClr val="FF0000"/>
-                </a:solidFill>
-                <a:latin typeface="Courier New" panose="02070309020205020404" pitchFamily="49" charset="0"/>
-                <a:cs typeface="Courier New" panose="02070309020205020404" pitchFamily="49" charset="0"/>
-              </a:rPr>
-              <a:t>tail = </a:t>
-            </a:r>
-            <a:r>
               <a:rPr lang="en-US" sz="2400" b="1" dirty="0">
                 <a:solidFill>
                   <a:srgbClr val="FF0000"/>
@@ -15650,15 +15535,8 @@
                 <a:latin typeface="Courier New" panose="02070309020205020404" pitchFamily="49" charset="0"/>
                 <a:cs typeface="Courier New" panose="02070309020205020404" pitchFamily="49" charset="0"/>
               </a:rPr>
-              <a:t>6</a:t>
+              <a:t>tail = 6</a:t>
             </a:r>
-            <a:endParaRPr lang="en-US" sz="2400" b="1" dirty="0">
-              <a:solidFill>
-                <a:srgbClr val="FF0000"/>
-              </a:solidFill>
-              <a:latin typeface="Courier New" panose="02070309020205020404" pitchFamily="49" charset="0"/>
-              <a:cs typeface="Courier New" panose="02070309020205020404" pitchFamily="49" charset="0"/>
-            </a:endParaRPr>
           </a:p>
         </p:txBody>
       </p:sp>
@@ -15743,7 +15621,7 @@
           <p:nvPr>
             <p:extLst>
               <p:ext uri="{D42A27DB-BD31-4B8C-83A1-F6EECF244321}">
-                <p14:modId xmlns:p14="http://schemas.microsoft.com/office/powerpoint/2010/main" val="2596215842"/>
+                <p14:modId xmlns:p14="http://schemas.microsoft.com/office/powerpoint/2010/main" val="3233312901"/>
               </p:ext>
             </p:extLst>
           </p:nvPr>
@@ -15759,14 +15637,62 @@
                 <a:tableStyleId>{5C22544A-7EE6-4342-B048-85BDC9FD1C3A}</a:tableStyleId>
               </a:tblPr>
               <a:tblGrid>
-                <a:gridCol w="901522"/>
-                <a:gridCol w="901522"/>
-                <a:gridCol w="901522"/>
-                <a:gridCol w="901522"/>
-                <a:gridCol w="901522"/>
-                <a:gridCol w="901522"/>
-                <a:gridCol w="901522"/>
-                <a:gridCol w="901522"/>
+                <a:gridCol w="901522">
+                  <a:extLst>
+                    <a:ext uri="{9D8B030D-6E8A-4147-A177-3AD203B41FA5}">
+                      <a16:colId xmlns:a16="http://schemas.microsoft.com/office/drawing/2014/main" val="20000"/>
+                    </a:ext>
+                  </a:extLst>
+                </a:gridCol>
+                <a:gridCol w="901522">
+                  <a:extLst>
+                    <a:ext uri="{9D8B030D-6E8A-4147-A177-3AD203B41FA5}">
+                      <a16:colId xmlns:a16="http://schemas.microsoft.com/office/drawing/2014/main" val="20001"/>
+                    </a:ext>
+                  </a:extLst>
+                </a:gridCol>
+                <a:gridCol w="901522">
+                  <a:extLst>
+                    <a:ext uri="{9D8B030D-6E8A-4147-A177-3AD203B41FA5}">
+                      <a16:colId xmlns:a16="http://schemas.microsoft.com/office/drawing/2014/main" val="20002"/>
+                    </a:ext>
+                  </a:extLst>
+                </a:gridCol>
+                <a:gridCol w="901522">
+                  <a:extLst>
+                    <a:ext uri="{9D8B030D-6E8A-4147-A177-3AD203B41FA5}">
+                      <a16:colId xmlns:a16="http://schemas.microsoft.com/office/drawing/2014/main" val="20003"/>
+                    </a:ext>
+                  </a:extLst>
+                </a:gridCol>
+                <a:gridCol w="901522">
+                  <a:extLst>
+                    <a:ext uri="{9D8B030D-6E8A-4147-A177-3AD203B41FA5}">
+                      <a16:colId xmlns:a16="http://schemas.microsoft.com/office/drawing/2014/main" val="20004"/>
+                    </a:ext>
+                  </a:extLst>
+                </a:gridCol>
+                <a:gridCol w="901522">
+                  <a:extLst>
+                    <a:ext uri="{9D8B030D-6E8A-4147-A177-3AD203B41FA5}">
+                      <a16:colId xmlns:a16="http://schemas.microsoft.com/office/drawing/2014/main" val="20005"/>
+                    </a:ext>
+                  </a:extLst>
+                </a:gridCol>
+                <a:gridCol w="901522">
+                  <a:extLst>
+                    <a:ext uri="{9D8B030D-6E8A-4147-A177-3AD203B41FA5}">
+                      <a16:colId xmlns:a16="http://schemas.microsoft.com/office/drawing/2014/main" val="20006"/>
+                    </a:ext>
+                  </a:extLst>
+                </a:gridCol>
+                <a:gridCol w="901522">
+                  <a:extLst>
+                    <a:ext uri="{9D8B030D-6E8A-4147-A177-3AD203B41FA5}">
+                      <a16:colId xmlns:a16="http://schemas.microsoft.com/office/drawing/2014/main" val="20007"/>
+                    </a:ext>
+                  </a:extLst>
+                </a:gridCol>
               </a:tblGrid>
               <a:tr h="613987">
                 <a:tc>
@@ -15776,18 +15702,13 @@
                     <a:p>
                       <a:pPr algn="ctr"/>
                       <a:r>
-                        <a:rPr lang="en-US" sz="2000" i="0" dirty="0" smtClean="0">
+                        <a:rPr lang="en-US" sz="2000" i="0" dirty="0">
                           <a:solidFill>
                             <a:schemeClr val="tx1"/>
                           </a:solidFill>
                         </a:rPr>
                         <a:t>0</a:t>
                       </a:r>
-                      <a:endParaRPr lang="en-US" sz="2000" i="0" dirty="0">
-                        <a:solidFill>
-                          <a:schemeClr val="tx1"/>
-                        </a:solidFill>
-                      </a:endParaRPr>
                     </a:p>
                   </a:txBody>
                   <a:tcPr>
@@ -15839,18 +15760,13 @@
                     <a:p>
                       <a:pPr algn="ctr"/>
                       <a:r>
-                        <a:rPr lang="en-US" sz="2000" i="0" dirty="0" smtClean="0">
+                        <a:rPr lang="en-US" sz="2000" i="0" dirty="0">
                           <a:solidFill>
                             <a:schemeClr val="tx1"/>
                           </a:solidFill>
                         </a:rPr>
                         <a:t>1</a:t>
                       </a:r>
-                      <a:endParaRPr lang="en-US" sz="2000" i="0" dirty="0">
-                        <a:solidFill>
-                          <a:schemeClr val="tx1"/>
-                        </a:solidFill>
-                      </a:endParaRPr>
                     </a:p>
                   </a:txBody>
                   <a:tcPr>
@@ -15902,18 +15818,13 @@
                     <a:p>
                       <a:pPr algn="ctr"/>
                       <a:r>
-                        <a:rPr lang="en-US" sz="2000" i="0" dirty="0" smtClean="0">
+                        <a:rPr lang="en-US" sz="2000" i="0" dirty="0">
                           <a:solidFill>
                             <a:schemeClr val="tx1"/>
                           </a:solidFill>
                         </a:rPr>
                         <a:t>2</a:t>
                       </a:r>
-                      <a:endParaRPr lang="en-US" sz="2000" i="0" dirty="0">
-                        <a:solidFill>
-                          <a:schemeClr val="tx1"/>
-                        </a:solidFill>
-                      </a:endParaRPr>
                     </a:p>
                   </a:txBody>
                   <a:tcPr>
@@ -15965,18 +15876,13 @@
                     <a:p>
                       <a:pPr algn="ctr"/>
                       <a:r>
-                        <a:rPr lang="en-US" sz="2000" i="0" dirty="0" smtClean="0">
+                        <a:rPr lang="en-US" sz="2000" i="0" dirty="0">
                           <a:solidFill>
                             <a:schemeClr val="tx1"/>
                           </a:solidFill>
                         </a:rPr>
                         <a:t>3</a:t>
                       </a:r>
-                      <a:endParaRPr lang="en-US" sz="2000" i="0" dirty="0">
-                        <a:solidFill>
-                          <a:schemeClr val="tx1"/>
-                        </a:solidFill>
-                      </a:endParaRPr>
                     </a:p>
                   </a:txBody>
                   <a:tcPr>
@@ -16028,18 +15934,13 @@
                     <a:p>
                       <a:pPr algn="ctr"/>
                       <a:r>
-                        <a:rPr lang="en-US" sz="2000" i="0" dirty="0" smtClean="0">
+                        <a:rPr lang="en-US" sz="2000" i="0" dirty="0">
                           <a:solidFill>
                             <a:schemeClr val="tx1"/>
                           </a:solidFill>
                         </a:rPr>
                         <a:t>4</a:t>
                       </a:r>
-                      <a:endParaRPr lang="en-US" sz="2000" i="0" dirty="0">
-                        <a:solidFill>
-                          <a:schemeClr val="tx1"/>
-                        </a:solidFill>
-                      </a:endParaRPr>
                     </a:p>
                   </a:txBody>
                   <a:tcPr>
@@ -16091,18 +15992,13 @@
                     <a:p>
                       <a:pPr algn="ctr"/>
                       <a:r>
-                        <a:rPr lang="en-US" sz="2000" i="0" dirty="0" smtClean="0">
+                        <a:rPr lang="en-US" sz="2000" i="0" dirty="0">
                           <a:solidFill>
                             <a:schemeClr val="tx1"/>
                           </a:solidFill>
                         </a:rPr>
                         <a:t>5</a:t>
                       </a:r>
-                      <a:endParaRPr lang="en-US" sz="2000" i="0" dirty="0">
-                        <a:solidFill>
-                          <a:schemeClr val="tx1"/>
-                        </a:solidFill>
-                      </a:endParaRPr>
                     </a:p>
                   </a:txBody>
                   <a:tcPr>
@@ -16154,18 +16050,13 @@
                     <a:p>
                       <a:pPr algn="ctr"/>
                       <a:r>
-                        <a:rPr lang="en-US" sz="2000" i="0" dirty="0" smtClean="0">
+                        <a:rPr lang="en-US" sz="2000" i="0" dirty="0">
                           <a:solidFill>
                             <a:schemeClr val="tx1"/>
                           </a:solidFill>
                         </a:rPr>
                         <a:t>6</a:t>
                       </a:r>
-                      <a:endParaRPr lang="en-US" sz="2000" i="0" dirty="0">
-                        <a:solidFill>
-                          <a:schemeClr val="tx1"/>
-                        </a:solidFill>
-                      </a:endParaRPr>
                     </a:p>
                   </a:txBody>
                   <a:tcPr>
@@ -16217,18 +16108,13 @@
                     <a:p>
                       <a:pPr algn="ctr"/>
                       <a:r>
-                        <a:rPr lang="en-US" sz="2000" i="0" dirty="0" smtClean="0">
+                        <a:rPr lang="en-US" sz="2000" i="0" dirty="0">
                           <a:solidFill>
                             <a:schemeClr val="tx1"/>
                           </a:solidFill>
                         </a:rPr>
                         <a:t>7</a:t>
                       </a:r>
-                      <a:endParaRPr lang="en-US" sz="2000" i="0" dirty="0">
-                        <a:solidFill>
-                          <a:schemeClr val="tx1"/>
-                        </a:solidFill>
-                      </a:endParaRPr>
                     </a:p>
                   </a:txBody>
                   <a:tcPr>
@@ -16273,6 +16159,11 @@
                     </a:solidFill>
                   </a:tcPr>
                 </a:tc>
+                <a:extLst>
+                  <a:ext uri="{0D108BD9-81ED-4DB2-BD59-A6C34878D82A}">
+                    <a16:rowId xmlns:a16="http://schemas.microsoft.com/office/drawing/2014/main" val="10000"/>
+                  </a:ext>
+                </a:extLst>
               </a:tr>
             </a:tbl>
           </a:graphicData>
@@ -16287,7 +16178,7 @@
           <p:nvPr>
             <p:extLst>
               <p:ext uri="{D42A27DB-BD31-4B8C-83A1-F6EECF244321}">
-                <p14:modId xmlns:p14="http://schemas.microsoft.com/office/powerpoint/2010/main" val="183220392"/>
+                <p14:modId xmlns:p14="http://schemas.microsoft.com/office/powerpoint/2010/main" val="3877137562"/>
               </p:ext>
             </p:extLst>
           </p:nvPr>
@@ -16303,14 +16194,62 @@
                 <a:tableStyleId>{5C22544A-7EE6-4342-B048-85BDC9FD1C3A}</a:tableStyleId>
               </a:tblPr>
               <a:tblGrid>
-                <a:gridCol w="901522"/>
-                <a:gridCol w="901522"/>
-                <a:gridCol w="901522"/>
-                <a:gridCol w="901522"/>
-                <a:gridCol w="901522"/>
-                <a:gridCol w="901522"/>
-                <a:gridCol w="901522"/>
-                <a:gridCol w="901522"/>
+                <a:gridCol w="901522">
+                  <a:extLst>
+                    <a:ext uri="{9D8B030D-6E8A-4147-A177-3AD203B41FA5}">
+                      <a16:colId xmlns:a16="http://schemas.microsoft.com/office/drawing/2014/main" val="20000"/>
+                    </a:ext>
+                  </a:extLst>
+                </a:gridCol>
+                <a:gridCol w="901522">
+                  <a:extLst>
+                    <a:ext uri="{9D8B030D-6E8A-4147-A177-3AD203B41FA5}">
+                      <a16:colId xmlns:a16="http://schemas.microsoft.com/office/drawing/2014/main" val="20001"/>
+                    </a:ext>
+                  </a:extLst>
+                </a:gridCol>
+                <a:gridCol w="901522">
+                  <a:extLst>
+                    <a:ext uri="{9D8B030D-6E8A-4147-A177-3AD203B41FA5}">
+                      <a16:colId xmlns:a16="http://schemas.microsoft.com/office/drawing/2014/main" val="20002"/>
+                    </a:ext>
+                  </a:extLst>
+                </a:gridCol>
+                <a:gridCol w="901522">
+                  <a:extLst>
+                    <a:ext uri="{9D8B030D-6E8A-4147-A177-3AD203B41FA5}">
+                      <a16:colId xmlns:a16="http://schemas.microsoft.com/office/drawing/2014/main" val="20003"/>
+                    </a:ext>
+                  </a:extLst>
+                </a:gridCol>
+                <a:gridCol w="901522">
+                  <a:extLst>
+                    <a:ext uri="{9D8B030D-6E8A-4147-A177-3AD203B41FA5}">
+                      <a16:colId xmlns:a16="http://schemas.microsoft.com/office/drawing/2014/main" val="20004"/>
+                    </a:ext>
+                  </a:extLst>
+                </a:gridCol>
+                <a:gridCol w="901522">
+                  <a:extLst>
+                    <a:ext uri="{9D8B030D-6E8A-4147-A177-3AD203B41FA5}">
+                      <a16:colId xmlns:a16="http://schemas.microsoft.com/office/drawing/2014/main" val="20005"/>
+                    </a:ext>
+                  </a:extLst>
+                </a:gridCol>
+                <a:gridCol w="901522">
+                  <a:extLst>
+                    <a:ext uri="{9D8B030D-6E8A-4147-A177-3AD203B41FA5}">
+                      <a16:colId xmlns:a16="http://schemas.microsoft.com/office/drawing/2014/main" val="20006"/>
+                    </a:ext>
+                  </a:extLst>
+                </a:gridCol>
+                <a:gridCol w="901522">
+                  <a:extLst>
+                    <a:ext uri="{9D8B030D-6E8A-4147-A177-3AD203B41FA5}">
+                      <a16:colId xmlns:a16="http://schemas.microsoft.com/office/drawing/2014/main" val="20007"/>
+                    </a:ext>
+                  </a:extLst>
+                </a:gridCol>
               </a:tblGrid>
               <a:tr h="613987">
                 <a:tc>
@@ -16383,18 +16322,13 @@
                     <a:p>
                       <a:pPr algn="ctr"/>
                       <a:r>
-                        <a:rPr lang="en-US" sz="3200" dirty="0" smtClean="0">
+                        <a:rPr lang="en-US" sz="3200" dirty="0">
                           <a:solidFill>
                             <a:srgbClr val="0070C0"/>
                           </a:solidFill>
                         </a:rPr>
                         <a:t>a</a:t>
                       </a:r>
-                      <a:endParaRPr lang="en-US" sz="3200" dirty="0">
-                        <a:solidFill>
-                          <a:srgbClr val="0070C0"/>
-                        </a:solidFill>
-                      </a:endParaRPr>
                     </a:p>
                   </a:txBody>
                   <a:tcPr>
@@ -16454,18 +16388,13 @@
                     <a:p>
                       <a:pPr algn="ctr"/>
                       <a:r>
-                        <a:rPr lang="en-US" sz="3200" dirty="0" smtClean="0">
+                        <a:rPr lang="en-US" sz="3200" dirty="0">
                           <a:solidFill>
                             <a:srgbClr val="0070C0"/>
                           </a:solidFill>
                         </a:rPr>
                         <a:t>b</a:t>
                       </a:r>
-                      <a:endParaRPr lang="en-US" sz="3200" dirty="0">
-                        <a:solidFill>
-                          <a:srgbClr val="0070C0"/>
-                        </a:solidFill>
-                      </a:endParaRPr>
                     </a:p>
                   </a:txBody>
                   <a:tcPr>
@@ -16525,18 +16454,13 @@
                     <a:p>
                       <a:pPr algn="ctr"/>
                       <a:r>
-                        <a:rPr lang="en-US" sz="3200" dirty="0" smtClean="0">
+                        <a:rPr lang="en-US" sz="3200" dirty="0">
                           <a:solidFill>
                             <a:srgbClr val="0070C0"/>
                           </a:solidFill>
                         </a:rPr>
                         <a:t>c</a:t>
                       </a:r>
-                      <a:endParaRPr lang="en-US" sz="3200" dirty="0">
-                        <a:solidFill>
-                          <a:srgbClr val="0070C0"/>
-                        </a:solidFill>
-                      </a:endParaRPr>
                     </a:p>
                   </a:txBody>
                   <a:tcPr>
@@ -16596,18 +16520,13 @@
                     <a:p>
                       <a:pPr algn="ctr"/>
                       <a:r>
-                        <a:rPr lang="en-US" sz="3200" dirty="0" smtClean="0">
+                        <a:rPr lang="en-US" sz="3200" dirty="0">
                           <a:solidFill>
                             <a:srgbClr val="0070C0"/>
                           </a:solidFill>
                         </a:rPr>
                         <a:t>d</a:t>
                       </a:r>
-                      <a:endParaRPr lang="en-US" sz="3200" dirty="0">
-                        <a:solidFill>
-                          <a:srgbClr val="0070C0"/>
-                        </a:solidFill>
-                      </a:endParaRPr>
                     </a:p>
                   </a:txBody>
                   <a:tcPr>
@@ -16667,18 +16586,13 @@
                     <a:p>
                       <a:pPr algn="ctr"/>
                       <a:r>
-                        <a:rPr lang="en-US" sz="3200" dirty="0" smtClean="0">
+                        <a:rPr lang="en-US" sz="3200" dirty="0">
                           <a:solidFill>
                             <a:srgbClr val="0070C0"/>
                           </a:solidFill>
                         </a:rPr>
                         <a:t>e</a:t>
                       </a:r>
-                      <a:endParaRPr lang="en-US" sz="3200" dirty="0">
-                        <a:solidFill>
-                          <a:srgbClr val="0070C0"/>
-                        </a:solidFill>
-                      </a:endParaRPr>
                     </a:p>
                   </a:txBody>
                   <a:tcPr>
@@ -16738,18 +16652,13 @@
                     <a:p>
                       <a:pPr algn="ctr"/>
                       <a:r>
-                        <a:rPr lang="en-US" sz="3200" dirty="0" smtClean="0">
+                        <a:rPr lang="en-US" sz="3200" dirty="0">
                           <a:solidFill>
                             <a:srgbClr val="7030A0"/>
                           </a:solidFill>
                         </a:rPr>
                         <a:t>f</a:t>
                       </a:r>
-                      <a:endParaRPr lang="en-US" sz="3200" dirty="0">
-                        <a:solidFill>
-                          <a:srgbClr val="7030A0"/>
-                        </a:solidFill>
-                      </a:endParaRPr>
                     </a:p>
                   </a:txBody>
                   <a:tcPr>
@@ -16865,6 +16774,11 @@
                     </a:solidFill>
                   </a:tcPr>
                 </a:tc>
+                <a:extLst>
+                  <a:ext uri="{0D108BD9-81ED-4DB2-BD59-A6C34878D82A}">
+                    <a16:rowId xmlns:a16="http://schemas.microsoft.com/office/drawing/2014/main" val="10000"/>
+                  </a:ext>
+                </a:extLst>
               </a:tr>
             </a:tbl>
           </a:graphicData>
@@ -16893,7 +16807,7 @@
           <a:lstStyle/>
           <a:p>
             <a:r>
-              <a:rPr lang="en-US" sz="2400" b="1" dirty="0" smtClean="0">
+              <a:rPr lang="en-US" sz="2400" b="1" dirty="0">
                 <a:solidFill>
                   <a:srgbClr val="00B050"/>
                 </a:solidFill>
@@ -16905,16 +16819,6 @@
           </a:p>
           <a:p>
             <a:r>
-              <a:rPr lang="en-US" sz="2400" b="1" dirty="0" smtClean="0">
-                <a:solidFill>
-                  <a:srgbClr val="FF0000"/>
-                </a:solidFill>
-                <a:latin typeface="Courier New" panose="02070309020205020404" pitchFamily="49" charset="0"/>
-                <a:cs typeface="Courier New" panose="02070309020205020404" pitchFamily="49" charset="0"/>
-              </a:rPr>
-              <a:t>tail = </a:t>
-            </a:r>
-            <a:r>
               <a:rPr lang="en-US" sz="2400" b="1" dirty="0">
                 <a:solidFill>
                   <a:srgbClr val="FF0000"/>
@@ -16922,15 +16826,8 @@
                 <a:latin typeface="Courier New" panose="02070309020205020404" pitchFamily="49" charset="0"/>
                 <a:cs typeface="Courier New" panose="02070309020205020404" pitchFamily="49" charset="0"/>
               </a:rPr>
-              <a:t>6</a:t>
+              <a:t>tail = 6</a:t>
             </a:r>
-            <a:endParaRPr lang="en-US" sz="2400" b="1" dirty="0">
-              <a:solidFill>
-                <a:srgbClr val="FF0000"/>
-              </a:solidFill>
-              <a:latin typeface="Courier New" panose="02070309020205020404" pitchFamily="49" charset="0"/>
-              <a:cs typeface="Courier New" panose="02070309020205020404" pitchFamily="49" charset="0"/>
-            </a:endParaRPr>
           </a:p>
         </p:txBody>
       </p:sp>
@@ -17059,61 +16956,27 @@
           <a:lstStyle/>
           <a:p>
             <a:r>
-              <a:rPr lang="en-US" sz="2400" b="1" dirty="0" smtClean="0">
+              <a:rPr lang="en-US" sz="2400" b="1" dirty="0">
                 <a:solidFill>
                   <a:srgbClr val="00B050"/>
                 </a:solidFill>
                 <a:latin typeface="Courier New" panose="02070309020205020404" pitchFamily="49" charset="0"/>
                 <a:cs typeface="Courier New" panose="02070309020205020404" pitchFamily="49" charset="0"/>
               </a:rPr>
-              <a:t>head = </a:t>
+              <a:t>head = 3</a:t>
             </a:r>
+          </a:p>
+          <a:p>
             <a:r>
-              <a:rPr lang="en-US" sz="2400" b="1" dirty="0" smtClean="0">
-                <a:solidFill>
-                  <a:srgbClr val="00B050"/>
-                </a:solidFill>
-                <a:latin typeface="Courier New" panose="02070309020205020404" pitchFamily="49" charset="0"/>
-                <a:cs typeface="Courier New" panose="02070309020205020404" pitchFamily="49" charset="0"/>
-              </a:rPr>
-              <a:t>3</a:t>
-            </a:r>
-            <a:endParaRPr lang="en-US" sz="2400" b="1" dirty="0" smtClean="0">
-              <a:solidFill>
-                <a:srgbClr val="00B050"/>
-              </a:solidFill>
-              <a:latin typeface="Courier New" panose="02070309020205020404" pitchFamily="49" charset="0"/>
-              <a:cs typeface="Courier New" panose="02070309020205020404" pitchFamily="49" charset="0"/>
-            </a:endParaRPr>
-          </a:p>
-          <a:p>
-            <a:r>
-              <a:rPr lang="en-US" sz="2400" b="1" dirty="0" smtClean="0">
+              <a:rPr lang="en-US" sz="2400" b="1" dirty="0">
                 <a:solidFill>
                   <a:srgbClr val="FF0000"/>
                 </a:solidFill>
                 <a:latin typeface="Courier New" panose="02070309020205020404" pitchFamily="49" charset="0"/>
                 <a:cs typeface="Courier New" panose="02070309020205020404" pitchFamily="49" charset="0"/>
               </a:rPr>
-              <a:t>tail = </a:t>
+              <a:t>tail = 2</a:t>
             </a:r>
-            <a:r>
-              <a:rPr lang="en-US" sz="2400" b="1" dirty="0" smtClean="0">
-                <a:solidFill>
-                  <a:srgbClr val="FF0000"/>
-                </a:solidFill>
-                <a:latin typeface="Courier New" panose="02070309020205020404" pitchFamily="49" charset="0"/>
-                <a:cs typeface="Courier New" panose="02070309020205020404" pitchFamily="49" charset="0"/>
-              </a:rPr>
-              <a:t>2</a:t>
-            </a:r>
-            <a:endParaRPr lang="en-US" sz="2400" b="1" dirty="0">
-              <a:solidFill>
-                <a:srgbClr val="FF0000"/>
-              </a:solidFill>
-              <a:latin typeface="Courier New" panose="02070309020205020404" pitchFamily="49" charset="0"/>
-              <a:cs typeface="Courier New" panose="02070309020205020404" pitchFamily="49" charset="0"/>
-            </a:endParaRPr>
           </a:p>
         </p:txBody>
       </p:sp>
@@ -17384,18 +17247,13 @@
           <a:lstStyle/>
           <a:p>
             <a:r>
-              <a:rPr lang="en-US" sz="4400" dirty="0" smtClean="0">
+              <a:rPr lang="en-US" sz="4400" dirty="0">
                 <a:solidFill>
                   <a:srgbClr val="0070C0"/>
                 </a:solidFill>
               </a:rPr>
               <a:t>d</a:t>
             </a:r>
-            <a:endParaRPr lang="en-US" sz="4400" dirty="0">
-              <a:solidFill>
-                <a:srgbClr val="0070C0"/>
-              </a:solidFill>
-            </a:endParaRPr>
           </a:p>
         </p:txBody>
       </p:sp>
@@ -17498,10 +17356,9 @@
           <a:lstStyle/>
           <a:p>
             <a:r>
-              <a:rPr lang="en-US" sz="2000" b="1" dirty="0" smtClean="0"/>
+              <a:rPr lang="en-US" sz="2000" b="1" dirty="0"/>
               <a:t>0</a:t>
             </a:r>
-            <a:endParaRPr lang="en-US" sz="2000" b="1" dirty="0"/>
           </a:p>
         </p:txBody>
       </p:sp>
@@ -17528,10 +17385,9 @@
           <a:lstStyle/>
           <a:p>
             <a:r>
-              <a:rPr lang="en-US" sz="2000" b="1" dirty="0" smtClean="0"/>
+              <a:rPr lang="en-US" sz="2000" b="1" dirty="0"/>
               <a:t>1</a:t>
             </a:r>
-            <a:endParaRPr lang="en-US" sz="2000" b="1" dirty="0"/>
           </a:p>
         </p:txBody>
       </p:sp>
@@ -17558,10 +17414,9 @@
           <a:lstStyle/>
           <a:p>
             <a:r>
-              <a:rPr lang="en-US" sz="2000" b="1" dirty="0" smtClean="0"/>
+              <a:rPr lang="en-US" sz="2000" b="1" dirty="0"/>
               <a:t>2</a:t>
             </a:r>
-            <a:endParaRPr lang="en-US" sz="2000" b="1" dirty="0"/>
           </a:p>
         </p:txBody>
       </p:sp>
@@ -17588,10 +17443,9 @@
           <a:lstStyle/>
           <a:p>
             <a:r>
-              <a:rPr lang="en-US" sz="2000" b="1" dirty="0" smtClean="0"/>
+              <a:rPr lang="en-US" sz="2000" b="1" dirty="0"/>
               <a:t>3</a:t>
             </a:r>
-            <a:endParaRPr lang="en-US" sz="2000" b="1" dirty="0"/>
           </a:p>
         </p:txBody>
       </p:sp>
@@ -17618,18 +17472,13 @@
           <a:lstStyle/>
           <a:p>
             <a:r>
-              <a:rPr lang="en-US" sz="4400" dirty="0" smtClean="0">
+              <a:rPr lang="en-US" sz="4400" dirty="0">
                 <a:solidFill>
                   <a:srgbClr val="0070C0"/>
                 </a:solidFill>
               </a:rPr>
               <a:t>a</a:t>
             </a:r>
-            <a:endParaRPr lang="en-US" sz="4400" dirty="0">
-              <a:solidFill>
-                <a:srgbClr val="0070C0"/>
-              </a:solidFill>
-            </a:endParaRPr>
           </a:p>
         </p:txBody>
       </p:sp>
@@ -17656,18 +17505,13 @@
           <a:lstStyle/>
           <a:p>
             <a:r>
-              <a:rPr lang="en-US" sz="4400" dirty="0" smtClean="0">
+              <a:rPr lang="en-US" sz="4400" dirty="0">
                 <a:solidFill>
                   <a:srgbClr val="0070C0"/>
                 </a:solidFill>
               </a:rPr>
               <a:t>b</a:t>
             </a:r>
-            <a:endParaRPr lang="en-US" sz="4400" dirty="0">
-              <a:solidFill>
-                <a:srgbClr val="0070C0"/>
-              </a:solidFill>
-            </a:endParaRPr>
           </a:p>
         </p:txBody>
       </p:sp>
@@ -17694,18 +17538,13 @@
           <a:lstStyle/>
           <a:p>
             <a:r>
-              <a:rPr lang="en-US" sz="4400" dirty="0" smtClean="0">
+              <a:rPr lang="en-US" sz="4400" dirty="0">
                 <a:solidFill>
                   <a:srgbClr val="0070C0"/>
                 </a:solidFill>
               </a:rPr>
               <a:t>c</a:t>
             </a:r>
-            <a:endParaRPr lang="en-US" sz="4400" dirty="0">
-              <a:solidFill>
-                <a:srgbClr val="0070C0"/>
-              </a:solidFill>
-            </a:endParaRPr>
           </a:p>
         </p:txBody>
       </p:sp>
@@ -17762,61 +17601,27 @@
           <a:lstStyle/>
           <a:p>
             <a:r>
-              <a:rPr lang="en-US" sz="2400" b="1" dirty="0" smtClean="0">
+              <a:rPr lang="en-US" sz="2400" b="1" dirty="0">
                 <a:solidFill>
                   <a:srgbClr val="00B050"/>
                 </a:solidFill>
                 <a:latin typeface="Courier New" panose="02070309020205020404" pitchFamily="49" charset="0"/>
                 <a:cs typeface="Courier New" panose="02070309020205020404" pitchFamily="49" charset="0"/>
               </a:rPr>
-              <a:t>head = </a:t>
+              <a:t>head = 0</a:t>
             </a:r>
+          </a:p>
+          <a:p>
             <a:r>
-              <a:rPr lang="en-US" sz="2400" b="1" dirty="0" smtClean="0">
-                <a:solidFill>
-                  <a:srgbClr val="00B050"/>
-                </a:solidFill>
-                <a:latin typeface="Courier New" panose="02070309020205020404" pitchFamily="49" charset="0"/>
-                <a:cs typeface="Courier New" panose="02070309020205020404" pitchFamily="49" charset="0"/>
-              </a:rPr>
-              <a:t>0</a:t>
-            </a:r>
-            <a:endParaRPr lang="en-US" sz="2400" b="1" dirty="0" smtClean="0">
-              <a:solidFill>
-                <a:srgbClr val="00B050"/>
-              </a:solidFill>
-              <a:latin typeface="Courier New" panose="02070309020205020404" pitchFamily="49" charset="0"/>
-              <a:cs typeface="Courier New" panose="02070309020205020404" pitchFamily="49" charset="0"/>
-            </a:endParaRPr>
-          </a:p>
-          <a:p>
-            <a:r>
-              <a:rPr lang="en-US" sz="2400" b="1" dirty="0" smtClean="0">
+              <a:rPr lang="en-US" sz="2400" b="1" dirty="0">
                 <a:solidFill>
                   <a:srgbClr val="FF0000"/>
                 </a:solidFill>
                 <a:latin typeface="Courier New" panose="02070309020205020404" pitchFamily="49" charset="0"/>
                 <a:cs typeface="Courier New" panose="02070309020205020404" pitchFamily="49" charset="0"/>
               </a:rPr>
-              <a:t>tail = </a:t>
+              <a:t>tail = 3</a:t>
             </a:r>
-            <a:r>
-              <a:rPr lang="en-US" sz="2400" b="1" dirty="0" smtClean="0">
-                <a:solidFill>
-                  <a:srgbClr val="FF0000"/>
-                </a:solidFill>
-                <a:latin typeface="Courier New" panose="02070309020205020404" pitchFamily="49" charset="0"/>
-                <a:cs typeface="Courier New" panose="02070309020205020404" pitchFamily="49" charset="0"/>
-              </a:rPr>
-              <a:t>3</a:t>
-            </a:r>
-            <a:endParaRPr lang="en-US" sz="2400" b="1" dirty="0">
-              <a:solidFill>
-                <a:srgbClr val="FF0000"/>
-              </a:solidFill>
-              <a:latin typeface="Courier New" panose="02070309020205020404" pitchFamily="49" charset="0"/>
-              <a:cs typeface="Courier New" panose="02070309020205020404" pitchFamily="49" charset="0"/>
-            </a:endParaRPr>
           </a:p>
         </p:txBody>
       </p:sp>
@@ -18311,10 +18116,9 @@
           <a:lstStyle/>
           <a:p>
             <a:r>
-              <a:rPr lang="en-US" sz="2000" b="1" dirty="0" smtClean="0"/>
+              <a:rPr lang="en-US" sz="2000" b="1" dirty="0"/>
               <a:t>0</a:t>
             </a:r>
-            <a:endParaRPr lang="en-US" sz="2000" b="1" dirty="0"/>
           </a:p>
         </p:txBody>
       </p:sp>
@@ -18341,10 +18145,9 @@
           <a:lstStyle/>
           <a:p>
             <a:r>
-              <a:rPr lang="en-US" sz="2000" b="1" dirty="0" smtClean="0"/>
+              <a:rPr lang="en-US" sz="2000" b="1" dirty="0"/>
               <a:t>1</a:t>
             </a:r>
-            <a:endParaRPr lang="en-US" sz="2000" b="1" dirty="0"/>
           </a:p>
         </p:txBody>
       </p:sp>
@@ -18371,10 +18174,9 @@
           <a:lstStyle/>
           <a:p>
             <a:r>
-              <a:rPr lang="en-US" sz="2000" b="1" dirty="0" smtClean="0"/>
+              <a:rPr lang="en-US" sz="2000" b="1" dirty="0"/>
               <a:t>2</a:t>
             </a:r>
-            <a:endParaRPr lang="en-US" sz="2000" b="1" dirty="0"/>
           </a:p>
         </p:txBody>
       </p:sp>
@@ -18401,10 +18203,9 @@
           <a:lstStyle/>
           <a:p>
             <a:r>
-              <a:rPr lang="en-US" sz="2000" b="1" dirty="0" smtClean="0"/>
+              <a:rPr lang="en-US" sz="2000" b="1" dirty="0"/>
               <a:t>3</a:t>
             </a:r>
-            <a:endParaRPr lang="en-US" sz="2000" b="1" dirty="0"/>
           </a:p>
         </p:txBody>
       </p:sp>
@@ -18431,10 +18232,9 @@
           <a:lstStyle/>
           <a:p>
             <a:r>
-              <a:rPr lang="en-US" sz="2000" b="1" dirty="0" smtClean="0"/>
+              <a:rPr lang="en-US" sz="2000" b="1" dirty="0"/>
               <a:t>4</a:t>
             </a:r>
-            <a:endParaRPr lang="en-US" sz="2000" b="1" dirty="0"/>
           </a:p>
         </p:txBody>
       </p:sp>
@@ -18461,10 +18261,9 @@
           <a:lstStyle/>
           <a:p>
             <a:r>
-              <a:rPr lang="en-US" sz="2000" b="1" dirty="0" smtClean="0"/>
+              <a:rPr lang="en-US" sz="2000" b="1" dirty="0"/>
               <a:t>5</a:t>
             </a:r>
-            <a:endParaRPr lang="en-US" sz="2000" b="1" dirty="0"/>
           </a:p>
         </p:txBody>
       </p:sp>
@@ -18491,10 +18290,9 @@
           <a:lstStyle/>
           <a:p>
             <a:r>
-              <a:rPr lang="en-US" sz="2000" b="1" dirty="0" smtClean="0"/>
+              <a:rPr lang="en-US" sz="2000" b="1" dirty="0"/>
               <a:t>6</a:t>
             </a:r>
-            <a:endParaRPr lang="en-US" sz="2000" b="1" dirty="0"/>
           </a:p>
         </p:txBody>
       </p:sp>
@@ -18521,10 +18319,9 @@
           <a:lstStyle/>
           <a:p>
             <a:r>
-              <a:rPr lang="en-US" sz="2000" b="1" dirty="0" smtClean="0"/>
+              <a:rPr lang="en-US" sz="2000" b="1" dirty="0"/>
               <a:t>7</a:t>
             </a:r>
-            <a:endParaRPr lang="en-US" sz="2000" b="1" dirty="0"/>
           </a:p>
         </p:txBody>
       </p:sp>
@@ -18551,18 +18348,13 @@
           <a:lstStyle/>
           <a:p>
             <a:r>
-              <a:rPr lang="en-US" sz="4400" dirty="0" smtClean="0">
+              <a:rPr lang="en-US" sz="4400" dirty="0">
                 <a:solidFill>
                   <a:srgbClr val="0070C0"/>
                 </a:solidFill>
               </a:rPr>
               <a:t>a</a:t>
             </a:r>
-            <a:endParaRPr lang="en-US" sz="4400" dirty="0">
-              <a:solidFill>
-                <a:srgbClr val="0070C0"/>
-              </a:solidFill>
-            </a:endParaRPr>
           </a:p>
         </p:txBody>
       </p:sp>
@@ -18589,18 +18381,13 @@
           <a:lstStyle/>
           <a:p>
             <a:r>
-              <a:rPr lang="en-US" sz="4400" dirty="0" smtClean="0">
+              <a:rPr lang="en-US" sz="4400" dirty="0">
                 <a:solidFill>
                   <a:srgbClr val="0070C0"/>
                 </a:solidFill>
               </a:rPr>
               <a:t>b</a:t>
             </a:r>
-            <a:endParaRPr lang="en-US" sz="4400" dirty="0">
-              <a:solidFill>
-                <a:srgbClr val="0070C0"/>
-              </a:solidFill>
-            </a:endParaRPr>
           </a:p>
         </p:txBody>
       </p:sp>
@@ -18627,18 +18414,13 @@
           <a:lstStyle/>
           <a:p>
             <a:r>
-              <a:rPr lang="en-US" sz="4400" dirty="0" smtClean="0">
+              <a:rPr lang="en-US" sz="4400" dirty="0">
                 <a:solidFill>
                   <a:srgbClr val="0070C0"/>
                 </a:solidFill>
               </a:rPr>
               <a:t>c</a:t>
             </a:r>
-            <a:endParaRPr lang="en-US" sz="4400" dirty="0">
-              <a:solidFill>
-                <a:srgbClr val="0070C0"/>
-              </a:solidFill>
-            </a:endParaRPr>
           </a:p>
         </p:txBody>
       </p:sp>
@@ -18665,18 +18447,13 @@
           <a:lstStyle/>
           <a:p>
             <a:r>
-              <a:rPr lang="en-US" sz="4400" dirty="0" smtClean="0">
+              <a:rPr lang="en-US" sz="4400" dirty="0">
                 <a:solidFill>
                   <a:srgbClr val="0070C0"/>
                 </a:solidFill>
               </a:rPr>
               <a:t>d</a:t>
             </a:r>
-            <a:endParaRPr lang="en-US" sz="4400" dirty="0">
-              <a:solidFill>
-                <a:srgbClr val="0070C0"/>
-              </a:solidFill>
-            </a:endParaRPr>
           </a:p>
         </p:txBody>
       </p:sp>
@@ -18733,61 +18510,27 @@
           <a:lstStyle/>
           <a:p>
             <a:r>
-              <a:rPr lang="en-US" sz="2400" b="1" dirty="0" smtClean="0">
+              <a:rPr lang="en-US" sz="2400" b="1" dirty="0">
                 <a:solidFill>
                   <a:srgbClr val="00B050"/>
                 </a:solidFill>
                 <a:latin typeface="Courier New" panose="02070309020205020404" pitchFamily="49" charset="0"/>
                 <a:cs typeface="Courier New" panose="02070309020205020404" pitchFamily="49" charset="0"/>
               </a:rPr>
-              <a:t>head = </a:t>
+              <a:t>head = 0</a:t>
             </a:r>
+          </a:p>
+          <a:p>
             <a:r>
-              <a:rPr lang="en-US" sz="2400" b="1" dirty="0" smtClean="0">
-                <a:solidFill>
-                  <a:srgbClr val="00B050"/>
-                </a:solidFill>
-                <a:latin typeface="Courier New" panose="02070309020205020404" pitchFamily="49" charset="0"/>
-                <a:cs typeface="Courier New" panose="02070309020205020404" pitchFamily="49" charset="0"/>
-              </a:rPr>
-              <a:t>0</a:t>
-            </a:r>
-            <a:endParaRPr lang="en-US" sz="2400" b="1" dirty="0" smtClean="0">
-              <a:solidFill>
-                <a:srgbClr val="00B050"/>
-              </a:solidFill>
-              <a:latin typeface="Courier New" panose="02070309020205020404" pitchFamily="49" charset="0"/>
-              <a:cs typeface="Courier New" panose="02070309020205020404" pitchFamily="49" charset="0"/>
-            </a:endParaRPr>
-          </a:p>
-          <a:p>
-            <a:r>
-              <a:rPr lang="en-US" sz="2400" b="1" dirty="0" smtClean="0">
+              <a:rPr lang="en-US" sz="2400" b="1" dirty="0">
                 <a:solidFill>
                   <a:srgbClr val="FF0000"/>
                 </a:solidFill>
                 <a:latin typeface="Courier New" panose="02070309020205020404" pitchFamily="49" charset="0"/>
                 <a:cs typeface="Courier New" panose="02070309020205020404" pitchFamily="49" charset="0"/>
               </a:rPr>
-              <a:t>tail = </a:t>
+              <a:t>tail = 4</a:t>
             </a:r>
-            <a:r>
-              <a:rPr lang="en-US" sz="2400" b="1" dirty="0" smtClean="0">
-                <a:solidFill>
-                  <a:srgbClr val="FF0000"/>
-                </a:solidFill>
-                <a:latin typeface="Courier New" panose="02070309020205020404" pitchFamily="49" charset="0"/>
-                <a:cs typeface="Courier New" panose="02070309020205020404" pitchFamily="49" charset="0"/>
-              </a:rPr>
-              <a:t>4</a:t>
-            </a:r>
-            <a:endParaRPr lang="en-US" sz="2400" b="1" dirty="0">
-              <a:solidFill>
-                <a:srgbClr val="FF0000"/>
-              </a:solidFill>
-              <a:latin typeface="Courier New" panose="02070309020205020404" pitchFamily="49" charset="0"/>
-              <a:cs typeface="Courier New" panose="02070309020205020404" pitchFamily="49" charset="0"/>
-            </a:endParaRPr>
           </a:p>
         </p:txBody>
       </p:sp>
@@ -19282,10 +19025,9 @@
           <a:lstStyle/>
           <a:p>
             <a:r>
-              <a:rPr lang="en-US" sz="2000" b="1" dirty="0" smtClean="0"/>
+              <a:rPr lang="en-US" sz="2000" b="1" dirty="0"/>
               <a:t>0</a:t>
             </a:r>
-            <a:endParaRPr lang="en-US" sz="2000" b="1" dirty="0"/>
           </a:p>
         </p:txBody>
       </p:sp>
@@ -19312,10 +19054,9 @@
           <a:lstStyle/>
           <a:p>
             <a:r>
-              <a:rPr lang="en-US" sz="2000" b="1" dirty="0" smtClean="0"/>
+              <a:rPr lang="en-US" sz="2000" b="1" dirty="0"/>
               <a:t>1</a:t>
             </a:r>
-            <a:endParaRPr lang="en-US" sz="2000" b="1" dirty="0"/>
           </a:p>
         </p:txBody>
       </p:sp>
@@ -19342,10 +19083,9 @@
           <a:lstStyle/>
           <a:p>
             <a:r>
-              <a:rPr lang="en-US" sz="2000" b="1" dirty="0" smtClean="0"/>
+              <a:rPr lang="en-US" sz="2000" b="1" dirty="0"/>
               <a:t>2</a:t>
             </a:r>
-            <a:endParaRPr lang="en-US" sz="2000" b="1" dirty="0"/>
           </a:p>
         </p:txBody>
       </p:sp>
@@ -19372,10 +19112,9 @@
           <a:lstStyle/>
           <a:p>
             <a:r>
-              <a:rPr lang="en-US" sz="2000" b="1" dirty="0" smtClean="0"/>
+              <a:rPr lang="en-US" sz="2000" b="1" dirty="0"/>
               <a:t>3</a:t>
             </a:r>
-            <a:endParaRPr lang="en-US" sz="2000" b="1" dirty="0"/>
           </a:p>
         </p:txBody>
       </p:sp>
@@ -19402,10 +19141,9 @@
           <a:lstStyle/>
           <a:p>
             <a:r>
-              <a:rPr lang="en-US" sz="2000" b="1" dirty="0" smtClean="0"/>
+              <a:rPr lang="en-US" sz="2000" b="1" dirty="0"/>
               <a:t>4</a:t>
             </a:r>
-            <a:endParaRPr lang="en-US" sz="2000" b="1" dirty="0"/>
           </a:p>
         </p:txBody>
       </p:sp>
@@ -19432,10 +19170,9 @@
           <a:lstStyle/>
           <a:p>
             <a:r>
-              <a:rPr lang="en-US" sz="2000" b="1" dirty="0" smtClean="0"/>
+              <a:rPr lang="en-US" sz="2000" b="1" dirty="0"/>
               <a:t>5</a:t>
             </a:r>
-            <a:endParaRPr lang="en-US" sz="2000" b="1" dirty="0"/>
           </a:p>
         </p:txBody>
       </p:sp>
@@ -19462,10 +19199,9 @@
           <a:lstStyle/>
           <a:p>
             <a:r>
-              <a:rPr lang="en-US" sz="2000" b="1" dirty="0" smtClean="0"/>
+              <a:rPr lang="en-US" sz="2000" b="1" dirty="0"/>
               <a:t>6</a:t>
             </a:r>
-            <a:endParaRPr lang="en-US" sz="2000" b="1" dirty="0"/>
           </a:p>
         </p:txBody>
       </p:sp>
@@ -19492,10 +19228,9 @@
           <a:lstStyle/>
           <a:p>
             <a:r>
-              <a:rPr lang="en-US" sz="2000" b="1" dirty="0" smtClean="0"/>
+              <a:rPr lang="en-US" sz="2000" b="1" dirty="0"/>
               <a:t>7</a:t>
             </a:r>
-            <a:endParaRPr lang="en-US" sz="2000" b="1" dirty="0"/>
           </a:p>
         </p:txBody>
       </p:sp>
@@ -19522,18 +19257,13 @@
           <a:lstStyle/>
           <a:p>
             <a:r>
-              <a:rPr lang="en-US" sz="4400" dirty="0" smtClean="0">
+              <a:rPr lang="en-US" sz="4400" dirty="0">
                 <a:solidFill>
                   <a:srgbClr val="0070C0"/>
                 </a:solidFill>
               </a:rPr>
               <a:t>a</a:t>
             </a:r>
-            <a:endParaRPr lang="en-US" sz="4400" dirty="0">
-              <a:solidFill>
-                <a:srgbClr val="0070C0"/>
-              </a:solidFill>
-            </a:endParaRPr>
           </a:p>
         </p:txBody>
       </p:sp>
@@ -19560,18 +19290,13 @@
           <a:lstStyle/>
           <a:p>
             <a:r>
-              <a:rPr lang="en-US" sz="4400" dirty="0" smtClean="0">
+              <a:rPr lang="en-US" sz="4400" dirty="0">
                 <a:solidFill>
                   <a:srgbClr val="0070C0"/>
                 </a:solidFill>
               </a:rPr>
               <a:t>b</a:t>
             </a:r>
-            <a:endParaRPr lang="en-US" sz="4400" dirty="0">
-              <a:solidFill>
-                <a:srgbClr val="0070C0"/>
-              </a:solidFill>
-            </a:endParaRPr>
           </a:p>
         </p:txBody>
       </p:sp>
@@ -19598,18 +19323,13 @@
           <a:lstStyle/>
           <a:p>
             <a:r>
-              <a:rPr lang="en-US" sz="4400" dirty="0" smtClean="0">
+              <a:rPr lang="en-US" sz="4400" dirty="0">
                 <a:solidFill>
                   <a:srgbClr val="0070C0"/>
                 </a:solidFill>
               </a:rPr>
               <a:t>c</a:t>
             </a:r>
-            <a:endParaRPr lang="en-US" sz="4400" dirty="0">
-              <a:solidFill>
-                <a:srgbClr val="0070C0"/>
-              </a:solidFill>
-            </a:endParaRPr>
           </a:p>
         </p:txBody>
       </p:sp>
@@ -19636,18 +19356,13 @@
           <a:lstStyle/>
           <a:p>
             <a:r>
-              <a:rPr lang="en-US" sz="4400" dirty="0" smtClean="0">
+              <a:rPr lang="en-US" sz="4400" dirty="0">
                 <a:solidFill>
                   <a:srgbClr val="0070C0"/>
                 </a:solidFill>
               </a:rPr>
               <a:t>d</a:t>
             </a:r>
-            <a:endParaRPr lang="en-US" sz="4400" dirty="0">
-              <a:solidFill>
-                <a:srgbClr val="0070C0"/>
-              </a:solidFill>
-            </a:endParaRPr>
           </a:p>
         </p:txBody>
       </p:sp>
@@ -19704,61 +19419,27 @@
           <a:lstStyle/>
           <a:p>
             <a:r>
-              <a:rPr lang="en-US" sz="2400" b="1" dirty="0" smtClean="0">
+              <a:rPr lang="en-US" sz="2400" b="1" dirty="0">
                 <a:solidFill>
                   <a:srgbClr val="00B050"/>
                 </a:solidFill>
                 <a:latin typeface="Courier New" panose="02070309020205020404" pitchFamily="49" charset="0"/>
                 <a:cs typeface="Courier New" panose="02070309020205020404" pitchFamily="49" charset="0"/>
               </a:rPr>
-              <a:t>head = </a:t>
+              <a:t>head = 0</a:t>
             </a:r>
+          </a:p>
+          <a:p>
             <a:r>
-              <a:rPr lang="en-US" sz="2400" b="1" dirty="0" smtClean="0">
-                <a:solidFill>
-                  <a:srgbClr val="00B050"/>
-                </a:solidFill>
-                <a:latin typeface="Courier New" panose="02070309020205020404" pitchFamily="49" charset="0"/>
-                <a:cs typeface="Courier New" panose="02070309020205020404" pitchFamily="49" charset="0"/>
-              </a:rPr>
-              <a:t>0</a:t>
-            </a:r>
-            <a:endParaRPr lang="en-US" sz="2400" b="1" dirty="0" smtClean="0">
-              <a:solidFill>
-                <a:srgbClr val="00B050"/>
-              </a:solidFill>
-              <a:latin typeface="Courier New" panose="02070309020205020404" pitchFamily="49" charset="0"/>
-              <a:cs typeface="Courier New" panose="02070309020205020404" pitchFamily="49" charset="0"/>
-            </a:endParaRPr>
-          </a:p>
-          <a:p>
-            <a:r>
-              <a:rPr lang="en-US" sz="2400" b="1" dirty="0" smtClean="0">
+              <a:rPr lang="en-US" sz="2400" b="1" dirty="0">
                 <a:solidFill>
                   <a:srgbClr val="FF0000"/>
                 </a:solidFill>
                 <a:latin typeface="Courier New" panose="02070309020205020404" pitchFamily="49" charset="0"/>
                 <a:cs typeface="Courier New" panose="02070309020205020404" pitchFamily="49" charset="0"/>
               </a:rPr>
-              <a:t>tail = </a:t>
+              <a:t>tail = 4</a:t>
             </a:r>
-            <a:r>
-              <a:rPr lang="en-US" sz="2400" b="1" dirty="0" smtClean="0">
-                <a:solidFill>
-                  <a:srgbClr val="FF0000"/>
-                </a:solidFill>
-                <a:latin typeface="Courier New" panose="02070309020205020404" pitchFamily="49" charset="0"/>
-                <a:cs typeface="Courier New" panose="02070309020205020404" pitchFamily="49" charset="0"/>
-              </a:rPr>
-              <a:t>4</a:t>
-            </a:r>
-            <a:endParaRPr lang="en-US" sz="2400" b="1" dirty="0">
-              <a:solidFill>
-                <a:srgbClr val="FF0000"/>
-              </a:solidFill>
-              <a:latin typeface="Courier New" panose="02070309020205020404" pitchFamily="49" charset="0"/>
-              <a:cs typeface="Courier New" panose="02070309020205020404" pitchFamily="49" charset="0"/>
-            </a:endParaRPr>
           </a:p>
         </p:txBody>
       </p:sp>
@@ -20253,10 +19934,9 @@
           <a:lstStyle/>
           <a:p>
             <a:r>
-              <a:rPr lang="en-US" sz="2000" b="1" dirty="0" smtClean="0"/>
+              <a:rPr lang="en-US" sz="2000" b="1" dirty="0"/>
               <a:t>0</a:t>
             </a:r>
-            <a:endParaRPr lang="en-US" sz="2000" b="1" dirty="0"/>
           </a:p>
         </p:txBody>
       </p:sp>
@@ -20283,10 +19963,9 @@
           <a:lstStyle/>
           <a:p>
             <a:r>
-              <a:rPr lang="en-US" sz="2000" b="1" dirty="0" smtClean="0"/>
+              <a:rPr lang="en-US" sz="2000" b="1" dirty="0"/>
               <a:t>1</a:t>
             </a:r>
-            <a:endParaRPr lang="en-US" sz="2000" b="1" dirty="0"/>
           </a:p>
         </p:txBody>
       </p:sp>
@@ -20313,10 +19992,9 @@
           <a:lstStyle/>
           <a:p>
             <a:r>
-              <a:rPr lang="en-US" sz="2000" b="1" dirty="0" smtClean="0"/>
+              <a:rPr lang="en-US" sz="2000" b="1" dirty="0"/>
               <a:t>2</a:t>
             </a:r>
-            <a:endParaRPr lang="en-US" sz="2000" b="1" dirty="0"/>
           </a:p>
         </p:txBody>
       </p:sp>
@@ -20343,10 +20021,9 @@
           <a:lstStyle/>
           <a:p>
             <a:r>
-              <a:rPr lang="en-US" sz="2000" b="1" dirty="0" smtClean="0"/>
+              <a:rPr lang="en-US" sz="2000" b="1" dirty="0"/>
               <a:t>3</a:t>
             </a:r>
-            <a:endParaRPr lang="en-US" sz="2000" b="1" dirty="0"/>
           </a:p>
         </p:txBody>
       </p:sp>
@@ -20373,10 +20050,9 @@
           <a:lstStyle/>
           <a:p>
             <a:r>
-              <a:rPr lang="en-US" sz="2000" b="1" dirty="0" smtClean="0"/>
+              <a:rPr lang="en-US" sz="2000" b="1" dirty="0"/>
               <a:t>4</a:t>
             </a:r>
-            <a:endParaRPr lang="en-US" sz="2000" b="1" dirty="0"/>
           </a:p>
         </p:txBody>
       </p:sp>
@@ -20403,10 +20079,9 @@
           <a:lstStyle/>
           <a:p>
             <a:r>
-              <a:rPr lang="en-US" sz="2000" b="1" dirty="0" smtClean="0"/>
+              <a:rPr lang="en-US" sz="2000" b="1" dirty="0"/>
               <a:t>5</a:t>
             </a:r>
-            <a:endParaRPr lang="en-US" sz="2000" b="1" dirty="0"/>
           </a:p>
         </p:txBody>
       </p:sp>
@@ -20433,10 +20108,9 @@
           <a:lstStyle/>
           <a:p>
             <a:r>
-              <a:rPr lang="en-US" sz="2000" b="1" dirty="0" smtClean="0"/>
+              <a:rPr lang="en-US" sz="2000" b="1" dirty="0"/>
               <a:t>6</a:t>
             </a:r>
-            <a:endParaRPr lang="en-US" sz="2000" b="1" dirty="0"/>
           </a:p>
         </p:txBody>
       </p:sp>
@@ -20463,10 +20137,9 @@
           <a:lstStyle/>
           <a:p>
             <a:r>
-              <a:rPr lang="en-US" sz="2000" b="1" dirty="0" smtClean="0"/>
+              <a:rPr lang="en-US" sz="2000" b="1" dirty="0"/>
               <a:t>7</a:t>
             </a:r>
-            <a:endParaRPr lang="en-US" sz="2000" b="1" dirty="0"/>
           </a:p>
         </p:txBody>
       </p:sp>
@@ -20493,18 +20166,13 @@
           <a:lstStyle/>
           <a:p>
             <a:r>
-              <a:rPr lang="en-US" sz="4400" dirty="0" smtClean="0">
+              <a:rPr lang="en-US" sz="4400" dirty="0">
                 <a:solidFill>
                   <a:srgbClr val="0070C0"/>
                 </a:solidFill>
               </a:rPr>
               <a:t>a</a:t>
             </a:r>
-            <a:endParaRPr lang="en-US" sz="4400" dirty="0">
-              <a:solidFill>
-                <a:srgbClr val="0070C0"/>
-              </a:solidFill>
-            </a:endParaRPr>
           </a:p>
         </p:txBody>
       </p:sp>
@@ -20531,18 +20199,13 @@
           <a:lstStyle/>
           <a:p>
             <a:r>
-              <a:rPr lang="en-US" sz="4400" dirty="0" smtClean="0">
+              <a:rPr lang="en-US" sz="4400" dirty="0">
                 <a:solidFill>
                   <a:srgbClr val="0070C0"/>
                 </a:solidFill>
               </a:rPr>
               <a:t>b</a:t>
             </a:r>
-            <a:endParaRPr lang="en-US" sz="4400" dirty="0">
-              <a:solidFill>
-                <a:srgbClr val="0070C0"/>
-              </a:solidFill>
-            </a:endParaRPr>
           </a:p>
         </p:txBody>
       </p:sp>
@@ -20569,18 +20232,13 @@
           <a:lstStyle/>
           <a:p>
             <a:r>
-              <a:rPr lang="en-US" sz="4400" dirty="0" smtClean="0">
+              <a:rPr lang="en-US" sz="4400" dirty="0">
                 <a:solidFill>
                   <a:srgbClr val="0070C0"/>
                 </a:solidFill>
               </a:rPr>
               <a:t>c</a:t>
             </a:r>
-            <a:endParaRPr lang="en-US" sz="4400" dirty="0">
-              <a:solidFill>
-                <a:srgbClr val="0070C0"/>
-              </a:solidFill>
-            </a:endParaRPr>
           </a:p>
         </p:txBody>
       </p:sp>
@@ -20607,18 +20265,13 @@
           <a:lstStyle/>
           <a:p>
             <a:r>
-              <a:rPr lang="en-US" sz="4400" dirty="0" smtClean="0">
+              <a:rPr lang="en-US" sz="4400" dirty="0">
                 <a:solidFill>
                   <a:srgbClr val="0070C0"/>
                 </a:solidFill>
               </a:rPr>
               <a:t>d</a:t>
             </a:r>
-            <a:endParaRPr lang="en-US" sz="4400" dirty="0">
-              <a:solidFill>
-                <a:srgbClr val="0070C0"/>
-              </a:solidFill>
-            </a:endParaRPr>
           </a:p>
         </p:txBody>
       </p:sp>
@@ -20645,18 +20298,13 @@
           <a:lstStyle/>
           <a:p>
             <a:r>
-              <a:rPr lang="en-US" sz="4400" dirty="0" smtClean="0">
+              <a:rPr lang="en-US" sz="4400" dirty="0">
                 <a:solidFill>
                   <a:srgbClr val="7030A0"/>
                 </a:solidFill>
               </a:rPr>
               <a:t>e</a:t>
             </a:r>
-            <a:endParaRPr lang="en-US" sz="4400" dirty="0">
-              <a:solidFill>
-                <a:srgbClr val="7030A0"/>
-              </a:solidFill>
-            </a:endParaRPr>
           </a:p>
         </p:txBody>
       </p:sp>
